--- a/Python.pptx
+++ b/Python.pptx
@@ -2,25 +2,26 @@
 <file path=ppt/presentation.xml><?xml version="1.0" encoding="utf-8"?>
 <p:presentation xmlns:a="http://schemas.openxmlformats.org/drawingml/2006/main" xmlns:r="http://schemas.openxmlformats.org/officeDocument/2006/relationships" xmlns:p="http://schemas.openxmlformats.org/presentationml/2006/main" removePersonalInfoOnSave="1" autoCompressPictures="0">
   <p:sldMasterIdLst>
-    <p:sldMasterId id="2147483744" r:id="rId4"/>
+    <p:sldMasterId id="2147483942" r:id="rId4"/>
   </p:sldMasterIdLst>
   <p:notesMasterIdLst>
-    <p:notesMasterId r:id="rId9"/>
+    <p:notesMasterId r:id="rId10"/>
   </p:notesMasterIdLst>
   <p:handoutMasterIdLst>
-    <p:handoutMasterId r:id="rId10"/>
+    <p:handoutMasterId r:id="rId11"/>
   </p:handoutMasterIdLst>
   <p:sldIdLst>
     <p:sldId id="256" r:id="rId5"/>
     <p:sldId id="276" r:id="rId6"/>
     <p:sldId id="275" r:id="rId7"/>
-    <p:sldId id="274" r:id="rId8"/>
+    <p:sldId id="277" r:id="rId8"/>
+    <p:sldId id="274" r:id="rId9"/>
   </p:sldIdLst>
   <p:sldSz cx="12192000" cy="6858000"/>
   <p:notesSz cx="6858000" cy="9144000"/>
   <p:defaultTextStyle>
-    <a:defPPr rtl="0">
-      <a:defRPr lang="hu"/>
+    <a:defPPr>
+      <a:defRPr lang="en-US"/>
     </a:defPPr>
     <a:lvl1pPr marL="0" algn="l" defTabSz="457200" rtl="0" eaLnBrk="1" latinLnBrk="0" hangingPunct="1">
       <a:defRPr sz="1800" kern="1200">
@@ -229,7 +230,7 @@
           <a:p>
             <a:fld id="{B974A132-A2E9-4A53-AF4B-FAF9D57572FB}" type="datetimeFigureOut">
               <a:rPr lang="hu-HU" smtClean="0"/>
-              <a:t>2022.09.12.</a:t>
+              <a:t>2022.09.14.</a:t>
             </a:fld>
             <a:endParaRPr lang="hu-HU"/>
           </a:p>
@@ -407,7 +408,7 @@
           <a:p>
             <a:fld id="{87BEBC67-D019-4583-984E-B2250759AAE5}" type="datetimeFigureOut">
               <a:rPr lang="hu-HU" noProof="0" smtClean="0"/>
-              <a:t>2022.09.12.</a:t>
+              <a:t>2022.09.14.</a:t>
             </a:fld>
             <a:endParaRPr lang="hu-HU" noProof="0"/>
           </a:p>
@@ -824,7 +825,7 @@
           <a:p>
             <a:fld id="{B23E6C88-5714-4435-A8C0-B617125C99F0}" type="slidenum">
               <a:rPr lang="hu-HU" noProof="0" smtClean="0"/>
-              <a:t>4</a:t>
+              <a:t>5</a:t>
             </a:fld>
             <a:endParaRPr lang="hu-HU" noProof="0"/>
           </a:p>
@@ -867,7 +868,7 @@
       </p:grpSpPr>
       <p:pic>
         <p:nvPicPr>
-          <p:cNvPr id="7" name="Kép 6" descr="Celestia-R1---OverlayTitleHD.png"/>
+          <p:cNvPr id="7" name="Picture 6" descr="Celestia-R1---OverlayTitleHD.png"/>
           <p:cNvPicPr>
             <a:picLocks noChangeAspect="1"/>
           </p:cNvPicPr>
@@ -897,12 +898,12 @@
       </p:pic>
       <p:sp>
         <p:nvSpPr>
-          <p:cNvPr id="2" name="Cím 1"/>
-          <p:cNvSpPr>
-            <a:spLocks noGrp="1"/>
-          </p:cNvSpPr>
-          <p:nvPr>
-            <p:ph type="ctrTitle" hasCustomPrompt="1"/>
+          <p:cNvPr id="2" name="Title 1"/>
+          <p:cNvSpPr>
+            <a:spLocks noGrp="1"/>
+          </p:cNvSpPr>
+          <p:nvPr>
+            <p:ph type="ctrTitle"/>
           </p:nvPr>
         </p:nvSpPr>
         <p:spPr>
@@ -912,7 +913,7 @@
           </a:xfrm>
         </p:spPr>
         <p:txBody>
-          <a:bodyPr rtlCol="0" anchor="b">
+          <a:bodyPr anchor="b">
             <a:normAutofit/>
           </a:bodyPr>
           <a:lstStyle>
@@ -923,22 +924,22 @@
             </a:lvl1pPr>
           </a:lstStyle>
           <a:p>
-            <a:pPr rtl="0"/>
-            <a:r>
-              <a:rPr lang="hu-HU" noProof="0"/>
-              <a:t>Mintacím stílusának szerkesztése</a:t>
-            </a:r>
-          </a:p>
-        </p:txBody>
-      </p:sp>
-      <p:sp>
-        <p:nvSpPr>
-          <p:cNvPr id="3" name="Alcím 2"/>
-          <p:cNvSpPr>
-            <a:spLocks noGrp="1"/>
-          </p:cNvSpPr>
-          <p:nvPr>
-            <p:ph type="subTitle" idx="1" hasCustomPrompt="1"/>
+            <a:r>
+              <a:rPr lang="hu-HU" smtClean="0"/>
+              <a:t>Mintacím szerkesztése</a:t>
+            </a:r>
+            <a:endParaRPr lang="en-US" dirty="0"/>
+          </a:p>
+        </p:txBody>
+      </p:sp>
+      <p:sp>
+        <p:nvSpPr>
+          <p:cNvPr id="3" name="Subtitle 2"/>
+          <p:cNvSpPr>
+            <a:spLocks noGrp="1"/>
+          </p:cNvSpPr>
+          <p:nvPr>
+            <p:ph type="subTitle" idx="1"/>
           </p:nvPr>
         </p:nvSpPr>
         <p:spPr>
@@ -948,7 +949,7 @@
           </a:xfrm>
         </p:spPr>
         <p:txBody>
-          <a:bodyPr rtlCol="0" anchor="t">
+          <a:bodyPr anchor="t">
             <a:normAutofit/>
           </a:bodyPr>
           <a:lstStyle>
@@ -1042,17 +1043,17 @@
             </a:lvl9pPr>
           </a:lstStyle>
           <a:p>
-            <a:pPr rtl="0"/>
-            <a:r>
-              <a:rPr lang="hu-HU" noProof="0"/>
-              <a:t>Alcím mintájának szerkesztése</a:t>
-            </a:r>
-          </a:p>
-        </p:txBody>
-      </p:sp>
-      <p:sp>
-        <p:nvSpPr>
-          <p:cNvPr id="4" name="Dátum helye 3"/>
+            <a:r>
+              <a:rPr lang="hu-HU" smtClean="0"/>
+              <a:t>Kattintson ide az alcím mintájának szerkesztéséhez</a:t>
+            </a:r>
+            <a:endParaRPr lang="en-US" dirty="0"/>
+          </a:p>
+        </p:txBody>
+      </p:sp>
+      <p:sp>
+        <p:nvSpPr>
+          <p:cNvPr id="4" name="Date Placeholder 3"/>
           <p:cNvSpPr>
             <a:spLocks noGrp="1"/>
           </p:cNvSpPr>
@@ -1067,13 +1068,13 @@
           </a:xfrm>
         </p:spPr>
         <p:txBody>
-          <a:bodyPr rtlCol="0"/>
+          <a:bodyPr/>
           <a:lstStyle/>
           <a:p>
             <a:pPr rtl="0"/>
             <a:fld id="{3CE821E0-3410-4A88-8DED-9DBA15C6BBE6}" type="datetime1">
               <a:rPr lang="hu-HU" noProof="0" smtClean="0"/>
-              <a:t>2022.09.12.</a:t>
+              <a:t>2022.09.14.</a:t>
             </a:fld>
             <a:endParaRPr lang="hu-HU" noProof="0"/>
           </a:p>
@@ -1081,7 +1082,7 @@
       </p:sp>
       <p:sp>
         <p:nvSpPr>
-          <p:cNvPr id="5" name="Élőláb helye 4"/>
+          <p:cNvPr id="5" name="Footer Placeholder 4"/>
           <p:cNvSpPr>
             <a:spLocks noGrp="1"/>
           </p:cNvSpPr>
@@ -1096,7 +1097,7 @@
           </a:xfrm>
         </p:spPr>
         <p:txBody>
-          <a:bodyPr rtlCol="0"/>
+          <a:bodyPr/>
           <a:lstStyle/>
           <a:p>
             <a:pPr rtl="0"/>
@@ -1106,7 +1107,7 @@
       </p:sp>
       <p:sp>
         <p:nvSpPr>
-          <p:cNvPr id="6" name="Dia számának helye 5"/>
+          <p:cNvPr id="6" name="Slide Number Placeholder 5"/>
           <p:cNvSpPr>
             <a:spLocks noGrp="1"/>
           </p:cNvSpPr>
@@ -1121,7 +1122,7 @@
           </a:xfrm>
         </p:spPr>
         <p:txBody>
-          <a:bodyPr rtlCol="0"/>
+          <a:bodyPr/>
           <a:lstStyle/>
           <a:p>
             <a:pPr rtl="0"/>
@@ -1137,7 +1138,7 @@
     </p:spTree>
     <p:extLst>
       <p:ext uri="{BB962C8B-B14F-4D97-AF65-F5344CB8AC3E}">
-        <p14:creationId xmlns:p14="http://schemas.microsoft.com/office/powerpoint/2010/main" val="2202325018"/>
+        <p14:creationId xmlns:p14="http://schemas.microsoft.com/office/powerpoint/2010/main" val="3434375881"/>
       </p:ext>
     </p:extLst>
   </p:cSld>
@@ -1149,7 +1150,7 @@
 
 <file path=ppt/slideLayouts/slideLayout10.xml><?xml version="1.0" encoding="utf-8"?>
 <p:sldLayout xmlns:a="http://schemas.openxmlformats.org/drawingml/2006/main" xmlns:r="http://schemas.openxmlformats.org/officeDocument/2006/relationships" xmlns:p="http://schemas.openxmlformats.org/presentationml/2006/main" preserve="1">
-  <p:cSld name="Széles kép képaláírással">
+  <p:cSld name="Panorámakép képaláírással">
     <p:spTree>
       <p:nvGrpSpPr>
         <p:cNvPr id="1" name=""/>
@@ -1166,7 +1167,7 @@
       </p:grpSpPr>
       <p:pic>
         <p:nvPicPr>
-          <p:cNvPr id="8" name="Kép 7" descr="Celestia-R1---OverlayContentHD.png"/>
+          <p:cNvPr id="8" name="Picture 7" descr="Celestia-R1---OverlayContentHD.png"/>
           <p:cNvPicPr>
             <a:picLocks noChangeAspect="1"/>
           </p:cNvPicPr>
@@ -1196,12 +1197,12 @@
       </p:pic>
       <p:sp>
         <p:nvSpPr>
-          <p:cNvPr id="2" name="Cím 1"/>
-          <p:cNvSpPr>
-            <a:spLocks noGrp="1"/>
-          </p:cNvSpPr>
-          <p:nvPr>
-            <p:ph type="title" hasCustomPrompt="1"/>
+          <p:cNvPr id="2" name="Title 1"/>
+          <p:cNvSpPr>
+            <a:spLocks noGrp="1"/>
+          </p:cNvSpPr>
+          <p:nvPr>
+            <p:ph type="title"/>
           </p:nvPr>
         </p:nvSpPr>
         <p:spPr>
@@ -1211,7 +1212,7 @@
           </a:xfrm>
         </p:spPr>
         <p:txBody>
-          <a:bodyPr rtlCol="0" anchor="b">
+          <a:bodyPr anchor="b">
             <a:normAutofit/>
           </a:bodyPr>
           <a:lstStyle>
@@ -1220,22 +1221,22 @@
             </a:lvl1pPr>
           </a:lstStyle>
           <a:p>
-            <a:pPr rtl="0"/>
-            <a:r>
-              <a:rPr lang="hu-HU" noProof="0"/>
-              <a:t>Mintacím stílusának szerkesztése</a:t>
-            </a:r>
-          </a:p>
-        </p:txBody>
-      </p:sp>
-      <p:sp>
-        <p:nvSpPr>
-          <p:cNvPr id="3" name="Kép helyőrzője 2"/>
+            <a:r>
+              <a:rPr lang="hu-HU" smtClean="0"/>
+              <a:t>Mintacím szerkesztése</a:t>
+            </a:r>
+            <a:endParaRPr lang="en-US" dirty="0"/>
+          </a:p>
+        </p:txBody>
+      </p:sp>
+      <p:sp>
+        <p:nvSpPr>
+          <p:cNvPr id="3" name="Picture Placeholder 2"/>
           <p:cNvSpPr>
             <a:spLocks noGrp="1" noChangeAspect="1"/>
           </p:cNvSpPr>
           <p:nvPr>
-            <p:ph type="pic" idx="1" hasCustomPrompt="1"/>
+            <p:ph type="pic" idx="1"/>
           </p:nvPr>
         </p:nvSpPr>
         <p:spPr>
@@ -1276,7 +1277,7 @@
           </a:effectLst>
         </p:spPr>
         <p:txBody>
-          <a:bodyPr rtlCol="0" anchor="t">
+          <a:bodyPr anchor="t">
             <a:normAutofit/>
           </a:bodyPr>
           <a:lstStyle>
@@ -1318,17 +1319,17 @@
             </a:lvl9pPr>
           </a:lstStyle>
           <a:p>
-            <a:pPr rtl="0"/>
-            <a:r>
-              <a:rPr lang="hu-HU" noProof="0"/>
-              <a:t>Kép hozzáadásához kattintson az ikonra</a:t>
-            </a:r>
-          </a:p>
-        </p:txBody>
-      </p:sp>
-      <p:sp>
-        <p:nvSpPr>
-          <p:cNvPr id="4" name="Szöveg helye 3"/>
+            <a:r>
+              <a:rPr lang="hu-HU" smtClean="0"/>
+              <a:t>Kép beszúrásához kattintson az ikonra</a:t>
+            </a:r>
+            <a:endParaRPr lang="en-US" dirty="0"/>
+          </a:p>
+        </p:txBody>
+      </p:sp>
+      <p:sp>
+        <p:nvSpPr>
+          <p:cNvPr id="4" name="Text Placeholder 3"/>
           <p:cNvSpPr>
             <a:spLocks noGrp="1"/>
           </p:cNvSpPr>
@@ -1343,7 +1344,7 @@
           </a:xfrm>
         </p:spPr>
         <p:txBody>
-          <a:bodyPr rtlCol="0" anchor="t">
+          <a:bodyPr anchor="t">
             <a:normAutofit/>
           </a:bodyPr>
           <a:lstStyle>
@@ -1385,33 +1386,33 @@
             </a:lvl9pPr>
           </a:lstStyle>
           <a:p>
-            <a:pPr lvl="0" rtl="0"/>
-            <a:r>
+            <a:pPr lvl="0"/>
+            <a:r>
+              <a:rPr lang="hu-HU" smtClean="0"/>
+              <a:t>Mintaszöveg szerkesztése</a:t>
+            </a:r>
+          </a:p>
+        </p:txBody>
+      </p:sp>
+      <p:sp>
+        <p:nvSpPr>
+          <p:cNvPr id="5" name="Date Placeholder 4"/>
+          <p:cNvSpPr>
+            <a:spLocks noGrp="1"/>
+          </p:cNvSpPr>
+          <p:nvPr>
+            <p:ph type="dt" sz="half" idx="10"/>
+          </p:nvPr>
+        </p:nvSpPr>
+        <p:spPr/>
+        <p:txBody>
+          <a:bodyPr/>
+          <a:lstStyle/>
+          <a:p>
+            <a:pPr rtl="0"/>
+            <a:fld id="{4B4976FB-FBCE-40A1-9B83-A9B94C11CE00}" type="datetime1">
               <a:rPr lang="hu-HU" noProof="0" smtClean="0"/>
-              <a:t>Mintaszöveg szerkesztése</a:t>
-            </a:r>
-          </a:p>
-        </p:txBody>
-      </p:sp>
-      <p:sp>
-        <p:nvSpPr>
-          <p:cNvPr id="5" name="Dátum helye 4"/>
-          <p:cNvSpPr>
-            <a:spLocks noGrp="1"/>
-          </p:cNvSpPr>
-          <p:nvPr>
-            <p:ph type="dt" sz="half" idx="10"/>
-          </p:nvPr>
-        </p:nvSpPr>
-        <p:spPr/>
-        <p:txBody>
-          <a:bodyPr rtlCol="0"/>
-          <a:lstStyle/>
-          <a:p>
-            <a:pPr rtl="0"/>
-            <a:fld id="{BF64ACC7-00B1-41DB-A83C-7393F35BCA3F}" type="datetime1">
-              <a:rPr lang="hu-HU" noProof="0" smtClean="0"/>
-              <a:t>2022.09.12.</a:t>
+              <a:t>2022.09.14.</a:t>
             </a:fld>
             <a:endParaRPr lang="hu-HU" noProof="0"/>
           </a:p>
@@ -1419,7 +1420,7 @@
       </p:sp>
       <p:sp>
         <p:nvSpPr>
-          <p:cNvPr id="6" name="Élőláb helye 5"/>
+          <p:cNvPr id="6" name="Footer Placeholder 5"/>
           <p:cNvSpPr>
             <a:spLocks noGrp="1"/>
           </p:cNvSpPr>
@@ -1429,7 +1430,7 @@
         </p:nvSpPr>
         <p:spPr/>
         <p:txBody>
-          <a:bodyPr rtlCol="0"/>
+          <a:bodyPr/>
           <a:lstStyle/>
           <a:p>
             <a:pPr rtl="0"/>
@@ -1439,7 +1440,7 @@
       </p:sp>
       <p:sp>
         <p:nvSpPr>
-          <p:cNvPr id="7" name="Dia számának helye 6"/>
+          <p:cNvPr id="7" name="Slide Number Placeholder 6"/>
           <p:cNvSpPr>
             <a:spLocks noGrp="1"/>
           </p:cNvSpPr>
@@ -1449,7 +1450,7 @@
         </p:nvSpPr>
         <p:spPr/>
         <p:txBody>
-          <a:bodyPr rtlCol="0"/>
+          <a:bodyPr/>
           <a:lstStyle/>
           <a:p>
             <a:pPr rtl="0"/>
@@ -1465,19 +1466,20 @@
     </p:spTree>
     <p:extLst>
       <p:ext uri="{BB962C8B-B14F-4D97-AF65-F5344CB8AC3E}">
-        <p14:creationId xmlns:p14="http://schemas.microsoft.com/office/powerpoint/2010/main" val="3386312784"/>
+        <p14:creationId xmlns:p14="http://schemas.microsoft.com/office/powerpoint/2010/main" val="3409418443"/>
       </p:ext>
     </p:extLst>
   </p:cSld>
   <p:clrMapOvr>
     <a:masterClrMapping/>
   </p:clrMapOvr>
+  <p:hf sldNum="0" hdr="0" ftr="0" dt="0"/>
 </p:sldLayout>
 </file>
 
 <file path=ppt/slideLayouts/slideLayout11.xml><?xml version="1.0" encoding="utf-8"?>
 <p:sldLayout xmlns:a="http://schemas.openxmlformats.org/drawingml/2006/main" xmlns:r="http://schemas.openxmlformats.org/officeDocument/2006/relationships" xmlns:p="http://schemas.openxmlformats.org/presentationml/2006/main" preserve="1">
-  <p:cSld name="Cím és felirat">
+  <p:cSld name="Cím és képaláírás">
     <p:spTree>
       <p:nvGrpSpPr>
         <p:cNvPr id="1" name=""/>
@@ -1494,7 +1496,7 @@
       </p:grpSpPr>
       <p:pic>
         <p:nvPicPr>
-          <p:cNvPr id="7" name="Kép 6" descr="Celestia-R1---OverlayContentHD.png"/>
+          <p:cNvPr id="7" name="Picture 6" descr="Celestia-R1---OverlayContentHD.png"/>
           <p:cNvPicPr>
             <a:picLocks noChangeAspect="1"/>
           </p:cNvPicPr>
@@ -1524,12 +1526,12 @@
       </p:pic>
       <p:sp>
         <p:nvSpPr>
-          <p:cNvPr id="2" name="Cím 1"/>
-          <p:cNvSpPr>
-            <a:spLocks noGrp="1"/>
-          </p:cNvSpPr>
-          <p:nvPr>
-            <p:ph type="title" hasCustomPrompt="1"/>
+          <p:cNvPr id="2" name="Title 1"/>
+          <p:cNvSpPr>
+            <a:spLocks noGrp="1"/>
+          </p:cNvSpPr>
+          <p:nvPr>
+            <p:ph type="title"/>
           </p:nvPr>
         </p:nvSpPr>
         <p:spPr>
@@ -1539,7 +1541,7 @@
           </a:xfrm>
         </p:spPr>
         <p:txBody>
-          <a:bodyPr rtlCol="0" anchor="ctr">
+          <a:bodyPr anchor="ctr">
             <a:normAutofit/>
           </a:bodyPr>
           <a:lstStyle>
@@ -1548,17 +1550,17 @@
             </a:lvl1pPr>
           </a:lstStyle>
           <a:p>
-            <a:pPr rtl="0"/>
-            <a:r>
-              <a:rPr lang="hu-HU" noProof="0"/>
-              <a:t>Mintacím stílusának szerkesztése</a:t>
-            </a:r>
-          </a:p>
-        </p:txBody>
-      </p:sp>
-      <p:sp>
-        <p:nvSpPr>
-          <p:cNvPr id="3" name="Szöveg helye 2"/>
+            <a:r>
+              <a:rPr lang="hu-HU" smtClean="0"/>
+              <a:t>Mintacím szerkesztése</a:t>
+            </a:r>
+            <a:endParaRPr lang="en-US" dirty="0"/>
+          </a:p>
+        </p:txBody>
+      </p:sp>
+      <p:sp>
+        <p:nvSpPr>
+          <p:cNvPr id="3" name="Text Placeholder 2"/>
           <p:cNvSpPr>
             <a:spLocks noGrp="1"/>
           </p:cNvSpPr>
@@ -1573,7 +1575,7 @@
           </a:xfrm>
         </p:spPr>
         <p:txBody>
-          <a:bodyPr rtlCol="0" anchor="ctr">
+          <a:bodyPr anchor="ctr">
             <a:normAutofit/>
           </a:bodyPr>
           <a:lstStyle>
@@ -1667,33 +1669,33 @@
             </a:lvl9pPr>
           </a:lstStyle>
           <a:p>
-            <a:pPr lvl="0" rtl="0"/>
-            <a:r>
+            <a:pPr lvl="0"/>
+            <a:r>
+              <a:rPr lang="hu-HU" smtClean="0"/>
+              <a:t>Mintaszöveg szerkesztése</a:t>
+            </a:r>
+          </a:p>
+        </p:txBody>
+      </p:sp>
+      <p:sp>
+        <p:nvSpPr>
+          <p:cNvPr id="4" name="Date Placeholder 3"/>
+          <p:cNvSpPr>
+            <a:spLocks noGrp="1"/>
+          </p:cNvSpPr>
+          <p:nvPr>
+            <p:ph type="dt" sz="half" idx="10"/>
+          </p:nvPr>
+        </p:nvSpPr>
+        <p:spPr/>
+        <p:txBody>
+          <a:bodyPr/>
+          <a:lstStyle/>
+          <a:p>
+            <a:pPr rtl="0"/>
+            <a:fld id="{4B4976FB-FBCE-40A1-9B83-A9B94C11CE00}" type="datetime1">
               <a:rPr lang="hu-HU" noProof="0" smtClean="0"/>
-              <a:t>Mintaszöveg szerkesztése</a:t>
-            </a:r>
-          </a:p>
-        </p:txBody>
-      </p:sp>
-      <p:sp>
-        <p:nvSpPr>
-          <p:cNvPr id="4" name="Dátum helye 3"/>
-          <p:cNvSpPr>
-            <a:spLocks noGrp="1"/>
-          </p:cNvSpPr>
-          <p:nvPr>
-            <p:ph type="dt" sz="half" idx="10"/>
-          </p:nvPr>
-        </p:nvSpPr>
-        <p:spPr/>
-        <p:txBody>
-          <a:bodyPr rtlCol="0"/>
-          <a:lstStyle/>
-          <a:p>
-            <a:pPr rtl="0"/>
-            <a:fld id="{5578EE04-10B3-4D24-87D5-0AA2F3FE549D}" type="datetime1">
-              <a:rPr lang="hu-HU" noProof="0" smtClean="0"/>
-              <a:t>2022.09.12.</a:t>
+              <a:t>2022.09.14.</a:t>
             </a:fld>
             <a:endParaRPr lang="hu-HU" noProof="0"/>
           </a:p>
@@ -1701,7 +1703,7 @@
       </p:sp>
       <p:sp>
         <p:nvSpPr>
-          <p:cNvPr id="5" name="Élőláb helye 4"/>
+          <p:cNvPr id="5" name="Footer Placeholder 4"/>
           <p:cNvSpPr>
             <a:spLocks noGrp="1"/>
           </p:cNvSpPr>
@@ -1711,7 +1713,7 @@
         </p:nvSpPr>
         <p:spPr/>
         <p:txBody>
-          <a:bodyPr rtlCol="0"/>
+          <a:bodyPr/>
           <a:lstStyle/>
           <a:p>
             <a:pPr rtl="0"/>
@@ -1721,7 +1723,7 @@
       </p:sp>
       <p:sp>
         <p:nvSpPr>
-          <p:cNvPr id="6" name="Dia számának helye 5"/>
+          <p:cNvPr id="6" name="Slide Number Placeholder 5"/>
           <p:cNvSpPr>
             <a:spLocks noGrp="1"/>
           </p:cNvSpPr>
@@ -1731,7 +1733,7 @@
         </p:nvSpPr>
         <p:spPr/>
         <p:txBody>
-          <a:bodyPr rtlCol="0"/>
+          <a:bodyPr/>
           <a:lstStyle/>
           <a:p>
             <a:pPr rtl="0"/>
@@ -1747,13 +1749,14 @@
     </p:spTree>
     <p:extLst>
       <p:ext uri="{BB962C8B-B14F-4D97-AF65-F5344CB8AC3E}">
-        <p14:creationId xmlns:p14="http://schemas.microsoft.com/office/powerpoint/2010/main" val="3498008873"/>
+        <p14:creationId xmlns:p14="http://schemas.microsoft.com/office/powerpoint/2010/main" val="4160432206"/>
       </p:ext>
     </p:extLst>
   </p:cSld>
   <p:clrMapOvr>
     <a:masterClrMapping/>
   </p:clrMapOvr>
+  <p:hf sldNum="0" hdr="0" ftr="0" dt="0"/>
 </p:sldLayout>
 </file>
 
@@ -1776,7 +1779,7 @@
       </p:grpSpPr>
       <p:pic>
         <p:nvPicPr>
-          <p:cNvPr id="11" name="Kép 10" descr="Celestia-R1---OverlayContentHD.png"/>
+          <p:cNvPr id="16" name="Picture 15" descr="Celestia-R1---OverlayContentHD.png"/>
           <p:cNvPicPr>
             <a:picLocks noChangeAspect="1"/>
           </p:cNvPicPr>
@@ -1806,7 +1809,7 @@
       </p:pic>
       <p:sp>
         <p:nvSpPr>
-          <p:cNvPr id="13" name="Szövegdoboz 12"/>
+          <p:cNvPr id="15" name="TextBox 14"/>
           <p:cNvSpPr txBox="1"/>
           <p:nvPr/>
         </p:nvSpPr>
@@ -1907,9 +1910,9 @@
             </a:lvl9pPr>
           </a:lstStyle>
           <a:p>
-            <a:pPr lvl="0" algn="r" rtl="0"/>
-            <a:r>
-              <a:rPr lang="hu-HU" sz="8000" noProof="0">
+            <a:pPr lvl="0" algn="r"/>
+            <a:r>
+              <a:rPr lang="en-US" sz="8000" dirty="0">
                 <a:solidFill>
                   <a:schemeClr val="tx1"/>
                 </a:solidFill>
@@ -1922,7 +1925,7 @@
       </p:sp>
       <p:sp>
         <p:nvSpPr>
-          <p:cNvPr id="14" name="Szövegdoboz 13"/>
+          <p:cNvPr id="11" name="TextBox 10"/>
           <p:cNvSpPr txBox="1"/>
           <p:nvPr/>
         </p:nvSpPr>
@@ -2023,27 +2026,27 @@
             </a:lvl9pPr>
           </a:lstStyle>
           <a:p>
-            <a:pPr lvl="0" algn="r" rtl="0"/>
-            <a:r>
-              <a:rPr lang="hu-HU" sz="8000" noProof="0">
+            <a:pPr lvl="0" algn="r"/>
+            <a:r>
+              <a:rPr lang="en-US" sz="8000" dirty="0">
                 <a:solidFill>
                   <a:schemeClr val="tx1"/>
                 </a:solidFill>
                 <a:effectLst/>
               </a:rPr>
-              <a:t>„</a:t>
-            </a:r>
-          </a:p>
-        </p:txBody>
-      </p:sp>
-      <p:sp>
-        <p:nvSpPr>
-          <p:cNvPr id="16" name="Cím 1"/>
-          <p:cNvSpPr>
-            <a:spLocks noGrp="1"/>
-          </p:cNvSpPr>
-          <p:nvPr>
-            <p:ph type="title" hasCustomPrompt="1"/>
+              <a:t>“</a:t>
+            </a:r>
+          </a:p>
+        </p:txBody>
+      </p:sp>
+      <p:sp>
+        <p:nvSpPr>
+          <p:cNvPr id="2" name="Title 1"/>
+          <p:cNvSpPr>
+            <a:spLocks noGrp="1"/>
+          </p:cNvSpPr>
+          <p:nvPr>
+            <p:ph type="title"/>
           </p:nvPr>
         </p:nvSpPr>
         <p:spPr>
@@ -2053,7 +2056,7 @@
           </a:xfrm>
         </p:spPr>
         <p:txBody>
-          <a:bodyPr rtlCol="0" anchor="ctr">
+          <a:bodyPr anchor="ctr">
             <a:normAutofit/>
           </a:bodyPr>
           <a:lstStyle>
@@ -2066,17 +2069,17 @@
             </a:lvl1pPr>
           </a:lstStyle>
           <a:p>
-            <a:pPr rtl="0"/>
-            <a:r>
-              <a:rPr lang="hu-HU" noProof="0"/>
-              <a:t>Mintacím stílusának szerkesztése</a:t>
-            </a:r>
-          </a:p>
-        </p:txBody>
-      </p:sp>
-      <p:sp>
-        <p:nvSpPr>
-          <p:cNvPr id="10" name="Szöveg helye 9"/>
+            <a:r>
+              <a:rPr lang="hu-HU" smtClean="0"/>
+              <a:t>Mintacím szerkesztése</a:t>
+            </a:r>
+            <a:endParaRPr lang="en-US" dirty="0"/>
+          </a:p>
+        </p:txBody>
+      </p:sp>
+      <p:sp>
+        <p:nvSpPr>
+          <p:cNvPr id="10" name="Text Placeholder 9"/>
           <p:cNvSpPr>
             <a:spLocks noGrp="1"/>
           </p:cNvSpPr>
@@ -2091,7 +2094,7 @@
           </a:xfrm>
         </p:spPr>
         <p:txBody>
-          <a:bodyPr rtlCol="0" anchor="ctr"/>
+          <a:bodyPr anchor="ctr"/>
           <a:lstStyle>
             <a:lvl1pPr marL="0" indent="0">
               <a:buFontTx/>
@@ -2120,9 +2123,9 @@
             </a:lvl5pPr>
           </a:lstStyle>
           <a:p>
-            <a:pPr lvl="0" rtl="0"/>
-            <a:r>
-              <a:rPr lang="hu-HU" noProof="0" smtClean="0"/>
+            <a:pPr lvl="0"/>
+            <a:r>
+              <a:rPr lang="hu-HU" smtClean="0"/>
               <a:t>Mintaszöveg szerkesztése</a:t>
             </a:r>
           </a:p>
@@ -2130,7 +2133,7 @@
       </p:sp>
       <p:sp>
         <p:nvSpPr>
-          <p:cNvPr id="3" name="Szöveg helye 2"/>
+          <p:cNvPr id="3" name="Text Placeholder 2"/>
           <p:cNvSpPr>
             <a:spLocks noGrp="1"/>
           </p:cNvSpPr>
@@ -2145,7 +2148,7 @@
           </a:xfrm>
         </p:spPr>
         <p:txBody>
-          <a:bodyPr rtlCol="0" anchor="ctr">
+          <a:bodyPr anchor="ctr">
             <a:normAutofit/>
           </a:bodyPr>
           <a:lstStyle>
@@ -2239,9 +2242,9 @@
             </a:lvl9pPr>
           </a:lstStyle>
           <a:p>
-            <a:pPr lvl="0" rtl="0"/>
-            <a:r>
-              <a:rPr lang="hu-HU" noProof="0" smtClean="0"/>
+            <a:pPr lvl="0"/>
+            <a:r>
+              <a:rPr lang="hu-HU" smtClean="0"/>
               <a:t>Mintaszöveg szerkesztése</a:t>
             </a:r>
           </a:p>
@@ -2249,7 +2252,7 @@
       </p:sp>
       <p:sp>
         <p:nvSpPr>
-          <p:cNvPr id="4" name="Dátum helye 3"/>
+          <p:cNvPr id="4" name="Date Placeholder 3"/>
           <p:cNvSpPr>
             <a:spLocks noGrp="1"/>
           </p:cNvSpPr>
@@ -2259,13 +2262,13 @@
         </p:nvSpPr>
         <p:spPr/>
         <p:txBody>
-          <a:bodyPr rtlCol="0"/>
+          <a:bodyPr/>
           <a:lstStyle/>
           <a:p>
             <a:pPr rtl="0"/>
             <a:fld id="{1660FFFB-BF7F-437D-A4A6-7801D83B6172}" type="datetime1">
               <a:rPr lang="hu-HU" noProof="0" smtClean="0"/>
-              <a:t>2022.09.12.</a:t>
+              <a:t>2022.09.14.</a:t>
             </a:fld>
             <a:endParaRPr lang="hu-HU" noProof="0"/>
           </a:p>
@@ -2273,7 +2276,7 @@
       </p:sp>
       <p:sp>
         <p:nvSpPr>
-          <p:cNvPr id="5" name="Élőláb helye 4"/>
+          <p:cNvPr id="5" name="Footer Placeholder 4"/>
           <p:cNvSpPr>
             <a:spLocks noGrp="1"/>
           </p:cNvSpPr>
@@ -2283,7 +2286,7 @@
         </p:nvSpPr>
         <p:spPr/>
         <p:txBody>
-          <a:bodyPr rtlCol="0"/>
+          <a:bodyPr/>
           <a:lstStyle/>
           <a:p>
             <a:pPr rtl="0"/>
@@ -2293,7 +2296,7 @@
       </p:sp>
       <p:sp>
         <p:nvSpPr>
-          <p:cNvPr id="6" name="Dia számának helye 5"/>
+          <p:cNvPr id="6" name="Slide Number Placeholder 5"/>
           <p:cNvSpPr>
             <a:spLocks noGrp="1"/>
           </p:cNvSpPr>
@@ -2303,7 +2306,7 @@
         </p:nvSpPr>
         <p:spPr/>
         <p:txBody>
-          <a:bodyPr rtlCol="0"/>
+          <a:bodyPr/>
           <a:lstStyle/>
           <a:p>
             <a:pPr rtl="0"/>
@@ -2319,7 +2322,7 @@
     </p:spTree>
     <p:extLst>
       <p:ext uri="{BB962C8B-B14F-4D97-AF65-F5344CB8AC3E}">
-        <p14:creationId xmlns:p14="http://schemas.microsoft.com/office/powerpoint/2010/main" val="320505379"/>
+        <p14:creationId xmlns:p14="http://schemas.microsoft.com/office/powerpoint/2010/main" val="3037224447"/>
       </p:ext>
     </p:extLst>
   </p:cSld>
@@ -2331,7 +2334,7 @@
 
 <file path=ppt/slideLayouts/slideLayout13.xml><?xml version="1.0" encoding="utf-8"?>
 <p:sldLayout xmlns:a="http://schemas.openxmlformats.org/drawingml/2006/main" xmlns:r="http://schemas.openxmlformats.org/officeDocument/2006/relationships" xmlns:p="http://schemas.openxmlformats.org/presentationml/2006/main" preserve="1">
-  <p:cSld name="Névjegy">
+  <p:cSld name="Névkártya">
     <p:spTree>
       <p:nvGrpSpPr>
         <p:cNvPr id="1" name=""/>
@@ -2348,7 +2351,7 @@
       </p:grpSpPr>
       <p:pic>
         <p:nvPicPr>
-          <p:cNvPr id="7" name="Kép 6" descr="Celestia-R1---OverlayContentHD.png"/>
+          <p:cNvPr id="8" name="Picture 7" descr="Celestia-R1---OverlayContentHD.png"/>
           <p:cNvPicPr>
             <a:picLocks noChangeAspect="1"/>
           </p:cNvPicPr>
@@ -2378,12 +2381,12 @@
       </p:pic>
       <p:sp>
         <p:nvSpPr>
-          <p:cNvPr id="2" name="Cím 1"/>
-          <p:cNvSpPr>
-            <a:spLocks noGrp="1"/>
-          </p:cNvSpPr>
-          <p:nvPr>
-            <p:ph type="title" hasCustomPrompt="1"/>
+          <p:cNvPr id="2" name="Title 1"/>
+          <p:cNvSpPr>
+            <a:spLocks noGrp="1"/>
+          </p:cNvSpPr>
+          <p:nvPr>
+            <p:ph type="title"/>
           </p:nvPr>
         </p:nvSpPr>
         <p:spPr>
@@ -2393,7 +2396,7 @@
           </a:xfrm>
         </p:spPr>
         <p:txBody>
-          <a:bodyPr rtlCol="0" anchor="b">
+          <a:bodyPr anchor="b">
             <a:normAutofit/>
           </a:bodyPr>
           <a:lstStyle>
@@ -2402,17 +2405,17 @@
             </a:lvl1pPr>
           </a:lstStyle>
           <a:p>
-            <a:pPr rtl="0"/>
-            <a:r>
-              <a:rPr lang="hu-HU" noProof="0"/>
-              <a:t>Mintacím stílusának szerkesztése</a:t>
-            </a:r>
-          </a:p>
-        </p:txBody>
-      </p:sp>
-      <p:sp>
-        <p:nvSpPr>
-          <p:cNvPr id="3" name="Szöveg helye 2"/>
+            <a:r>
+              <a:rPr lang="hu-HU" smtClean="0"/>
+              <a:t>Mintacím szerkesztése</a:t>
+            </a:r>
+            <a:endParaRPr lang="en-US" dirty="0"/>
+          </a:p>
+        </p:txBody>
+      </p:sp>
+      <p:sp>
+        <p:nvSpPr>
+          <p:cNvPr id="3" name="Text Placeholder 2"/>
           <p:cNvSpPr>
             <a:spLocks noGrp="1"/>
           </p:cNvSpPr>
@@ -2427,7 +2430,7 @@
           </a:xfrm>
         </p:spPr>
         <p:txBody>
-          <a:bodyPr rtlCol="0" anchor="t">
+          <a:bodyPr anchor="t">
             <a:normAutofit/>
           </a:bodyPr>
           <a:lstStyle>
@@ -2521,33 +2524,33 @@
             </a:lvl9pPr>
           </a:lstStyle>
           <a:p>
-            <a:pPr lvl="0" rtl="0"/>
-            <a:r>
+            <a:pPr lvl="0"/>
+            <a:r>
+              <a:rPr lang="hu-HU" smtClean="0"/>
+              <a:t>Mintaszöveg szerkesztése</a:t>
+            </a:r>
+          </a:p>
+        </p:txBody>
+      </p:sp>
+      <p:sp>
+        <p:nvSpPr>
+          <p:cNvPr id="4" name="Date Placeholder 3"/>
+          <p:cNvSpPr>
+            <a:spLocks noGrp="1"/>
+          </p:cNvSpPr>
+          <p:nvPr>
+            <p:ph type="dt" sz="half" idx="10"/>
+          </p:nvPr>
+        </p:nvSpPr>
+        <p:spPr/>
+        <p:txBody>
+          <a:bodyPr/>
+          <a:lstStyle/>
+          <a:p>
+            <a:pPr rtl="0"/>
+            <a:fld id="{4B4976FB-FBCE-40A1-9B83-A9B94C11CE00}" type="datetime1">
               <a:rPr lang="hu-HU" noProof="0" smtClean="0"/>
-              <a:t>Mintaszöveg szerkesztése</a:t>
-            </a:r>
-          </a:p>
-        </p:txBody>
-      </p:sp>
-      <p:sp>
-        <p:nvSpPr>
-          <p:cNvPr id="4" name="Dátum helye 3"/>
-          <p:cNvSpPr>
-            <a:spLocks noGrp="1"/>
-          </p:cNvSpPr>
-          <p:nvPr>
-            <p:ph type="dt" sz="half" idx="10"/>
-          </p:nvPr>
-        </p:nvSpPr>
-        <p:spPr/>
-        <p:txBody>
-          <a:bodyPr rtlCol="0"/>
-          <a:lstStyle/>
-          <a:p>
-            <a:pPr rtl="0"/>
-            <a:fld id="{F51A1065-D6F7-4F18-95EC-02CA6B5B0BC9}" type="datetime1">
-              <a:rPr lang="hu-HU" noProof="0" smtClean="0"/>
-              <a:t>2022.09.12.</a:t>
+              <a:t>2022.09.14.</a:t>
             </a:fld>
             <a:endParaRPr lang="hu-HU" noProof="0"/>
           </a:p>
@@ -2555,7 +2558,7 @@
       </p:sp>
       <p:sp>
         <p:nvSpPr>
-          <p:cNvPr id="5" name="Élőláb helye 4"/>
+          <p:cNvPr id="5" name="Footer Placeholder 4"/>
           <p:cNvSpPr>
             <a:spLocks noGrp="1"/>
           </p:cNvSpPr>
@@ -2565,7 +2568,7 @@
         </p:nvSpPr>
         <p:spPr/>
         <p:txBody>
-          <a:bodyPr rtlCol="0"/>
+          <a:bodyPr/>
           <a:lstStyle/>
           <a:p>
             <a:pPr rtl="0"/>
@@ -2575,7 +2578,7 @@
       </p:sp>
       <p:sp>
         <p:nvSpPr>
-          <p:cNvPr id="6" name="Dia számának helye 5"/>
+          <p:cNvPr id="6" name="Slide Number Placeholder 5"/>
           <p:cNvSpPr>
             <a:spLocks noGrp="1"/>
           </p:cNvSpPr>
@@ -2585,7 +2588,7 @@
         </p:nvSpPr>
         <p:spPr/>
         <p:txBody>
-          <a:bodyPr rtlCol="0"/>
+          <a:bodyPr/>
           <a:lstStyle/>
           <a:p>
             <a:pPr rtl="0"/>
@@ -2601,19 +2604,20 @@
     </p:spTree>
     <p:extLst>
       <p:ext uri="{BB962C8B-B14F-4D97-AF65-F5344CB8AC3E}">
-        <p14:creationId xmlns:p14="http://schemas.microsoft.com/office/powerpoint/2010/main" val="2178569399"/>
+        <p14:creationId xmlns:p14="http://schemas.microsoft.com/office/powerpoint/2010/main" val="3280937888"/>
       </p:ext>
     </p:extLst>
   </p:cSld>
   <p:clrMapOvr>
     <a:masterClrMapping/>
   </p:clrMapOvr>
+  <p:hf sldNum="0" hdr="0" ftr="0" dt="0"/>
 </p:sldLayout>
 </file>
 
 <file path=ppt/slideLayouts/slideLayout14.xml><?xml version="1.0" encoding="utf-8"?>
 <p:sldLayout xmlns:a="http://schemas.openxmlformats.org/drawingml/2006/main" xmlns:r="http://schemas.openxmlformats.org/officeDocument/2006/relationships" xmlns:p="http://schemas.openxmlformats.org/presentationml/2006/main" preserve="1">
-  <p:cSld name="Idézet – névjegy">
+  <p:cSld name="Névkártya idézettel">
     <p:spTree>
       <p:nvGrpSpPr>
         <p:cNvPr id="1" name=""/>
@@ -2630,7 +2634,7 @@
       </p:grpSpPr>
       <p:pic>
         <p:nvPicPr>
-          <p:cNvPr id="11" name="Kép 10" descr="Celestia-R1---OverlayContentHD.png"/>
+          <p:cNvPr id="11" name="Picture 10" descr="Celestia-R1---OverlayContentHD.png"/>
           <p:cNvPicPr>
             <a:picLocks noChangeAspect="1"/>
           </p:cNvPicPr>
@@ -2660,7 +2664,7 @@
       </p:pic>
       <p:sp>
         <p:nvSpPr>
-          <p:cNvPr id="13" name="Szövegdoboz 12"/>
+          <p:cNvPr id="13" name="TextBox 12"/>
           <p:cNvSpPr txBox="1"/>
           <p:nvPr/>
         </p:nvSpPr>
@@ -2761,9 +2765,9 @@
             </a:lvl9pPr>
           </a:lstStyle>
           <a:p>
-            <a:pPr lvl="0" algn="r" rtl="0"/>
-            <a:r>
-              <a:rPr lang="hu-HU" sz="8000" noProof="0">
+            <a:pPr lvl="0" algn="r"/>
+            <a:r>
+              <a:rPr lang="en-US" sz="8000" dirty="0">
                 <a:solidFill>
                   <a:schemeClr val="tx1"/>
                 </a:solidFill>
@@ -2776,7 +2780,7 @@
       </p:sp>
       <p:sp>
         <p:nvSpPr>
-          <p:cNvPr id="14" name="Szövegdoboz 13"/>
+          <p:cNvPr id="14" name="TextBox 13"/>
           <p:cNvSpPr txBox="1"/>
           <p:nvPr/>
         </p:nvSpPr>
@@ -2877,9 +2881,9 @@
             </a:lvl9pPr>
           </a:lstStyle>
           <a:p>
-            <a:pPr lvl="0" algn="r" rtl="0"/>
-            <a:r>
-              <a:rPr lang="hu-HU" sz="8000" noProof="0">
+            <a:pPr lvl="0" algn="r"/>
+            <a:r>
+              <a:rPr lang="en-US" sz="8000" dirty="0">
                 <a:solidFill>
                   <a:schemeClr val="tx1"/>
                 </a:solidFill>
@@ -2892,12 +2896,12 @@
       </p:sp>
       <p:sp>
         <p:nvSpPr>
-          <p:cNvPr id="16" name="Cím 1"/>
-          <p:cNvSpPr>
-            <a:spLocks noGrp="1"/>
-          </p:cNvSpPr>
-          <p:nvPr>
-            <p:ph type="title" hasCustomPrompt="1"/>
+          <p:cNvPr id="16" name="Title 1"/>
+          <p:cNvSpPr>
+            <a:spLocks noGrp="1"/>
+          </p:cNvSpPr>
+          <p:nvPr>
+            <p:ph type="title"/>
           </p:nvPr>
         </p:nvSpPr>
         <p:spPr>
@@ -2907,7 +2911,7 @@
           </a:xfrm>
         </p:spPr>
         <p:txBody>
-          <a:bodyPr rtlCol="0" anchor="ctr">
+          <a:bodyPr anchor="ctr">
             <a:normAutofit/>
           </a:bodyPr>
           <a:lstStyle>
@@ -2920,17 +2924,17 @@
             </a:lvl1pPr>
           </a:lstStyle>
           <a:p>
-            <a:pPr rtl="0"/>
-            <a:r>
-              <a:rPr lang="hu-HU" noProof="0"/>
-              <a:t>Mintacím stílusának szerkesztése</a:t>
-            </a:r>
-          </a:p>
-        </p:txBody>
-      </p:sp>
-      <p:sp>
-        <p:nvSpPr>
-          <p:cNvPr id="10" name="Szöveg helye 9"/>
+            <a:r>
+              <a:rPr lang="hu-HU" smtClean="0"/>
+              <a:t>Mintacím szerkesztése</a:t>
+            </a:r>
+            <a:endParaRPr lang="en-US" dirty="0"/>
+          </a:p>
+        </p:txBody>
+      </p:sp>
+      <p:sp>
+        <p:nvSpPr>
+          <p:cNvPr id="10" name="Text Placeholder 9"/>
           <p:cNvSpPr>
             <a:spLocks noGrp="1"/>
           </p:cNvSpPr>
@@ -2963,14 +2967,14 @@
             </a:lvl1pPr>
           </a:lstStyle>
           <a:p>
-            <a:pPr marL="0" lvl="0" rtl="0">
+            <a:pPr marL="0" lvl="0">
               <a:spcBef>
                 <a:spcPct val="0"/>
               </a:spcBef>
               <a:buNone/>
             </a:pPr>
             <a:r>
-              <a:rPr lang="hu-HU" noProof="0" smtClean="0"/>
+              <a:rPr lang="hu-HU" smtClean="0"/>
               <a:t>Mintaszöveg szerkesztése</a:t>
             </a:r>
           </a:p>
@@ -2978,7 +2982,7 @@
       </p:sp>
       <p:sp>
         <p:nvSpPr>
-          <p:cNvPr id="3" name="Szöveg helye 2"/>
+          <p:cNvPr id="3" name="Text Placeholder 2"/>
           <p:cNvSpPr>
             <a:spLocks noGrp="1"/>
           </p:cNvSpPr>
@@ -2993,7 +2997,7 @@
           </a:xfrm>
         </p:spPr>
         <p:txBody>
-          <a:bodyPr rtlCol="0" anchor="t">
+          <a:bodyPr anchor="t">
             <a:normAutofit/>
           </a:bodyPr>
           <a:lstStyle>
@@ -3087,33 +3091,33 @@
             </a:lvl9pPr>
           </a:lstStyle>
           <a:p>
-            <a:pPr lvl="0" rtl="0"/>
-            <a:r>
+            <a:pPr lvl="0"/>
+            <a:r>
+              <a:rPr lang="hu-HU" smtClean="0"/>
+              <a:t>Mintaszöveg szerkesztése</a:t>
+            </a:r>
+          </a:p>
+        </p:txBody>
+      </p:sp>
+      <p:sp>
+        <p:nvSpPr>
+          <p:cNvPr id="4" name="Date Placeholder 3"/>
+          <p:cNvSpPr>
+            <a:spLocks noGrp="1"/>
+          </p:cNvSpPr>
+          <p:nvPr>
+            <p:ph type="dt" sz="half" idx="10"/>
+          </p:nvPr>
+        </p:nvSpPr>
+        <p:spPr/>
+        <p:txBody>
+          <a:bodyPr/>
+          <a:lstStyle/>
+          <a:p>
+            <a:pPr rtl="0"/>
+            <a:fld id="{4B4976FB-FBCE-40A1-9B83-A9B94C11CE00}" type="datetime1">
               <a:rPr lang="hu-HU" noProof="0" smtClean="0"/>
-              <a:t>Mintaszöveg szerkesztése</a:t>
-            </a:r>
-          </a:p>
-        </p:txBody>
-      </p:sp>
-      <p:sp>
-        <p:nvSpPr>
-          <p:cNvPr id="4" name="Dátum helye 3"/>
-          <p:cNvSpPr>
-            <a:spLocks noGrp="1"/>
-          </p:cNvSpPr>
-          <p:nvPr>
-            <p:ph type="dt" sz="half" idx="10"/>
-          </p:nvPr>
-        </p:nvSpPr>
-        <p:spPr/>
-        <p:txBody>
-          <a:bodyPr rtlCol="0"/>
-          <a:lstStyle/>
-          <a:p>
-            <a:pPr rtl="0"/>
-            <a:fld id="{B337FE1C-E62B-4B57-A0EA-B073565F01FA}" type="datetime1">
-              <a:rPr lang="hu-HU" noProof="0" smtClean="0"/>
-              <a:t>2022.09.12.</a:t>
+              <a:t>2022.09.14.</a:t>
             </a:fld>
             <a:endParaRPr lang="hu-HU" noProof="0"/>
           </a:p>
@@ -3121,7 +3125,7 @@
       </p:sp>
       <p:sp>
         <p:nvSpPr>
-          <p:cNvPr id="5" name="Élőláb helye 4"/>
+          <p:cNvPr id="5" name="Footer Placeholder 4"/>
           <p:cNvSpPr>
             <a:spLocks noGrp="1"/>
           </p:cNvSpPr>
@@ -3131,7 +3135,7 @@
         </p:nvSpPr>
         <p:spPr/>
         <p:txBody>
-          <a:bodyPr rtlCol="0"/>
+          <a:bodyPr/>
           <a:lstStyle/>
           <a:p>
             <a:pPr rtl="0"/>
@@ -3141,7 +3145,7 @@
       </p:sp>
       <p:sp>
         <p:nvSpPr>
-          <p:cNvPr id="6" name="Dia számának helye 5"/>
+          <p:cNvPr id="6" name="Slide Number Placeholder 5"/>
           <p:cNvSpPr>
             <a:spLocks noGrp="1"/>
           </p:cNvSpPr>
@@ -3151,7 +3155,7 @@
         </p:nvSpPr>
         <p:spPr/>
         <p:txBody>
-          <a:bodyPr rtlCol="0"/>
+          <a:bodyPr/>
           <a:lstStyle/>
           <a:p>
             <a:pPr rtl="0"/>
@@ -3167,13 +3171,14 @@
     </p:spTree>
     <p:extLst>
       <p:ext uri="{BB962C8B-B14F-4D97-AF65-F5344CB8AC3E}">
-        <p14:creationId xmlns:p14="http://schemas.microsoft.com/office/powerpoint/2010/main" val="3044187618"/>
+        <p14:creationId xmlns:p14="http://schemas.microsoft.com/office/powerpoint/2010/main" val="3343209092"/>
       </p:ext>
     </p:extLst>
   </p:cSld>
   <p:clrMapOvr>
     <a:masterClrMapping/>
   </p:clrMapOvr>
+  <p:hf sldNum="0" hdr="0" ftr="0" dt="0"/>
 </p:sldLayout>
 </file>
 
@@ -3196,7 +3201,7 @@
       </p:grpSpPr>
       <p:pic>
         <p:nvPicPr>
-          <p:cNvPr id="8" name="Kép 7" descr="Celestia-R1---OverlayContentHD.png"/>
+          <p:cNvPr id="8" name="Picture 7" descr="Celestia-R1---OverlayContentHD.png"/>
           <p:cNvPicPr>
             <a:picLocks noChangeAspect="1"/>
           </p:cNvPicPr>
@@ -3226,12 +3231,12 @@
       </p:pic>
       <p:sp>
         <p:nvSpPr>
-          <p:cNvPr id="2" name="Cím 1"/>
-          <p:cNvSpPr>
-            <a:spLocks noGrp="1"/>
-          </p:cNvSpPr>
-          <p:nvPr>
-            <p:ph type="title" hasCustomPrompt="1"/>
+          <p:cNvPr id="2" name="Title 1"/>
+          <p:cNvSpPr>
+            <a:spLocks noGrp="1"/>
+          </p:cNvSpPr>
+          <p:nvPr>
+            <p:ph type="title"/>
           </p:nvPr>
         </p:nvSpPr>
         <p:spPr>
@@ -3250,17 +3255,18 @@
             </a:lvl1pPr>
           </a:lstStyle>
           <a:p>
-            <a:pPr marL="0" lvl="0" rtl="0"/>
-            <a:r>
-              <a:rPr lang="hu-HU" noProof="0"/>
-              <a:t>Mintacím stílusának szerkesztése</a:t>
-            </a:r>
-          </a:p>
-        </p:txBody>
-      </p:sp>
-      <p:sp>
-        <p:nvSpPr>
-          <p:cNvPr id="10" name="Szöveg helye 9"/>
+            <a:pPr marL="0" lvl="0"/>
+            <a:r>
+              <a:rPr lang="hu-HU" smtClean="0"/>
+              <a:t>Mintacím szerkesztése</a:t>
+            </a:r>
+            <a:endParaRPr lang="en-US" dirty="0"/>
+          </a:p>
+        </p:txBody>
+      </p:sp>
+      <p:sp>
+        <p:nvSpPr>
+          <p:cNvPr id="10" name="Text Placeholder 9"/>
           <p:cNvSpPr>
             <a:spLocks noGrp="1"/>
           </p:cNvSpPr>
@@ -3293,14 +3299,14 @@
             </a:lvl1pPr>
           </a:lstStyle>
           <a:p>
-            <a:pPr marL="0" lvl="0" rtl="0">
+            <a:pPr marL="0" lvl="0">
               <a:spcBef>
                 <a:spcPct val="0"/>
               </a:spcBef>
               <a:buNone/>
             </a:pPr>
             <a:r>
-              <a:rPr lang="hu-HU" noProof="0" smtClean="0"/>
+              <a:rPr lang="hu-HU" smtClean="0"/>
               <a:t>Mintaszöveg szerkesztése</a:t>
             </a:r>
           </a:p>
@@ -3308,7 +3314,7 @@
       </p:sp>
       <p:sp>
         <p:nvSpPr>
-          <p:cNvPr id="3" name="Szöveg helye 2"/>
+          <p:cNvPr id="3" name="Text Placeholder 2"/>
           <p:cNvSpPr>
             <a:spLocks noGrp="1"/>
           </p:cNvSpPr>
@@ -3323,7 +3329,7 @@
           </a:xfrm>
         </p:spPr>
         <p:txBody>
-          <a:bodyPr rtlCol="0" anchor="t">
+          <a:bodyPr anchor="t">
             <a:normAutofit/>
           </a:bodyPr>
           <a:lstStyle>
@@ -3417,9 +3423,9 @@
             </a:lvl9pPr>
           </a:lstStyle>
           <a:p>
-            <a:pPr lvl="0" rtl="0"/>
-            <a:r>
-              <a:rPr lang="hu-HU" noProof="0" smtClean="0"/>
+            <a:pPr lvl="0"/>
+            <a:r>
+              <a:rPr lang="hu-HU" smtClean="0"/>
               <a:t>Mintaszöveg szerkesztése</a:t>
             </a:r>
           </a:p>
@@ -3427,7 +3433,7 @@
       </p:sp>
       <p:sp>
         <p:nvSpPr>
-          <p:cNvPr id="4" name="Dátum helye 3"/>
+          <p:cNvPr id="4" name="Date Placeholder 3"/>
           <p:cNvSpPr>
             <a:spLocks noGrp="1"/>
           </p:cNvSpPr>
@@ -3437,13 +3443,13 @@
         </p:nvSpPr>
         <p:spPr/>
         <p:txBody>
-          <a:bodyPr rtlCol="0"/>
+          <a:bodyPr/>
           <a:lstStyle/>
           <a:p>
             <a:pPr rtl="0"/>
             <a:fld id="{6E5AC0A3-2749-4477-9BAF-9491B7C23E15}" type="datetime1">
               <a:rPr lang="hu-HU" noProof="0" smtClean="0"/>
-              <a:t>2022.09.12.</a:t>
+              <a:t>2022.09.14.</a:t>
             </a:fld>
             <a:endParaRPr lang="hu-HU" noProof="0"/>
           </a:p>
@@ -3451,7 +3457,7 @@
       </p:sp>
       <p:sp>
         <p:nvSpPr>
-          <p:cNvPr id="5" name="Élőláb helye 4"/>
+          <p:cNvPr id="5" name="Footer Placeholder 4"/>
           <p:cNvSpPr>
             <a:spLocks noGrp="1"/>
           </p:cNvSpPr>
@@ -3461,7 +3467,7 @@
         </p:nvSpPr>
         <p:spPr/>
         <p:txBody>
-          <a:bodyPr rtlCol="0"/>
+          <a:bodyPr/>
           <a:lstStyle/>
           <a:p>
             <a:pPr rtl="0"/>
@@ -3471,7 +3477,7 @@
       </p:sp>
       <p:sp>
         <p:nvSpPr>
-          <p:cNvPr id="6" name="Dia számának helye 5"/>
+          <p:cNvPr id="6" name="Slide Number Placeholder 5"/>
           <p:cNvSpPr>
             <a:spLocks noGrp="1"/>
           </p:cNvSpPr>
@@ -3481,7 +3487,7 @@
         </p:nvSpPr>
         <p:spPr/>
         <p:txBody>
-          <a:bodyPr rtlCol="0"/>
+          <a:bodyPr/>
           <a:lstStyle/>
           <a:p>
             <a:pPr rtl="0"/>
@@ -3497,7 +3503,7 @@
     </p:spTree>
     <p:extLst>
       <p:ext uri="{BB962C8B-B14F-4D97-AF65-F5344CB8AC3E}">
-        <p14:creationId xmlns:p14="http://schemas.microsoft.com/office/powerpoint/2010/main" val="4285960841"/>
+        <p14:creationId xmlns:p14="http://schemas.microsoft.com/office/powerpoint/2010/main" val="2998918575"/>
       </p:ext>
     </p:extLst>
   </p:cSld>
@@ -3526,7 +3532,7 @@
       </p:grpSpPr>
       <p:pic>
         <p:nvPicPr>
-          <p:cNvPr id="7" name="Kép 6" descr="Celestia-R1---OverlayContentHD.png"/>
+          <p:cNvPr id="7" name="Picture 6" descr="Celestia-R1---OverlayContentHD.png"/>
           <p:cNvPicPr>
             <a:picLocks noChangeAspect="1"/>
           </p:cNvPicPr>
@@ -3556,12 +3562,132 @@
       </p:pic>
       <p:sp>
         <p:nvSpPr>
-          <p:cNvPr id="8" name="Cím 1"/>
-          <p:cNvSpPr>
-            <a:spLocks noGrp="1"/>
-          </p:cNvSpPr>
-          <p:nvPr>
-            <p:ph type="title" hasCustomPrompt="1"/>
+          <p:cNvPr id="3" name="Vertical Text Placeholder 2"/>
+          <p:cNvSpPr>
+            <a:spLocks noGrp="1"/>
+          </p:cNvSpPr>
+          <p:nvPr>
+            <p:ph type="body" orient="vert" idx="1"/>
+          </p:nvPr>
+        </p:nvSpPr>
+        <p:spPr/>
+        <p:txBody>
+          <a:bodyPr vert="eaVert" anchor="t"/>
+          <a:lstStyle/>
+          <a:p>
+            <a:pPr lvl="0"/>
+            <a:r>
+              <a:rPr lang="hu-HU" smtClean="0"/>
+              <a:t>Mintaszöveg szerkesztése</a:t>
+            </a:r>
+          </a:p>
+          <a:p>
+            <a:pPr lvl="1"/>
+            <a:r>
+              <a:rPr lang="hu-HU" smtClean="0"/>
+              <a:t>Második szint</a:t>
+            </a:r>
+          </a:p>
+          <a:p>
+            <a:pPr lvl="2"/>
+            <a:r>
+              <a:rPr lang="hu-HU" smtClean="0"/>
+              <a:t>Harmadik szint</a:t>
+            </a:r>
+          </a:p>
+          <a:p>
+            <a:pPr lvl="3"/>
+            <a:r>
+              <a:rPr lang="hu-HU" smtClean="0"/>
+              <a:t>Negyedik szint</a:t>
+            </a:r>
+          </a:p>
+          <a:p>
+            <a:pPr lvl="4"/>
+            <a:r>
+              <a:rPr lang="hu-HU" smtClean="0"/>
+              <a:t>Ötödik szint</a:t>
+            </a:r>
+            <a:endParaRPr lang="en-US" dirty="0"/>
+          </a:p>
+        </p:txBody>
+      </p:sp>
+      <p:sp>
+        <p:nvSpPr>
+          <p:cNvPr id="4" name="Date Placeholder 3"/>
+          <p:cNvSpPr>
+            <a:spLocks noGrp="1"/>
+          </p:cNvSpPr>
+          <p:nvPr>
+            <p:ph type="dt" sz="half" idx="10"/>
+          </p:nvPr>
+        </p:nvSpPr>
+        <p:spPr/>
+        <p:txBody>
+          <a:bodyPr/>
+          <a:lstStyle/>
+          <a:p>
+            <a:pPr rtl="0"/>
+            <a:fld id="{8C810BAF-818A-42D9-BBC5-752C0A83470E}" type="datetime1">
+              <a:rPr lang="hu-HU" noProof="0" smtClean="0"/>
+              <a:t>2022.09.14.</a:t>
+            </a:fld>
+            <a:endParaRPr lang="hu-HU" noProof="0"/>
+          </a:p>
+        </p:txBody>
+      </p:sp>
+      <p:sp>
+        <p:nvSpPr>
+          <p:cNvPr id="5" name="Footer Placeholder 4"/>
+          <p:cNvSpPr>
+            <a:spLocks noGrp="1"/>
+          </p:cNvSpPr>
+          <p:nvPr>
+            <p:ph type="ftr" sz="quarter" idx="11"/>
+          </p:nvPr>
+        </p:nvSpPr>
+        <p:spPr/>
+        <p:txBody>
+          <a:bodyPr/>
+          <a:lstStyle/>
+          <a:p>
+            <a:pPr rtl="0"/>
+            <a:endParaRPr lang="hu-HU" noProof="0"/>
+          </a:p>
+        </p:txBody>
+      </p:sp>
+      <p:sp>
+        <p:nvSpPr>
+          <p:cNvPr id="6" name="Slide Number Placeholder 5"/>
+          <p:cNvSpPr>
+            <a:spLocks noGrp="1"/>
+          </p:cNvSpPr>
+          <p:nvPr>
+            <p:ph type="sldNum" sz="quarter" idx="12"/>
+          </p:nvPr>
+        </p:nvSpPr>
+        <p:spPr/>
+        <p:txBody>
+          <a:bodyPr/>
+          <a:lstStyle/>
+          <a:p>
+            <a:pPr rtl="0"/>
+            <a:fld id="{69E57DC2-970A-4B3E-BB1C-7A09969E49DF}" type="slidenum">
+              <a:rPr lang="hu-HU" noProof="0" smtClean="0"/>
+              <a:t>‹#›</a:t>
+            </a:fld>
+            <a:endParaRPr lang="hu-HU" noProof="0"/>
+          </a:p>
+        </p:txBody>
+      </p:sp>
+      <p:sp>
+        <p:nvSpPr>
+          <p:cNvPr id="8" name="Title 1"/>
+          <p:cNvSpPr>
+            <a:spLocks noGrp="1"/>
+          </p:cNvSpPr>
+          <p:nvPr>
+            <p:ph type="title"/>
           </p:nvPr>
         </p:nvSpPr>
         <p:spPr>
@@ -3571,141 +3697,21 @@
           </a:xfrm>
         </p:spPr>
         <p:txBody>
-          <a:bodyPr rtlCol="0"/>
+          <a:bodyPr/>
           <a:lstStyle/>
           <a:p>
-            <a:pPr rtl="0"/>
-            <a:r>
-              <a:rPr lang="hu-HU" noProof="0"/>
-              <a:t>Mintacím stílusának szerkesztése</a:t>
-            </a:r>
-          </a:p>
-        </p:txBody>
-      </p:sp>
-      <p:sp>
-        <p:nvSpPr>
-          <p:cNvPr id="3" name="Függőleges szöveg helye 2"/>
-          <p:cNvSpPr>
-            <a:spLocks noGrp="1"/>
-          </p:cNvSpPr>
-          <p:nvPr>
-            <p:ph type="body" orient="vert" idx="1"/>
-          </p:nvPr>
-        </p:nvSpPr>
-        <p:spPr/>
-        <p:txBody>
-          <a:bodyPr vert="eaVert" rtlCol="0" anchor="t"/>
-          <a:lstStyle/>
-          <a:p>
-            <a:pPr lvl="0" rtl="0"/>
-            <a:r>
-              <a:rPr lang="hu-HU" noProof="0" smtClean="0"/>
-              <a:t>Mintaszöveg szerkesztése</a:t>
-            </a:r>
-          </a:p>
-          <a:p>
-            <a:pPr lvl="1" rtl="0"/>
-            <a:r>
-              <a:rPr lang="hu-HU" noProof="0" smtClean="0"/>
-              <a:t>Második szint</a:t>
-            </a:r>
-          </a:p>
-          <a:p>
-            <a:pPr lvl="2" rtl="0"/>
-            <a:r>
-              <a:rPr lang="hu-HU" noProof="0" smtClean="0"/>
-              <a:t>Harmadik szint</a:t>
-            </a:r>
-          </a:p>
-          <a:p>
-            <a:pPr lvl="3" rtl="0"/>
-            <a:r>
-              <a:rPr lang="hu-HU" noProof="0" smtClean="0"/>
-              <a:t>Negyedik szint</a:t>
-            </a:r>
-          </a:p>
-          <a:p>
-            <a:pPr lvl="4" rtl="0"/>
-            <a:r>
-              <a:rPr lang="hu-HU" noProof="0" smtClean="0"/>
-              <a:t>Ötödik szint</a:t>
-            </a:r>
-            <a:endParaRPr lang="hu-HU" noProof="0"/>
-          </a:p>
-        </p:txBody>
-      </p:sp>
-      <p:sp>
-        <p:nvSpPr>
-          <p:cNvPr id="4" name="Dátum helye 3"/>
-          <p:cNvSpPr>
-            <a:spLocks noGrp="1"/>
-          </p:cNvSpPr>
-          <p:nvPr>
-            <p:ph type="dt" sz="half" idx="10"/>
-          </p:nvPr>
-        </p:nvSpPr>
-        <p:spPr/>
-        <p:txBody>
-          <a:bodyPr rtlCol="0"/>
-          <a:lstStyle/>
-          <a:p>
-            <a:pPr rtl="0"/>
-            <a:fld id="{8C810BAF-818A-42D9-BBC5-752C0A83470E}" type="datetime1">
-              <a:rPr lang="hu-HU" noProof="0" smtClean="0"/>
-              <a:t>2022.09.12.</a:t>
-            </a:fld>
-            <a:endParaRPr lang="hu-HU" noProof="0"/>
-          </a:p>
-        </p:txBody>
-      </p:sp>
-      <p:sp>
-        <p:nvSpPr>
-          <p:cNvPr id="5" name="Élőláb helye 4"/>
-          <p:cNvSpPr>
-            <a:spLocks noGrp="1"/>
-          </p:cNvSpPr>
-          <p:nvPr>
-            <p:ph type="ftr" sz="quarter" idx="11"/>
-          </p:nvPr>
-        </p:nvSpPr>
-        <p:spPr/>
-        <p:txBody>
-          <a:bodyPr rtlCol="0"/>
-          <a:lstStyle/>
-          <a:p>
-            <a:pPr rtl="0"/>
-            <a:endParaRPr lang="hu-HU" noProof="0"/>
-          </a:p>
-        </p:txBody>
-      </p:sp>
-      <p:sp>
-        <p:nvSpPr>
-          <p:cNvPr id="6" name="Dia számának helye 5"/>
-          <p:cNvSpPr>
-            <a:spLocks noGrp="1"/>
-          </p:cNvSpPr>
-          <p:nvPr>
-            <p:ph type="sldNum" sz="quarter" idx="12"/>
-          </p:nvPr>
-        </p:nvSpPr>
-        <p:spPr/>
-        <p:txBody>
-          <a:bodyPr rtlCol="0"/>
-          <a:lstStyle/>
-          <a:p>
-            <a:pPr rtl="0"/>
-            <a:fld id="{69E57DC2-970A-4B3E-BB1C-7A09969E49DF}" type="slidenum">
-              <a:rPr lang="hu-HU" noProof="0" smtClean="0"/>
-              <a:t>‹#›</a:t>
-            </a:fld>
-            <a:endParaRPr lang="hu-HU" noProof="0"/>
+            <a:r>
+              <a:rPr lang="hu-HU" smtClean="0"/>
+              <a:t>Mintacím szerkesztése</a:t>
+            </a:r>
+            <a:endParaRPr lang="en-US" dirty="0"/>
           </a:p>
         </p:txBody>
       </p:sp>
     </p:spTree>
     <p:extLst>
       <p:ext uri="{BB962C8B-B14F-4D97-AF65-F5344CB8AC3E}">
-        <p14:creationId xmlns:p14="http://schemas.microsoft.com/office/powerpoint/2010/main" val="2202126091"/>
+        <p14:creationId xmlns:p14="http://schemas.microsoft.com/office/powerpoint/2010/main" val="2840974196"/>
       </p:ext>
     </p:extLst>
   </p:cSld>
@@ -3734,7 +3740,7 @@
       </p:grpSpPr>
       <p:pic>
         <p:nvPicPr>
-          <p:cNvPr id="7" name="Kép 6" descr="Celestia-R1---OverlayContentHD.png"/>
+          <p:cNvPr id="7" name="Picture 6" descr="Celestia-R1---OverlayContentHD.png"/>
           <p:cNvPicPr>
             <a:picLocks noChangeAspect="1"/>
           </p:cNvPicPr>
@@ -3764,12 +3770,12 @@
       </p:pic>
       <p:sp>
         <p:nvSpPr>
-          <p:cNvPr id="2" name="Függőleges cím 1"/>
-          <p:cNvSpPr>
-            <a:spLocks noGrp="1"/>
-          </p:cNvSpPr>
-          <p:nvPr>
-            <p:ph type="title" orient="vert" hasCustomPrompt="1"/>
+          <p:cNvPr id="2" name="Vertical Title 1"/>
+          <p:cNvSpPr>
+            <a:spLocks noGrp="1"/>
+          </p:cNvSpPr>
+          <p:nvPr>
+            <p:ph type="title" orient="vert"/>
           </p:nvPr>
         </p:nvSpPr>
         <p:spPr>
@@ -3779,20 +3785,20 @@
           </a:xfrm>
         </p:spPr>
         <p:txBody>
-          <a:bodyPr vert="eaVert" rtlCol="0"/>
+          <a:bodyPr vert="eaVert"/>
           <a:lstStyle/>
           <a:p>
-            <a:pPr rtl="0"/>
-            <a:r>
-              <a:rPr lang="hu-HU" noProof="0"/>
-              <a:t>Mintacím stílusának szerkesztése</a:t>
-            </a:r>
-          </a:p>
-        </p:txBody>
-      </p:sp>
-      <p:sp>
-        <p:nvSpPr>
-          <p:cNvPr id="3" name="Függőleges szöveg helye 2"/>
+            <a:r>
+              <a:rPr lang="hu-HU" smtClean="0"/>
+              <a:t>Mintacím szerkesztése</a:t>
+            </a:r>
+            <a:endParaRPr lang="en-US" dirty="0"/>
+          </a:p>
+        </p:txBody>
+      </p:sp>
+      <p:sp>
+        <p:nvSpPr>
+          <p:cNvPr id="3" name="Vertical Text Placeholder 2"/>
           <p:cNvSpPr>
             <a:spLocks noGrp="1"/>
           </p:cNvSpPr>
@@ -3807,49 +3813,49 @@
           </a:xfrm>
         </p:spPr>
         <p:txBody>
-          <a:bodyPr vert="eaVert" rtlCol="0" anchor="t"/>
+          <a:bodyPr vert="eaVert" anchor="t"/>
           <a:lstStyle/>
           <a:p>
-            <a:pPr lvl="0" rtl="0"/>
-            <a:r>
-              <a:rPr lang="hu-HU" noProof="0" smtClean="0"/>
+            <a:pPr lvl="0"/>
+            <a:r>
+              <a:rPr lang="hu-HU" smtClean="0"/>
               <a:t>Mintaszöveg szerkesztése</a:t>
             </a:r>
           </a:p>
           <a:p>
-            <a:pPr lvl="1" rtl="0"/>
-            <a:r>
-              <a:rPr lang="hu-HU" noProof="0" smtClean="0"/>
+            <a:pPr lvl="1"/>
+            <a:r>
+              <a:rPr lang="hu-HU" smtClean="0"/>
               <a:t>Második szint</a:t>
             </a:r>
           </a:p>
           <a:p>
-            <a:pPr lvl="2" rtl="0"/>
-            <a:r>
-              <a:rPr lang="hu-HU" noProof="0" smtClean="0"/>
+            <a:pPr lvl="2"/>
+            <a:r>
+              <a:rPr lang="hu-HU" smtClean="0"/>
               <a:t>Harmadik szint</a:t>
             </a:r>
           </a:p>
           <a:p>
-            <a:pPr lvl="3" rtl="0"/>
-            <a:r>
-              <a:rPr lang="hu-HU" noProof="0" smtClean="0"/>
+            <a:pPr lvl="3"/>
+            <a:r>
+              <a:rPr lang="hu-HU" smtClean="0"/>
               <a:t>Negyedik szint</a:t>
             </a:r>
           </a:p>
           <a:p>
-            <a:pPr lvl="4" rtl="0"/>
-            <a:r>
-              <a:rPr lang="hu-HU" noProof="0" smtClean="0"/>
+            <a:pPr lvl="4"/>
+            <a:r>
+              <a:rPr lang="hu-HU" smtClean="0"/>
               <a:t>Ötödik szint</a:t>
             </a:r>
-            <a:endParaRPr lang="hu-HU" noProof="0"/>
-          </a:p>
-        </p:txBody>
-      </p:sp>
-      <p:sp>
-        <p:nvSpPr>
-          <p:cNvPr id="4" name="Dátum helye 3"/>
+            <a:endParaRPr lang="en-US" dirty="0"/>
+          </a:p>
+        </p:txBody>
+      </p:sp>
+      <p:sp>
+        <p:nvSpPr>
+          <p:cNvPr id="4" name="Date Placeholder 3"/>
           <p:cNvSpPr>
             <a:spLocks noGrp="1"/>
           </p:cNvSpPr>
@@ -3859,13 +3865,13 @@
         </p:nvSpPr>
         <p:spPr/>
         <p:txBody>
-          <a:bodyPr rtlCol="0"/>
+          <a:bodyPr/>
           <a:lstStyle/>
           <a:p>
             <a:pPr rtl="0"/>
             <a:fld id="{CF6000FC-FCE1-4C40-9BAB-39B4A88F9D88}" type="datetime1">
               <a:rPr lang="hu-HU" noProof="0" smtClean="0"/>
-              <a:t>2022.09.12.</a:t>
+              <a:t>2022.09.14.</a:t>
             </a:fld>
             <a:endParaRPr lang="hu-HU" noProof="0"/>
           </a:p>
@@ -3873,7 +3879,7 @@
       </p:sp>
       <p:sp>
         <p:nvSpPr>
-          <p:cNvPr id="5" name="Élőláb helye 4"/>
+          <p:cNvPr id="5" name="Footer Placeholder 4"/>
           <p:cNvSpPr>
             <a:spLocks noGrp="1"/>
           </p:cNvSpPr>
@@ -3883,7 +3889,7 @@
         </p:nvSpPr>
         <p:spPr/>
         <p:txBody>
-          <a:bodyPr rtlCol="0"/>
+          <a:bodyPr/>
           <a:lstStyle/>
           <a:p>
             <a:pPr rtl="0"/>
@@ -3893,7 +3899,7 @@
       </p:sp>
       <p:sp>
         <p:nvSpPr>
-          <p:cNvPr id="6" name="Dia számának helye 5"/>
+          <p:cNvPr id="6" name="Slide Number Placeholder 5"/>
           <p:cNvSpPr>
             <a:spLocks noGrp="1"/>
           </p:cNvSpPr>
@@ -3903,7 +3909,7 @@
         </p:nvSpPr>
         <p:spPr/>
         <p:txBody>
-          <a:bodyPr rtlCol="0"/>
+          <a:bodyPr/>
           <a:lstStyle/>
           <a:p>
             <a:pPr rtl="0"/>
@@ -3918,7 +3924,7 @@
     </p:spTree>
     <p:extLst>
       <p:ext uri="{BB962C8B-B14F-4D97-AF65-F5344CB8AC3E}">
-        <p14:creationId xmlns:p14="http://schemas.microsoft.com/office/powerpoint/2010/main" val="2447542997"/>
+        <p14:creationId xmlns:p14="http://schemas.microsoft.com/office/powerpoint/2010/main" val="2589773650"/>
       </p:ext>
     </p:extLst>
   </p:cSld>
@@ -3947,7 +3953,7 @@
       </p:grpSpPr>
       <p:pic>
         <p:nvPicPr>
-          <p:cNvPr id="7" name="Kép 6" descr="Celestia-R1---OverlayContentHD.png"/>
+          <p:cNvPr id="7" name="Picture 6" descr="Celestia-R1---OverlayContentHD.png"/>
           <p:cNvPicPr>
             <a:picLocks noChangeAspect="1"/>
           </p:cNvPicPr>
@@ -3977,30 +3983,30 @@
       </p:pic>
       <p:sp>
         <p:nvSpPr>
-          <p:cNvPr id="2" name="Cím 1"/>
-          <p:cNvSpPr>
-            <a:spLocks noGrp="1"/>
-          </p:cNvSpPr>
-          <p:nvPr>
-            <p:ph type="title" hasCustomPrompt="1"/>
+          <p:cNvPr id="2" name="Title 1"/>
+          <p:cNvSpPr>
+            <a:spLocks noGrp="1"/>
+          </p:cNvSpPr>
+          <p:nvPr>
+            <p:ph type="title"/>
           </p:nvPr>
         </p:nvSpPr>
         <p:spPr/>
         <p:txBody>
-          <a:bodyPr rtlCol="0"/>
+          <a:bodyPr/>
           <a:lstStyle/>
           <a:p>
-            <a:pPr rtl="0"/>
-            <a:r>
-              <a:rPr lang="hu-HU" noProof="0"/>
-              <a:t>Mintacím stílusának szerkesztése</a:t>
-            </a:r>
-          </a:p>
-        </p:txBody>
-      </p:sp>
-      <p:sp>
-        <p:nvSpPr>
-          <p:cNvPr id="3" name="Tartalom helye 2"/>
+            <a:r>
+              <a:rPr lang="hu-HU" smtClean="0"/>
+              <a:t>Mintacím szerkesztése</a:t>
+            </a:r>
+            <a:endParaRPr lang="en-US" dirty="0"/>
+          </a:p>
+        </p:txBody>
+      </p:sp>
+      <p:sp>
+        <p:nvSpPr>
+          <p:cNvPr id="3" name="Content Placeholder 2"/>
           <p:cNvSpPr>
             <a:spLocks noGrp="1"/>
           </p:cNvSpPr>
@@ -4010,49 +4016,49 @@
         </p:nvSpPr>
         <p:spPr/>
         <p:txBody>
-          <a:bodyPr rtlCol="0" anchor="ctr"/>
+          <a:bodyPr anchor="ctr"/>
           <a:lstStyle/>
           <a:p>
-            <a:pPr lvl="0" rtl="0"/>
-            <a:r>
-              <a:rPr lang="hu-HU" noProof="0" smtClean="0"/>
+            <a:pPr lvl="0"/>
+            <a:r>
+              <a:rPr lang="hu-HU" smtClean="0"/>
               <a:t>Mintaszöveg szerkesztése</a:t>
             </a:r>
           </a:p>
           <a:p>
-            <a:pPr lvl="1" rtl="0"/>
-            <a:r>
-              <a:rPr lang="hu-HU" noProof="0" smtClean="0"/>
+            <a:pPr lvl="1"/>
+            <a:r>
+              <a:rPr lang="hu-HU" smtClean="0"/>
               <a:t>Második szint</a:t>
             </a:r>
           </a:p>
           <a:p>
-            <a:pPr lvl="2" rtl="0"/>
-            <a:r>
-              <a:rPr lang="hu-HU" noProof="0" smtClean="0"/>
+            <a:pPr lvl="2"/>
+            <a:r>
+              <a:rPr lang="hu-HU" smtClean="0"/>
               <a:t>Harmadik szint</a:t>
             </a:r>
           </a:p>
           <a:p>
-            <a:pPr lvl="3" rtl="0"/>
-            <a:r>
-              <a:rPr lang="hu-HU" noProof="0" smtClean="0"/>
+            <a:pPr lvl="3"/>
+            <a:r>
+              <a:rPr lang="hu-HU" smtClean="0"/>
               <a:t>Negyedik szint</a:t>
             </a:r>
           </a:p>
           <a:p>
-            <a:pPr lvl="4" rtl="0"/>
-            <a:r>
-              <a:rPr lang="hu-HU" noProof="0" smtClean="0"/>
+            <a:pPr lvl="4"/>
+            <a:r>
+              <a:rPr lang="hu-HU" smtClean="0"/>
               <a:t>Ötödik szint</a:t>
             </a:r>
-            <a:endParaRPr lang="hu-HU" noProof="0"/>
-          </a:p>
-        </p:txBody>
-      </p:sp>
-      <p:sp>
-        <p:nvSpPr>
-          <p:cNvPr id="4" name="Dátum helye 3"/>
+            <a:endParaRPr lang="en-US" dirty="0"/>
+          </a:p>
+        </p:txBody>
+      </p:sp>
+      <p:sp>
+        <p:nvSpPr>
+          <p:cNvPr id="4" name="Date Placeholder 3"/>
           <p:cNvSpPr>
             <a:spLocks noGrp="1"/>
           </p:cNvSpPr>
@@ -4062,13 +4068,13 @@
         </p:nvSpPr>
         <p:spPr/>
         <p:txBody>
-          <a:bodyPr rtlCol="0"/>
+          <a:bodyPr/>
           <a:lstStyle/>
           <a:p>
             <a:pPr rtl="0"/>
             <a:fld id="{19730356-25D2-4E83-A7B8-C4ADC8587BD3}" type="datetime1">
               <a:rPr lang="hu-HU" noProof="0" smtClean="0"/>
-              <a:t>2022.09.12.</a:t>
+              <a:t>2022.09.14.</a:t>
             </a:fld>
             <a:endParaRPr lang="hu-HU" noProof="0"/>
           </a:p>
@@ -4076,7 +4082,7 @@
       </p:sp>
       <p:sp>
         <p:nvSpPr>
-          <p:cNvPr id="5" name="Élőláb helye 4"/>
+          <p:cNvPr id="5" name="Footer Placeholder 4"/>
           <p:cNvSpPr>
             <a:spLocks noGrp="1"/>
           </p:cNvSpPr>
@@ -4086,7 +4092,7 @@
         </p:nvSpPr>
         <p:spPr/>
         <p:txBody>
-          <a:bodyPr rtlCol="0"/>
+          <a:bodyPr/>
           <a:lstStyle/>
           <a:p>
             <a:pPr rtl="0"/>
@@ -4096,7 +4102,7 @@
       </p:sp>
       <p:sp>
         <p:nvSpPr>
-          <p:cNvPr id="6" name="Dia számának helye 5"/>
+          <p:cNvPr id="6" name="Slide Number Placeholder 5"/>
           <p:cNvSpPr>
             <a:spLocks noGrp="1"/>
           </p:cNvSpPr>
@@ -4106,7 +4112,7 @@
         </p:nvSpPr>
         <p:spPr/>
         <p:txBody>
-          <a:bodyPr rtlCol="0"/>
+          <a:bodyPr/>
           <a:lstStyle/>
           <a:p>
             <a:pPr rtl="0"/>
@@ -4121,7 +4127,7 @@
     </p:spTree>
     <p:extLst>
       <p:ext uri="{BB962C8B-B14F-4D97-AF65-F5344CB8AC3E}">
-        <p14:creationId xmlns:p14="http://schemas.microsoft.com/office/powerpoint/2010/main" val="2466546179"/>
+        <p14:creationId xmlns:p14="http://schemas.microsoft.com/office/powerpoint/2010/main" val="1358214083"/>
       </p:ext>
     </p:extLst>
   </p:cSld>
@@ -4150,7 +4156,7 @@
       </p:grpSpPr>
       <p:pic>
         <p:nvPicPr>
-          <p:cNvPr id="7" name="Kép 6" descr="Celestia-R1---OverlayContentHD.png"/>
+          <p:cNvPr id="7" name="Picture 6" descr="Celestia-R1---OverlayContentHD.png"/>
           <p:cNvPicPr>
             <a:picLocks noChangeAspect="1"/>
           </p:cNvPicPr>
@@ -4180,12 +4186,12 @@
       </p:pic>
       <p:sp>
         <p:nvSpPr>
-          <p:cNvPr id="2" name="Cím 1"/>
-          <p:cNvSpPr>
-            <a:spLocks noGrp="1"/>
-          </p:cNvSpPr>
-          <p:nvPr>
-            <p:ph type="title" hasCustomPrompt="1"/>
+          <p:cNvPr id="2" name="Title 1"/>
+          <p:cNvSpPr>
+            <a:spLocks noGrp="1"/>
+          </p:cNvSpPr>
+          <p:nvPr>
+            <p:ph type="title"/>
           </p:nvPr>
         </p:nvSpPr>
         <p:spPr>
@@ -4195,24 +4201,24 @@
           </a:xfrm>
         </p:spPr>
         <p:txBody>
-          <a:bodyPr rtlCol="0" anchor="b"/>
+          <a:bodyPr anchor="b"/>
           <a:lstStyle>
             <a:lvl1pPr algn="l">
               <a:defRPr sz="4000" b="0" cap="all"/>
             </a:lvl1pPr>
           </a:lstStyle>
           <a:p>
-            <a:pPr rtl="0"/>
-            <a:r>
-              <a:rPr lang="hu-HU" noProof="0"/>
-              <a:t>Mintacím stílusának szerkesztése</a:t>
-            </a:r>
-          </a:p>
-        </p:txBody>
-      </p:sp>
-      <p:sp>
-        <p:nvSpPr>
-          <p:cNvPr id="3" name="Szöveg helye 2"/>
+            <a:r>
+              <a:rPr lang="hu-HU" smtClean="0"/>
+              <a:t>Mintacím szerkesztése</a:t>
+            </a:r>
+            <a:endParaRPr lang="en-US" dirty="0"/>
+          </a:p>
+        </p:txBody>
+      </p:sp>
+      <p:sp>
+        <p:nvSpPr>
+          <p:cNvPr id="3" name="Text Placeholder 2"/>
           <p:cNvSpPr>
             <a:spLocks noGrp="1"/>
           </p:cNvSpPr>
@@ -4227,7 +4233,7 @@
           </a:xfrm>
         </p:spPr>
         <p:txBody>
-          <a:bodyPr rtlCol="0" anchor="t">
+          <a:bodyPr anchor="t">
             <a:normAutofit/>
           </a:bodyPr>
           <a:lstStyle>
@@ -4321,9 +4327,9 @@
             </a:lvl9pPr>
           </a:lstStyle>
           <a:p>
-            <a:pPr lvl="0" rtl="0"/>
-            <a:r>
-              <a:rPr lang="hu-HU" noProof="0" smtClean="0"/>
+            <a:pPr lvl="0"/>
+            <a:r>
+              <a:rPr lang="hu-HU" smtClean="0"/>
               <a:t>Mintaszöveg szerkesztése</a:t>
             </a:r>
           </a:p>
@@ -4331,7 +4337,7 @@
       </p:sp>
       <p:sp>
         <p:nvSpPr>
-          <p:cNvPr id="4" name="Dátum helye 3"/>
+          <p:cNvPr id="4" name="Date Placeholder 3"/>
           <p:cNvSpPr>
             <a:spLocks noGrp="1"/>
           </p:cNvSpPr>
@@ -4341,13 +4347,13 @@
         </p:nvSpPr>
         <p:spPr/>
         <p:txBody>
-          <a:bodyPr rtlCol="0"/>
+          <a:bodyPr/>
           <a:lstStyle/>
           <a:p>
             <a:pPr rtl="0"/>
             <a:fld id="{813A1637-F711-4FD4-85F4-796FC4543345}" type="datetime1">
               <a:rPr lang="hu-HU" noProof="0" smtClean="0"/>
-              <a:t>2022.09.12.</a:t>
+              <a:t>2022.09.14.</a:t>
             </a:fld>
             <a:endParaRPr lang="hu-HU" noProof="0"/>
           </a:p>
@@ -4355,7 +4361,7 @@
       </p:sp>
       <p:sp>
         <p:nvSpPr>
-          <p:cNvPr id="5" name="Élőláb helye 4"/>
+          <p:cNvPr id="5" name="Footer Placeholder 4"/>
           <p:cNvSpPr>
             <a:spLocks noGrp="1"/>
           </p:cNvSpPr>
@@ -4365,7 +4371,7 @@
         </p:nvSpPr>
         <p:spPr/>
         <p:txBody>
-          <a:bodyPr rtlCol="0"/>
+          <a:bodyPr/>
           <a:lstStyle/>
           <a:p>
             <a:pPr rtl="0"/>
@@ -4375,7 +4381,7 @@
       </p:sp>
       <p:sp>
         <p:nvSpPr>
-          <p:cNvPr id="6" name="Dia számának helye 5"/>
+          <p:cNvPr id="6" name="Slide Number Placeholder 5"/>
           <p:cNvSpPr>
             <a:spLocks noGrp="1"/>
           </p:cNvSpPr>
@@ -4385,7 +4391,7 @@
         </p:nvSpPr>
         <p:spPr/>
         <p:txBody>
-          <a:bodyPr rtlCol="0"/>
+          <a:bodyPr/>
           <a:lstStyle/>
           <a:p>
             <a:pPr rtl="0"/>
@@ -4401,7 +4407,7 @@
     </p:spTree>
     <p:extLst>
       <p:ext uri="{BB962C8B-B14F-4D97-AF65-F5344CB8AC3E}">
-        <p14:creationId xmlns:p14="http://schemas.microsoft.com/office/powerpoint/2010/main" val="1074580271"/>
+        <p14:creationId xmlns:p14="http://schemas.microsoft.com/office/powerpoint/2010/main" val="2869795455"/>
       </p:ext>
     </p:extLst>
   </p:cSld>
@@ -4413,7 +4419,7 @@
 
 <file path=ppt/slideLayouts/slideLayout4.xml><?xml version="1.0" encoding="utf-8"?>
 <p:sldLayout xmlns:a="http://schemas.openxmlformats.org/drawingml/2006/main" xmlns:r="http://schemas.openxmlformats.org/officeDocument/2006/relationships" xmlns:p="http://schemas.openxmlformats.org/presentationml/2006/main" type="twoObj" preserve="1">
-  <p:cSld name="Két tartalomrész">
+  <p:cSld name="2 tartalomrész">
     <p:spTree>
       <p:nvGrpSpPr>
         <p:cNvPr id="1" name=""/>
@@ -4430,7 +4436,7 @@
       </p:grpSpPr>
       <p:pic>
         <p:nvPicPr>
-          <p:cNvPr id="8" name="Kép 7" descr="Celestia-R1---OverlayContentHD.png"/>
+          <p:cNvPr id="8" name="Picture 7" descr="Celestia-R1---OverlayContentHD.png"/>
           <p:cNvPicPr>
             <a:picLocks noChangeAspect="1"/>
           </p:cNvPicPr>
@@ -4460,30 +4466,30 @@
       </p:pic>
       <p:sp>
         <p:nvSpPr>
-          <p:cNvPr id="2" name="Cím 1"/>
-          <p:cNvSpPr>
-            <a:spLocks noGrp="1"/>
-          </p:cNvSpPr>
-          <p:nvPr>
-            <p:ph type="title" hasCustomPrompt="1"/>
+          <p:cNvPr id="2" name="Title 1"/>
+          <p:cNvSpPr>
+            <a:spLocks noGrp="1"/>
+          </p:cNvSpPr>
+          <p:nvPr>
+            <p:ph type="title"/>
           </p:nvPr>
         </p:nvSpPr>
         <p:spPr/>
         <p:txBody>
-          <a:bodyPr rtlCol="0"/>
+          <a:bodyPr/>
           <a:lstStyle/>
           <a:p>
-            <a:pPr rtl="0"/>
-            <a:r>
-              <a:rPr lang="hu-HU" noProof="0"/>
-              <a:t>Mintacím stílusának szerkesztése</a:t>
-            </a:r>
-          </a:p>
-        </p:txBody>
-      </p:sp>
-      <p:sp>
-        <p:nvSpPr>
-          <p:cNvPr id="3" name="Tartalom helye 2"/>
+            <a:r>
+              <a:rPr lang="hu-HU" smtClean="0"/>
+              <a:t>Mintacím szerkesztése</a:t>
+            </a:r>
+            <a:endParaRPr lang="en-US" dirty="0"/>
+          </a:p>
+        </p:txBody>
+      </p:sp>
+      <p:sp>
+        <p:nvSpPr>
+          <p:cNvPr id="3" name="Content Placeholder 2"/>
           <p:cNvSpPr>
             <a:spLocks noGrp="1"/>
           </p:cNvSpPr>
@@ -4498,51 +4504,51 @@
           </a:xfrm>
         </p:spPr>
         <p:txBody>
-          <a:bodyPr rtlCol="0">
+          <a:bodyPr>
             <a:normAutofit/>
           </a:bodyPr>
           <a:lstStyle/>
           <a:p>
-            <a:pPr lvl="0" rtl="0"/>
-            <a:r>
-              <a:rPr lang="hu-HU" noProof="0" smtClean="0"/>
+            <a:pPr lvl="0"/>
+            <a:r>
+              <a:rPr lang="hu-HU" smtClean="0"/>
               <a:t>Mintaszöveg szerkesztése</a:t>
             </a:r>
           </a:p>
           <a:p>
-            <a:pPr lvl="1" rtl="0"/>
-            <a:r>
-              <a:rPr lang="hu-HU" noProof="0" smtClean="0"/>
+            <a:pPr lvl="1"/>
+            <a:r>
+              <a:rPr lang="hu-HU" smtClean="0"/>
               <a:t>Második szint</a:t>
             </a:r>
           </a:p>
           <a:p>
-            <a:pPr lvl="2" rtl="0"/>
-            <a:r>
-              <a:rPr lang="hu-HU" noProof="0" smtClean="0"/>
+            <a:pPr lvl="2"/>
+            <a:r>
+              <a:rPr lang="hu-HU" smtClean="0"/>
               <a:t>Harmadik szint</a:t>
             </a:r>
           </a:p>
           <a:p>
-            <a:pPr lvl="3" rtl="0"/>
-            <a:r>
-              <a:rPr lang="hu-HU" noProof="0" smtClean="0"/>
+            <a:pPr lvl="3"/>
+            <a:r>
+              <a:rPr lang="hu-HU" smtClean="0"/>
               <a:t>Negyedik szint</a:t>
             </a:r>
           </a:p>
           <a:p>
-            <a:pPr lvl="4" rtl="0"/>
-            <a:r>
-              <a:rPr lang="hu-HU" noProof="0" smtClean="0"/>
+            <a:pPr lvl="4"/>
+            <a:r>
+              <a:rPr lang="hu-HU" smtClean="0"/>
               <a:t>Ötödik szint</a:t>
             </a:r>
-            <a:endParaRPr lang="hu-HU" noProof="0"/>
-          </a:p>
-        </p:txBody>
-      </p:sp>
-      <p:sp>
-        <p:nvSpPr>
-          <p:cNvPr id="4" name="Tartalom helye 3"/>
+            <a:endParaRPr lang="en-US" dirty="0"/>
+          </a:p>
+        </p:txBody>
+      </p:sp>
+      <p:sp>
+        <p:nvSpPr>
+          <p:cNvPr id="4" name="Content Placeholder 3"/>
           <p:cNvSpPr>
             <a:spLocks noGrp="1"/>
           </p:cNvSpPr>
@@ -4557,67 +4563,67 @@
           </a:xfrm>
         </p:spPr>
         <p:txBody>
-          <a:bodyPr rtlCol="0">
+          <a:bodyPr>
             <a:normAutofit/>
           </a:bodyPr>
           <a:lstStyle/>
           <a:p>
-            <a:pPr lvl="0" rtl="0"/>
-            <a:r>
+            <a:pPr lvl="0"/>
+            <a:r>
+              <a:rPr lang="hu-HU" smtClean="0"/>
+              <a:t>Mintaszöveg szerkesztése</a:t>
+            </a:r>
+          </a:p>
+          <a:p>
+            <a:pPr lvl="1"/>
+            <a:r>
+              <a:rPr lang="hu-HU" smtClean="0"/>
+              <a:t>Második szint</a:t>
+            </a:r>
+          </a:p>
+          <a:p>
+            <a:pPr lvl="2"/>
+            <a:r>
+              <a:rPr lang="hu-HU" smtClean="0"/>
+              <a:t>Harmadik szint</a:t>
+            </a:r>
+          </a:p>
+          <a:p>
+            <a:pPr lvl="3"/>
+            <a:r>
+              <a:rPr lang="hu-HU" smtClean="0"/>
+              <a:t>Negyedik szint</a:t>
+            </a:r>
+          </a:p>
+          <a:p>
+            <a:pPr lvl="4"/>
+            <a:r>
+              <a:rPr lang="hu-HU" smtClean="0"/>
+              <a:t>Ötödik szint</a:t>
+            </a:r>
+            <a:endParaRPr lang="en-US" dirty="0"/>
+          </a:p>
+        </p:txBody>
+      </p:sp>
+      <p:sp>
+        <p:nvSpPr>
+          <p:cNvPr id="5" name="Date Placeholder 4"/>
+          <p:cNvSpPr>
+            <a:spLocks noGrp="1"/>
+          </p:cNvSpPr>
+          <p:nvPr>
+            <p:ph type="dt" sz="half" idx="10"/>
+          </p:nvPr>
+        </p:nvSpPr>
+        <p:spPr/>
+        <p:txBody>
+          <a:bodyPr/>
+          <a:lstStyle/>
+          <a:p>
+            <a:pPr rtl="0"/>
+            <a:fld id="{4B4976FB-FBCE-40A1-9B83-A9B94C11CE00}" type="datetime1">
               <a:rPr lang="hu-HU" noProof="0" smtClean="0"/>
-              <a:t>Mintaszöveg szerkesztése</a:t>
-            </a:r>
-          </a:p>
-          <a:p>
-            <a:pPr lvl="1" rtl="0"/>
-            <a:r>
-              <a:rPr lang="hu-HU" noProof="0" smtClean="0"/>
-              <a:t>Második szint</a:t>
-            </a:r>
-          </a:p>
-          <a:p>
-            <a:pPr lvl="2" rtl="0"/>
-            <a:r>
-              <a:rPr lang="hu-HU" noProof="0" smtClean="0"/>
-              <a:t>Harmadik szint</a:t>
-            </a:r>
-          </a:p>
-          <a:p>
-            <a:pPr lvl="3" rtl="0"/>
-            <a:r>
-              <a:rPr lang="hu-HU" noProof="0" smtClean="0"/>
-              <a:t>Negyedik szint</a:t>
-            </a:r>
-          </a:p>
-          <a:p>
-            <a:pPr lvl="4" rtl="0"/>
-            <a:r>
-              <a:rPr lang="hu-HU" noProof="0" smtClean="0"/>
-              <a:t>Ötödik szint</a:t>
-            </a:r>
-            <a:endParaRPr lang="hu-HU" noProof="0"/>
-          </a:p>
-        </p:txBody>
-      </p:sp>
-      <p:sp>
-        <p:nvSpPr>
-          <p:cNvPr id="5" name="Dátum helye 4"/>
-          <p:cNvSpPr>
-            <a:spLocks noGrp="1"/>
-          </p:cNvSpPr>
-          <p:nvPr>
-            <p:ph type="dt" sz="half" idx="10"/>
-          </p:nvPr>
-        </p:nvSpPr>
-        <p:spPr/>
-        <p:txBody>
-          <a:bodyPr rtlCol="0"/>
-          <a:lstStyle/>
-          <a:p>
-            <a:pPr rtl="0"/>
-            <a:fld id="{A709BF3E-45E5-4962-951A-0A6886F22854}" type="datetime1">
-              <a:rPr lang="hu-HU" noProof="0" smtClean="0"/>
-              <a:t>2022.09.12.</a:t>
+              <a:t>2022.09.14.</a:t>
             </a:fld>
             <a:endParaRPr lang="hu-HU" noProof="0"/>
           </a:p>
@@ -4625,7 +4631,7 @@
       </p:sp>
       <p:sp>
         <p:nvSpPr>
-          <p:cNvPr id="6" name="Élőláb helye 5"/>
+          <p:cNvPr id="6" name="Footer Placeholder 5"/>
           <p:cNvSpPr>
             <a:spLocks noGrp="1"/>
           </p:cNvSpPr>
@@ -4635,7 +4641,7 @@
         </p:nvSpPr>
         <p:spPr/>
         <p:txBody>
-          <a:bodyPr rtlCol="0"/>
+          <a:bodyPr/>
           <a:lstStyle/>
           <a:p>
             <a:pPr rtl="0"/>
@@ -4645,7 +4651,7 @@
       </p:sp>
       <p:sp>
         <p:nvSpPr>
-          <p:cNvPr id="7" name="Dia számának helye 6"/>
+          <p:cNvPr id="7" name="Slide Number Placeholder 6"/>
           <p:cNvSpPr>
             <a:spLocks noGrp="1"/>
           </p:cNvSpPr>
@@ -4655,12 +4661,13 @@
         </p:nvSpPr>
         <p:spPr/>
         <p:txBody>
-          <a:bodyPr rtlCol="0"/>
+          <a:bodyPr/>
           <a:lstStyle/>
           <a:p>
             <a:pPr rtl="0"/>
             <a:fld id="{69E57DC2-970A-4B3E-BB1C-7A09969E49DF}" type="slidenum">
               <a:rPr lang="hu-HU" noProof="0" smtClean="0"/>
+              <a:pPr/>
               <a:t>‹#›</a:t>
             </a:fld>
             <a:endParaRPr lang="hu-HU" noProof="0"/>
@@ -4670,13 +4677,14 @@
     </p:spTree>
     <p:extLst>
       <p:ext uri="{BB962C8B-B14F-4D97-AF65-F5344CB8AC3E}">
-        <p14:creationId xmlns:p14="http://schemas.microsoft.com/office/powerpoint/2010/main" val="1623104670"/>
+        <p14:creationId xmlns:p14="http://schemas.microsoft.com/office/powerpoint/2010/main" val="2007950562"/>
       </p:ext>
     </p:extLst>
   </p:cSld>
   <p:clrMapOvr>
     <a:masterClrMapping/>
   </p:clrMapOvr>
+  <p:hf sldNum="0" hdr="0" ftr="0" dt="0"/>
 </p:sldLayout>
 </file>
 
@@ -4699,34 +4707,34 @@
       </p:grpSpPr>
       <p:sp>
         <p:nvSpPr>
-          <p:cNvPr id="2" name="Cím 1"/>
-          <p:cNvSpPr>
-            <a:spLocks noGrp="1"/>
-          </p:cNvSpPr>
-          <p:nvPr>
-            <p:ph type="title" hasCustomPrompt="1"/>
+          <p:cNvPr id="2" name="Title 1"/>
+          <p:cNvSpPr>
+            <a:spLocks noGrp="1"/>
+          </p:cNvSpPr>
+          <p:nvPr>
+            <p:ph type="title"/>
           </p:nvPr>
         </p:nvSpPr>
         <p:spPr/>
         <p:txBody>
-          <a:bodyPr rtlCol="0"/>
+          <a:bodyPr/>
           <a:lstStyle>
             <a:lvl1pPr>
               <a:defRPr/>
             </a:lvl1pPr>
           </a:lstStyle>
           <a:p>
-            <a:pPr rtl="0"/>
-            <a:r>
-              <a:rPr lang="hu-HU" noProof="0"/>
-              <a:t>Mintacím stílusának szerkesztése</a:t>
-            </a:r>
-          </a:p>
-        </p:txBody>
-      </p:sp>
-      <p:sp>
-        <p:nvSpPr>
-          <p:cNvPr id="3" name="Szöveg helye 2"/>
+            <a:r>
+              <a:rPr lang="hu-HU" smtClean="0"/>
+              <a:t>Mintacím szerkesztése</a:t>
+            </a:r>
+            <a:endParaRPr lang="en-US" dirty="0"/>
+          </a:p>
+        </p:txBody>
+      </p:sp>
+      <p:sp>
+        <p:nvSpPr>
+          <p:cNvPr id="3" name="Text Placeholder 2"/>
           <p:cNvSpPr>
             <a:spLocks noGrp="1"/>
           </p:cNvSpPr>
@@ -4736,12 +4744,12 @@
         </p:nvSpPr>
         <p:spPr>
           <a:xfrm>
-            <a:off x="685800" y="2218267"/>
-            <a:ext cx="4996924" cy="576262"/>
+            <a:off x="973670" y="2218267"/>
+            <a:ext cx="4709054" cy="576262"/>
           </a:xfrm>
         </p:spPr>
         <p:txBody>
-          <a:bodyPr rtlCol="0" anchor="b">
+          <a:bodyPr anchor="b">
             <a:noAutofit/>
           </a:bodyPr>
           <a:lstStyle>
@@ -4783,9 +4791,9 @@
             </a:lvl9pPr>
           </a:lstStyle>
           <a:p>
-            <a:pPr lvl="0" rtl="0"/>
-            <a:r>
-              <a:rPr lang="hu-HU" noProof="0" smtClean="0"/>
+            <a:pPr lvl="0"/>
+            <a:r>
+              <a:rPr lang="hu-HU" smtClean="0"/>
               <a:t>Mintaszöveg szerkesztése</a:t>
             </a:r>
           </a:p>
@@ -4793,7 +4801,7 @@
       </p:sp>
       <p:sp>
         <p:nvSpPr>
-          <p:cNvPr id="4" name="Tartalom helye 3"/>
+          <p:cNvPr id="4" name="Content Placeholder 3"/>
           <p:cNvSpPr>
             <a:spLocks noGrp="1"/>
           </p:cNvSpPr>
@@ -4808,51 +4816,51 @@
           </a:xfrm>
         </p:spPr>
         <p:txBody>
-          <a:bodyPr rtlCol="0" anchor="t">
+          <a:bodyPr anchor="t">
             <a:normAutofit/>
           </a:bodyPr>
           <a:lstStyle/>
           <a:p>
-            <a:pPr lvl="0" rtl="0"/>
-            <a:r>
-              <a:rPr lang="hu-HU" noProof="0" smtClean="0"/>
+            <a:pPr lvl="0"/>
+            <a:r>
+              <a:rPr lang="hu-HU" smtClean="0"/>
               <a:t>Mintaszöveg szerkesztése</a:t>
             </a:r>
           </a:p>
           <a:p>
-            <a:pPr lvl="1" rtl="0"/>
-            <a:r>
-              <a:rPr lang="hu-HU" noProof="0" smtClean="0"/>
+            <a:pPr lvl="1"/>
+            <a:r>
+              <a:rPr lang="hu-HU" smtClean="0"/>
               <a:t>Második szint</a:t>
             </a:r>
           </a:p>
           <a:p>
-            <a:pPr lvl="2" rtl="0"/>
-            <a:r>
-              <a:rPr lang="hu-HU" noProof="0" smtClean="0"/>
+            <a:pPr lvl="2"/>
+            <a:r>
+              <a:rPr lang="hu-HU" smtClean="0"/>
               <a:t>Harmadik szint</a:t>
             </a:r>
           </a:p>
           <a:p>
-            <a:pPr lvl="3" rtl="0"/>
-            <a:r>
-              <a:rPr lang="hu-HU" noProof="0" smtClean="0"/>
+            <a:pPr lvl="3"/>
+            <a:r>
+              <a:rPr lang="hu-HU" smtClean="0"/>
               <a:t>Negyedik szint</a:t>
             </a:r>
           </a:p>
           <a:p>
-            <a:pPr lvl="4" rtl="0"/>
-            <a:r>
-              <a:rPr lang="hu-HU" noProof="0" smtClean="0"/>
+            <a:pPr lvl="4"/>
+            <a:r>
+              <a:rPr lang="hu-HU" smtClean="0"/>
               <a:t>Ötödik szint</a:t>
             </a:r>
-            <a:endParaRPr lang="hu-HU" noProof="0"/>
-          </a:p>
-        </p:txBody>
-      </p:sp>
-      <p:sp>
-        <p:nvSpPr>
-          <p:cNvPr id="5" name="Szöveg helye 4"/>
+            <a:endParaRPr lang="en-US" dirty="0"/>
+          </a:p>
+        </p:txBody>
+      </p:sp>
+      <p:sp>
+        <p:nvSpPr>
+          <p:cNvPr id="5" name="Text Placeholder 4"/>
           <p:cNvSpPr>
             <a:spLocks noGrp="1"/>
           </p:cNvSpPr>
@@ -4862,12 +4870,12 @@
         </p:nvSpPr>
         <p:spPr>
           <a:xfrm>
-            <a:off x="5821893" y="2226734"/>
-            <a:ext cx="4996924" cy="576262"/>
+            <a:off x="6096003" y="2226734"/>
+            <a:ext cx="4722813" cy="576262"/>
           </a:xfrm>
         </p:spPr>
         <p:txBody>
-          <a:bodyPr rtlCol="0" anchor="b">
+          <a:bodyPr anchor="b">
             <a:noAutofit/>
           </a:bodyPr>
           <a:lstStyle>
@@ -4909,9 +4917,9 @@
             </a:lvl9pPr>
           </a:lstStyle>
           <a:p>
-            <a:pPr lvl="0" rtl="0"/>
-            <a:r>
-              <a:rPr lang="hu-HU" noProof="0" smtClean="0"/>
+            <a:pPr lvl="0"/>
+            <a:r>
+              <a:rPr lang="hu-HU" smtClean="0"/>
               <a:t>Mintaszöveg szerkesztése</a:t>
             </a:r>
           </a:p>
@@ -4919,7 +4927,7 @@
       </p:sp>
       <p:sp>
         <p:nvSpPr>
-          <p:cNvPr id="6" name="Tartalom helye 5"/>
+          <p:cNvPr id="6" name="Content Placeholder 5"/>
           <p:cNvSpPr>
             <a:spLocks noGrp="1"/>
           </p:cNvSpPr>
@@ -4934,51 +4942,51 @@
           </a:xfrm>
         </p:spPr>
         <p:txBody>
-          <a:bodyPr rtlCol="0" anchor="t">
+          <a:bodyPr anchor="t">
             <a:normAutofit/>
           </a:bodyPr>
           <a:lstStyle/>
           <a:p>
-            <a:pPr lvl="0" rtl="0"/>
-            <a:r>
-              <a:rPr lang="hu-HU" noProof="0" smtClean="0"/>
+            <a:pPr lvl="0"/>
+            <a:r>
+              <a:rPr lang="hu-HU" smtClean="0"/>
               <a:t>Mintaszöveg szerkesztése</a:t>
             </a:r>
           </a:p>
           <a:p>
-            <a:pPr lvl="1" rtl="0"/>
-            <a:r>
-              <a:rPr lang="hu-HU" noProof="0" smtClean="0"/>
+            <a:pPr lvl="1"/>
+            <a:r>
+              <a:rPr lang="hu-HU" smtClean="0"/>
               <a:t>Második szint</a:t>
             </a:r>
           </a:p>
           <a:p>
-            <a:pPr lvl="2" rtl="0"/>
-            <a:r>
-              <a:rPr lang="hu-HU" noProof="0" smtClean="0"/>
+            <a:pPr lvl="2"/>
+            <a:r>
+              <a:rPr lang="hu-HU" smtClean="0"/>
               <a:t>Harmadik szint</a:t>
             </a:r>
           </a:p>
           <a:p>
-            <a:pPr lvl="3" rtl="0"/>
-            <a:r>
-              <a:rPr lang="hu-HU" noProof="0" smtClean="0"/>
+            <a:pPr lvl="3"/>
+            <a:r>
+              <a:rPr lang="hu-HU" smtClean="0"/>
               <a:t>Negyedik szint</a:t>
             </a:r>
           </a:p>
           <a:p>
-            <a:pPr lvl="4" rtl="0"/>
-            <a:r>
-              <a:rPr lang="hu-HU" noProof="0" smtClean="0"/>
+            <a:pPr lvl="4"/>
+            <a:r>
+              <a:rPr lang="hu-HU" smtClean="0"/>
               <a:t>Ötödik szint</a:t>
             </a:r>
-            <a:endParaRPr lang="hu-HU" noProof="0"/>
-          </a:p>
-        </p:txBody>
-      </p:sp>
-      <p:sp>
-        <p:nvSpPr>
-          <p:cNvPr id="7" name="Dátum helye 6"/>
+            <a:endParaRPr lang="en-US" dirty="0"/>
+          </a:p>
+        </p:txBody>
+      </p:sp>
+      <p:sp>
+        <p:nvSpPr>
+          <p:cNvPr id="7" name="Date Placeholder 6"/>
           <p:cNvSpPr>
             <a:spLocks noGrp="1"/>
           </p:cNvSpPr>
@@ -4988,13 +4996,13 @@
         </p:nvSpPr>
         <p:spPr/>
         <p:txBody>
-          <a:bodyPr rtlCol="0"/>
+          <a:bodyPr/>
           <a:lstStyle/>
           <a:p>
             <a:pPr rtl="0"/>
             <a:fld id="{EE72ECD5-77CD-40D9-8E6A-18B1F171A124}" type="datetime1">
               <a:rPr lang="hu-HU" noProof="0" smtClean="0"/>
-              <a:t>2022.09.12.</a:t>
+              <a:t>2022.09.14.</a:t>
             </a:fld>
             <a:endParaRPr lang="hu-HU" noProof="0"/>
           </a:p>
@@ -5002,7 +5010,7 @@
       </p:sp>
       <p:sp>
         <p:nvSpPr>
-          <p:cNvPr id="8" name="Élőláb helye 7"/>
+          <p:cNvPr id="8" name="Footer Placeholder 7"/>
           <p:cNvSpPr>
             <a:spLocks noGrp="1"/>
           </p:cNvSpPr>
@@ -5012,7 +5020,7 @@
         </p:nvSpPr>
         <p:spPr/>
         <p:txBody>
-          <a:bodyPr rtlCol="0"/>
+          <a:bodyPr/>
           <a:lstStyle/>
           <a:p>
             <a:pPr rtl="0"/>
@@ -5022,7 +5030,7 @@
       </p:sp>
       <p:sp>
         <p:nvSpPr>
-          <p:cNvPr id="9" name="Dia számának helye 8"/>
+          <p:cNvPr id="9" name="Slide Number Placeholder 8"/>
           <p:cNvSpPr>
             <a:spLocks noGrp="1"/>
           </p:cNvSpPr>
@@ -5032,7 +5040,7 @@
         </p:nvSpPr>
         <p:spPr/>
         <p:txBody>
-          <a:bodyPr rtlCol="0"/>
+          <a:bodyPr/>
           <a:lstStyle/>
           <a:p>
             <a:pPr rtl="0"/>
@@ -5047,7 +5055,7 @@
     </p:spTree>
     <p:extLst>
       <p:ext uri="{BB962C8B-B14F-4D97-AF65-F5344CB8AC3E}">
-        <p14:creationId xmlns:p14="http://schemas.microsoft.com/office/powerpoint/2010/main" val="1987299386"/>
+        <p14:creationId xmlns:p14="http://schemas.microsoft.com/office/powerpoint/2010/main" val="686711290"/>
       </p:ext>
     </p:extLst>
   </p:cSld>
@@ -5076,7 +5084,7 @@
       </p:grpSpPr>
       <p:pic>
         <p:nvPicPr>
-          <p:cNvPr id="6" name="Kép 5" descr="Celestia-R1---OverlayContentHD.png"/>
+          <p:cNvPr id="6" name="Picture 5" descr="Celestia-R1---OverlayContentHD.png"/>
           <p:cNvPicPr>
             <a:picLocks noChangeAspect="1"/>
           </p:cNvPicPr>
@@ -5106,30 +5114,30 @@
       </p:pic>
       <p:sp>
         <p:nvSpPr>
-          <p:cNvPr id="2" name="Cím 1"/>
-          <p:cNvSpPr>
-            <a:spLocks noGrp="1"/>
-          </p:cNvSpPr>
-          <p:nvPr>
-            <p:ph type="title" hasCustomPrompt="1"/>
+          <p:cNvPr id="2" name="Title 1"/>
+          <p:cNvSpPr>
+            <a:spLocks noGrp="1"/>
+          </p:cNvSpPr>
+          <p:nvPr>
+            <p:ph type="title"/>
           </p:nvPr>
         </p:nvSpPr>
         <p:spPr/>
         <p:txBody>
-          <a:bodyPr rtlCol="0"/>
+          <a:bodyPr/>
           <a:lstStyle/>
           <a:p>
-            <a:pPr rtl="0"/>
-            <a:r>
-              <a:rPr lang="hu-HU" noProof="0"/>
-              <a:t>Mintacím stílusának szerkesztése</a:t>
-            </a:r>
-          </a:p>
-        </p:txBody>
-      </p:sp>
-      <p:sp>
-        <p:nvSpPr>
-          <p:cNvPr id="3" name="Dátum helye 2"/>
+            <a:r>
+              <a:rPr lang="hu-HU" smtClean="0"/>
+              <a:t>Mintacím szerkesztése</a:t>
+            </a:r>
+            <a:endParaRPr lang="en-US" dirty="0"/>
+          </a:p>
+        </p:txBody>
+      </p:sp>
+      <p:sp>
+        <p:nvSpPr>
+          <p:cNvPr id="3" name="Date Placeholder 2"/>
           <p:cNvSpPr>
             <a:spLocks noGrp="1"/>
           </p:cNvSpPr>
@@ -5139,13 +5147,13 @@
         </p:nvSpPr>
         <p:spPr/>
         <p:txBody>
-          <a:bodyPr rtlCol="0"/>
+          <a:bodyPr/>
           <a:lstStyle/>
           <a:p>
             <a:pPr rtl="0"/>
             <a:fld id="{3270B680-524D-44FE-8CD2-07C25BB9AD09}" type="datetime1">
               <a:rPr lang="hu-HU" noProof="0" smtClean="0"/>
-              <a:t>2022.09.12.</a:t>
+              <a:t>2022.09.14.</a:t>
             </a:fld>
             <a:endParaRPr lang="hu-HU" noProof="0"/>
           </a:p>
@@ -5153,7 +5161,7 @@
       </p:sp>
       <p:sp>
         <p:nvSpPr>
-          <p:cNvPr id="4" name="Élőláb helye 3"/>
+          <p:cNvPr id="4" name="Footer Placeholder 3"/>
           <p:cNvSpPr>
             <a:spLocks noGrp="1"/>
           </p:cNvSpPr>
@@ -5163,7 +5171,7 @@
         </p:nvSpPr>
         <p:spPr/>
         <p:txBody>
-          <a:bodyPr rtlCol="0"/>
+          <a:bodyPr/>
           <a:lstStyle/>
           <a:p>
             <a:pPr rtl="0"/>
@@ -5173,7 +5181,7 @@
       </p:sp>
       <p:sp>
         <p:nvSpPr>
-          <p:cNvPr id="5" name="Dia számának helye 4"/>
+          <p:cNvPr id="5" name="Slide Number Placeholder 4"/>
           <p:cNvSpPr>
             <a:spLocks noGrp="1"/>
           </p:cNvSpPr>
@@ -5183,7 +5191,7 @@
         </p:nvSpPr>
         <p:spPr/>
         <p:txBody>
-          <a:bodyPr rtlCol="0"/>
+          <a:bodyPr/>
           <a:lstStyle/>
           <a:p>
             <a:pPr rtl="0"/>
@@ -5198,7 +5206,7 @@
     </p:spTree>
     <p:extLst>
       <p:ext uri="{BB962C8B-B14F-4D97-AF65-F5344CB8AC3E}">
-        <p14:creationId xmlns:p14="http://schemas.microsoft.com/office/powerpoint/2010/main" val="4240550557"/>
+        <p14:creationId xmlns:p14="http://schemas.microsoft.com/office/powerpoint/2010/main" val="2574428936"/>
       </p:ext>
     </p:extLst>
   </p:cSld>
@@ -5227,7 +5235,7 @@
       </p:grpSpPr>
       <p:pic>
         <p:nvPicPr>
-          <p:cNvPr id="5" name="Kép 4" descr="Celestia-R1---OverlayContentHD.png"/>
+          <p:cNvPr id="5" name="Picture 4" descr="Celestia-R1---OverlayContentHD.png"/>
           <p:cNvPicPr>
             <a:picLocks noChangeAspect="1"/>
           </p:cNvPicPr>
@@ -5257,7 +5265,7 @@
       </p:pic>
       <p:sp>
         <p:nvSpPr>
-          <p:cNvPr id="2" name="Dátum helye 1"/>
+          <p:cNvPr id="2" name="Date Placeholder 1"/>
           <p:cNvSpPr>
             <a:spLocks noGrp="1"/>
           </p:cNvSpPr>
@@ -5267,13 +5275,13 @@
         </p:nvSpPr>
         <p:spPr/>
         <p:txBody>
-          <a:bodyPr rtlCol="0"/>
+          <a:bodyPr/>
           <a:lstStyle/>
           <a:p>
             <a:pPr rtl="0"/>
             <a:fld id="{3D1C841F-378D-486E-80A5-3EDB5DFF52F7}" type="datetime1">
               <a:rPr lang="hu-HU" noProof="0" smtClean="0"/>
-              <a:t>2022.09.12.</a:t>
+              <a:t>2022.09.14.</a:t>
             </a:fld>
             <a:endParaRPr lang="hu-HU" noProof="0"/>
           </a:p>
@@ -5281,7 +5289,7 @@
       </p:sp>
       <p:sp>
         <p:nvSpPr>
-          <p:cNvPr id="3" name="Élőláb helye 2"/>
+          <p:cNvPr id="3" name="Footer Placeholder 2"/>
           <p:cNvSpPr>
             <a:spLocks noGrp="1"/>
           </p:cNvSpPr>
@@ -5291,7 +5299,7 @@
         </p:nvSpPr>
         <p:spPr/>
         <p:txBody>
-          <a:bodyPr rtlCol="0"/>
+          <a:bodyPr/>
           <a:lstStyle/>
           <a:p>
             <a:pPr rtl="0"/>
@@ -5301,7 +5309,7 @@
       </p:sp>
       <p:sp>
         <p:nvSpPr>
-          <p:cNvPr id="4" name="Dia számának helye 3"/>
+          <p:cNvPr id="4" name="Slide Number Placeholder 3"/>
           <p:cNvSpPr>
             <a:spLocks noGrp="1"/>
           </p:cNvSpPr>
@@ -5311,7 +5319,7 @@
         </p:nvSpPr>
         <p:spPr/>
         <p:txBody>
-          <a:bodyPr rtlCol="0"/>
+          <a:bodyPr/>
           <a:lstStyle/>
           <a:p>
             <a:pPr rtl="0"/>
@@ -5326,7 +5334,7 @@
     </p:spTree>
     <p:extLst>
       <p:ext uri="{BB962C8B-B14F-4D97-AF65-F5344CB8AC3E}">
-        <p14:creationId xmlns:p14="http://schemas.microsoft.com/office/powerpoint/2010/main" val="3293073901"/>
+        <p14:creationId xmlns:p14="http://schemas.microsoft.com/office/powerpoint/2010/main" val="3216295959"/>
       </p:ext>
     </p:extLst>
   </p:cSld>
@@ -5355,7 +5363,7 @@
       </p:grpSpPr>
       <p:pic>
         <p:nvPicPr>
-          <p:cNvPr id="8" name="Kép 7" descr="Celestia-R1---OverlayContentHD.png"/>
+          <p:cNvPr id="8" name="Picture 7" descr="Celestia-R1---OverlayContentHD.png"/>
           <p:cNvPicPr>
             <a:picLocks noChangeAspect="1"/>
           </p:cNvPicPr>
@@ -5385,12 +5393,12 @@
       </p:pic>
       <p:sp>
         <p:nvSpPr>
-          <p:cNvPr id="2" name="Cím 1"/>
-          <p:cNvSpPr>
-            <a:spLocks noGrp="1"/>
-          </p:cNvSpPr>
-          <p:nvPr>
-            <p:ph type="title" hasCustomPrompt="1"/>
+          <p:cNvPr id="2" name="Title 1"/>
+          <p:cNvSpPr>
+            <a:spLocks noGrp="1"/>
+          </p:cNvSpPr>
+          <p:nvPr>
+            <p:ph type="title"/>
           </p:nvPr>
         </p:nvSpPr>
         <p:spPr>
@@ -5400,7 +5408,7 @@
           </a:xfrm>
         </p:spPr>
         <p:txBody>
-          <a:bodyPr rtlCol="0" anchor="b">
+          <a:bodyPr anchor="b">
             <a:normAutofit/>
           </a:bodyPr>
           <a:lstStyle>
@@ -5409,17 +5417,17 @@
             </a:lvl1pPr>
           </a:lstStyle>
           <a:p>
-            <a:pPr rtl="0"/>
-            <a:r>
-              <a:rPr lang="hu-HU" noProof="0"/>
-              <a:t>Mintacím stílusának szerkesztése</a:t>
-            </a:r>
-          </a:p>
-        </p:txBody>
-      </p:sp>
-      <p:sp>
-        <p:nvSpPr>
-          <p:cNvPr id="3" name="Tartalom helye 2"/>
+            <a:r>
+              <a:rPr lang="hu-HU" smtClean="0"/>
+              <a:t>Mintacím szerkesztése</a:t>
+            </a:r>
+            <a:endParaRPr lang="en-US" dirty="0"/>
+          </a:p>
+        </p:txBody>
+      </p:sp>
+      <p:sp>
+        <p:nvSpPr>
+          <p:cNvPr id="3" name="Content Placeholder 2"/>
           <p:cNvSpPr>
             <a:spLocks noGrp="1"/>
           </p:cNvSpPr>
@@ -5434,51 +5442,51 @@
           </a:xfrm>
         </p:spPr>
         <p:txBody>
-          <a:bodyPr rtlCol="0" anchor="ctr">
+          <a:bodyPr anchor="ctr">
             <a:normAutofit/>
           </a:bodyPr>
           <a:lstStyle/>
           <a:p>
-            <a:pPr lvl="0" rtl="0"/>
-            <a:r>
-              <a:rPr lang="hu-HU" noProof="0" smtClean="0"/>
+            <a:pPr lvl="0"/>
+            <a:r>
+              <a:rPr lang="hu-HU" smtClean="0"/>
               <a:t>Mintaszöveg szerkesztése</a:t>
             </a:r>
           </a:p>
           <a:p>
-            <a:pPr lvl="1" rtl="0"/>
-            <a:r>
-              <a:rPr lang="hu-HU" noProof="0" smtClean="0"/>
+            <a:pPr lvl="1"/>
+            <a:r>
+              <a:rPr lang="hu-HU" smtClean="0"/>
               <a:t>Második szint</a:t>
             </a:r>
           </a:p>
           <a:p>
-            <a:pPr lvl="2" rtl="0"/>
-            <a:r>
-              <a:rPr lang="hu-HU" noProof="0" smtClean="0"/>
+            <a:pPr lvl="2"/>
+            <a:r>
+              <a:rPr lang="hu-HU" smtClean="0"/>
               <a:t>Harmadik szint</a:t>
             </a:r>
           </a:p>
           <a:p>
-            <a:pPr lvl="3" rtl="0"/>
-            <a:r>
-              <a:rPr lang="hu-HU" noProof="0" smtClean="0"/>
+            <a:pPr lvl="3"/>
+            <a:r>
+              <a:rPr lang="hu-HU" smtClean="0"/>
               <a:t>Negyedik szint</a:t>
             </a:r>
           </a:p>
           <a:p>
-            <a:pPr lvl="4" rtl="0"/>
-            <a:r>
-              <a:rPr lang="hu-HU" noProof="0" smtClean="0"/>
+            <a:pPr lvl="4"/>
+            <a:r>
+              <a:rPr lang="hu-HU" smtClean="0"/>
               <a:t>Ötödik szint</a:t>
             </a:r>
-            <a:endParaRPr lang="hu-HU" noProof="0"/>
-          </a:p>
-        </p:txBody>
-      </p:sp>
-      <p:sp>
-        <p:nvSpPr>
-          <p:cNvPr id="4" name="Szöveg helye 3"/>
+            <a:endParaRPr lang="en-US" dirty="0"/>
+          </a:p>
+        </p:txBody>
+      </p:sp>
+      <p:sp>
+        <p:nvSpPr>
+          <p:cNvPr id="4" name="Text Placeholder 3"/>
           <p:cNvSpPr>
             <a:spLocks noGrp="1"/>
           </p:cNvSpPr>
@@ -5493,7 +5501,7 @@
           </a:xfrm>
         </p:spPr>
         <p:txBody>
-          <a:bodyPr rtlCol="0" anchor="t">
+          <a:bodyPr anchor="t">
             <a:normAutofit/>
           </a:bodyPr>
           <a:lstStyle>
@@ -5535,9 +5543,9 @@
             </a:lvl9pPr>
           </a:lstStyle>
           <a:p>
-            <a:pPr lvl="0" rtl="0"/>
-            <a:r>
-              <a:rPr lang="hu-HU" noProof="0" smtClean="0"/>
+            <a:pPr lvl="0"/>
+            <a:r>
+              <a:rPr lang="hu-HU" smtClean="0"/>
               <a:t>Mintaszöveg szerkesztése</a:t>
             </a:r>
           </a:p>
@@ -5545,7 +5553,7 @@
       </p:sp>
       <p:sp>
         <p:nvSpPr>
-          <p:cNvPr id="5" name="Dátum helye 4"/>
+          <p:cNvPr id="5" name="Date Placeholder 4"/>
           <p:cNvSpPr>
             <a:spLocks noGrp="1"/>
           </p:cNvSpPr>
@@ -5555,13 +5563,13 @@
         </p:nvSpPr>
         <p:spPr/>
         <p:txBody>
-          <a:bodyPr rtlCol="0"/>
+          <a:bodyPr/>
           <a:lstStyle/>
           <a:p>
             <a:pPr rtl="0"/>
             <a:fld id="{C13C4162-F167-4A0B-BF4E-3F47C180706D}" type="datetime1">
               <a:rPr lang="hu-HU" noProof="0" smtClean="0"/>
-              <a:t>2022.09.12.</a:t>
+              <a:t>2022.09.14.</a:t>
             </a:fld>
             <a:endParaRPr lang="hu-HU" noProof="0"/>
           </a:p>
@@ -5569,7 +5577,7 @@
       </p:sp>
       <p:sp>
         <p:nvSpPr>
-          <p:cNvPr id="6" name="Élőláb helye 5"/>
+          <p:cNvPr id="6" name="Footer Placeholder 5"/>
           <p:cNvSpPr>
             <a:spLocks noGrp="1"/>
           </p:cNvSpPr>
@@ -5579,7 +5587,7 @@
         </p:nvSpPr>
         <p:spPr/>
         <p:txBody>
-          <a:bodyPr rtlCol="0"/>
+          <a:bodyPr/>
           <a:lstStyle/>
           <a:p>
             <a:pPr rtl="0"/>
@@ -5589,7 +5597,7 @@
       </p:sp>
       <p:sp>
         <p:nvSpPr>
-          <p:cNvPr id="7" name="Dia számának helye 6"/>
+          <p:cNvPr id="7" name="Slide Number Placeholder 6"/>
           <p:cNvSpPr>
             <a:spLocks noGrp="1"/>
           </p:cNvSpPr>
@@ -5599,7 +5607,7 @@
         </p:nvSpPr>
         <p:spPr/>
         <p:txBody>
-          <a:bodyPr rtlCol="0"/>
+          <a:bodyPr/>
           <a:lstStyle/>
           <a:p>
             <a:pPr rtl="0"/>
@@ -5615,7 +5623,7 @@
     </p:spTree>
     <p:extLst>
       <p:ext uri="{BB962C8B-B14F-4D97-AF65-F5344CB8AC3E}">
-        <p14:creationId xmlns:p14="http://schemas.microsoft.com/office/powerpoint/2010/main" val="1140976417"/>
+        <p14:creationId xmlns:p14="http://schemas.microsoft.com/office/powerpoint/2010/main" val="162969848"/>
       </p:ext>
     </p:extLst>
   </p:cSld>
@@ -5644,7 +5652,7 @@
       </p:grpSpPr>
       <p:pic>
         <p:nvPicPr>
-          <p:cNvPr id="8" name="Kép 7" descr="Celestia-R1---OverlayContentHD.png"/>
+          <p:cNvPr id="8" name="Picture 7" descr="Celestia-R1---OverlayContentHD.png"/>
           <p:cNvPicPr>
             <a:picLocks noChangeAspect="1"/>
           </p:cNvPicPr>
@@ -5674,12 +5682,12 @@
       </p:pic>
       <p:sp>
         <p:nvSpPr>
-          <p:cNvPr id="2" name="Cím 1"/>
-          <p:cNvSpPr>
-            <a:spLocks noGrp="1"/>
-          </p:cNvSpPr>
-          <p:nvPr>
-            <p:ph type="title" hasCustomPrompt="1"/>
+          <p:cNvPr id="2" name="Title 1"/>
+          <p:cNvSpPr>
+            <a:spLocks noGrp="1"/>
+          </p:cNvSpPr>
+          <p:nvPr>
+            <p:ph type="title"/>
           </p:nvPr>
         </p:nvSpPr>
         <p:spPr>
@@ -5689,7 +5697,7 @@
           </a:xfrm>
         </p:spPr>
         <p:txBody>
-          <a:bodyPr rtlCol="0" anchor="b">
+          <a:bodyPr anchor="b">
             <a:normAutofit/>
           </a:bodyPr>
           <a:lstStyle>
@@ -5698,22 +5706,22 @@
             </a:lvl1pPr>
           </a:lstStyle>
           <a:p>
-            <a:pPr rtl="0"/>
-            <a:r>
-              <a:rPr lang="hu-HU" noProof="0"/>
-              <a:t>Mintacím stílusának szerkesztése</a:t>
-            </a:r>
-          </a:p>
-        </p:txBody>
-      </p:sp>
-      <p:sp>
-        <p:nvSpPr>
-          <p:cNvPr id="14" name="Kép helyőrzője 2"/>
+            <a:r>
+              <a:rPr lang="hu-HU" smtClean="0"/>
+              <a:t>Mintacím szerkesztése</a:t>
+            </a:r>
+            <a:endParaRPr lang="en-US" dirty="0"/>
+          </a:p>
+        </p:txBody>
+      </p:sp>
+      <p:sp>
+        <p:nvSpPr>
+          <p:cNvPr id="14" name="Picture Placeholder 2"/>
           <p:cNvSpPr>
             <a:spLocks noGrp="1" noChangeAspect="1"/>
           </p:cNvSpPr>
           <p:nvPr>
-            <p:ph type="pic" idx="1" hasCustomPrompt="1"/>
+            <p:ph type="pic" idx="1"/>
           </p:nvPr>
         </p:nvSpPr>
         <p:spPr>
@@ -5754,7 +5762,7 @@
           </a:effectLst>
         </p:spPr>
         <p:txBody>
-          <a:bodyPr rtlCol="0" anchor="t">
+          <a:bodyPr anchor="t">
             <a:normAutofit/>
           </a:bodyPr>
           <a:lstStyle>
@@ -5796,17 +5804,17 @@
             </a:lvl9pPr>
           </a:lstStyle>
           <a:p>
-            <a:pPr rtl="0"/>
-            <a:r>
-              <a:rPr lang="hu-HU" noProof="0"/>
-              <a:t>Kép hozzáadásához kattintson az ikonra</a:t>
-            </a:r>
-          </a:p>
-        </p:txBody>
-      </p:sp>
-      <p:sp>
-        <p:nvSpPr>
-          <p:cNvPr id="4" name="Szöveg helye 3"/>
+            <a:r>
+              <a:rPr lang="hu-HU" smtClean="0"/>
+              <a:t>Kép beszúrásához kattintson az ikonra</a:t>
+            </a:r>
+            <a:endParaRPr lang="en-US" dirty="0"/>
+          </a:p>
+        </p:txBody>
+      </p:sp>
+      <p:sp>
+        <p:nvSpPr>
+          <p:cNvPr id="4" name="Text Placeholder 3"/>
           <p:cNvSpPr>
             <a:spLocks noGrp="1"/>
           </p:cNvSpPr>
@@ -5821,7 +5829,7 @@
           </a:xfrm>
         </p:spPr>
         <p:txBody>
-          <a:bodyPr rtlCol="0" anchor="t">
+          <a:bodyPr anchor="t">
             <a:normAutofit/>
           </a:bodyPr>
           <a:lstStyle>
@@ -5863,9 +5871,9 @@
             </a:lvl9pPr>
           </a:lstStyle>
           <a:p>
-            <a:pPr lvl="0" rtl="0"/>
-            <a:r>
-              <a:rPr lang="hu-HU" noProof="0" smtClean="0"/>
+            <a:pPr lvl="0"/>
+            <a:r>
+              <a:rPr lang="hu-HU" smtClean="0"/>
               <a:t>Mintaszöveg szerkesztése</a:t>
             </a:r>
           </a:p>
@@ -5873,7 +5881,7 @@
       </p:sp>
       <p:sp>
         <p:nvSpPr>
-          <p:cNvPr id="5" name="Dátum helye 4"/>
+          <p:cNvPr id="5" name="Date Placeholder 4"/>
           <p:cNvSpPr>
             <a:spLocks noGrp="1"/>
           </p:cNvSpPr>
@@ -5883,13 +5891,13 @@
         </p:nvSpPr>
         <p:spPr/>
         <p:txBody>
-          <a:bodyPr rtlCol="0"/>
+          <a:bodyPr/>
           <a:lstStyle/>
           <a:p>
             <a:pPr rtl="0"/>
             <a:fld id="{D25A1FEC-75C4-4961-8D44-05149E6B7972}" type="datetime1">
               <a:rPr lang="hu-HU" noProof="0" smtClean="0"/>
-              <a:t>2022.09.12.</a:t>
+              <a:t>2022.09.14.</a:t>
             </a:fld>
             <a:endParaRPr lang="hu-HU" noProof="0"/>
           </a:p>
@@ -5897,7 +5905,7 @@
       </p:sp>
       <p:sp>
         <p:nvSpPr>
-          <p:cNvPr id="6" name="Élőláb helye 5"/>
+          <p:cNvPr id="6" name="Footer Placeholder 5"/>
           <p:cNvSpPr>
             <a:spLocks noGrp="1"/>
           </p:cNvSpPr>
@@ -5907,7 +5915,7 @@
         </p:nvSpPr>
         <p:spPr/>
         <p:txBody>
-          <a:bodyPr rtlCol="0"/>
+          <a:bodyPr/>
           <a:lstStyle/>
           <a:p>
             <a:pPr rtl="0"/>
@@ -5917,7 +5925,7 @@
       </p:sp>
       <p:sp>
         <p:nvSpPr>
-          <p:cNvPr id="7" name="Dia számának helye 6"/>
+          <p:cNvPr id="7" name="Slide Number Placeholder 6"/>
           <p:cNvSpPr>
             <a:spLocks noGrp="1"/>
           </p:cNvSpPr>
@@ -5927,7 +5935,7 @@
         </p:nvSpPr>
         <p:spPr/>
         <p:txBody>
-          <a:bodyPr rtlCol="0"/>
+          <a:bodyPr/>
           <a:lstStyle/>
           <a:p>
             <a:pPr rtl="0"/>
@@ -5943,7 +5951,7 @@
     </p:spTree>
     <p:extLst>
       <p:ext uri="{BB962C8B-B14F-4D97-AF65-F5344CB8AC3E}">
-        <p14:creationId xmlns:p14="http://schemas.microsoft.com/office/powerpoint/2010/main" val="2179080689"/>
+        <p14:creationId xmlns:p14="http://schemas.microsoft.com/office/powerpoint/2010/main" val="239510037"/>
       </p:ext>
     </p:extLst>
   </p:cSld>
@@ -5977,7 +5985,7 @@
       </p:grpSpPr>
       <p:sp>
         <p:nvSpPr>
-          <p:cNvPr id="2" name="Cím helye 1"/>
+          <p:cNvPr id="2" name="Title Placeholder 1"/>
           <p:cNvSpPr>
             <a:spLocks noGrp="1"/>
           </p:cNvSpPr>
@@ -6001,17 +6009,17 @@
           </a:bodyPr>
           <a:lstStyle/>
           <a:p>
-            <a:pPr rtl="0"/>
-            <a:r>
-              <a:rPr lang="hu-HU" noProof="0"/>
-              <a:t>Mintacím stílusának szerkesztése</a:t>
-            </a:r>
-          </a:p>
-        </p:txBody>
-      </p:sp>
-      <p:sp>
-        <p:nvSpPr>
-          <p:cNvPr id="3" name="Szöveg helye 2"/>
+            <a:r>
+              <a:rPr lang="hu-HU" smtClean="0"/>
+              <a:t>Mintacím szerkesztése</a:t>
+            </a:r>
+            <a:endParaRPr lang="en-US" dirty="0"/>
+          </a:p>
+        </p:txBody>
+      </p:sp>
+      <p:sp>
+        <p:nvSpPr>
+          <p:cNvPr id="3" name="Text Placeholder 2"/>
           <p:cNvSpPr>
             <a:spLocks noGrp="1"/>
           </p:cNvSpPr>
@@ -6034,45 +6042,46 @@
           </a:bodyPr>
           <a:lstStyle/>
           <a:p>
-            <a:pPr lvl="0" rtl="0"/>
-            <a:r>
-              <a:rPr lang="hu-HU" noProof="0"/>
+            <a:pPr lvl="0"/>
+            <a:r>
+              <a:rPr lang="hu-HU" smtClean="0"/>
               <a:t>Mintaszöveg szerkesztése</a:t>
             </a:r>
           </a:p>
           <a:p>
-            <a:pPr lvl="1" rtl="0"/>
-            <a:r>
-              <a:rPr lang="hu-HU" noProof="0"/>
+            <a:pPr lvl="1"/>
+            <a:r>
+              <a:rPr lang="hu-HU" smtClean="0"/>
               <a:t>Második szint</a:t>
             </a:r>
           </a:p>
           <a:p>
-            <a:pPr lvl="2" rtl="0"/>
-            <a:r>
-              <a:rPr lang="hu-HU" noProof="0"/>
+            <a:pPr lvl="2"/>
+            <a:r>
+              <a:rPr lang="hu-HU" smtClean="0"/>
               <a:t>Harmadik szint</a:t>
             </a:r>
           </a:p>
           <a:p>
-            <a:pPr lvl="3" rtl="0"/>
-            <a:r>
-              <a:rPr lang="hu-HU" noProof="0"/>
+            <a:pPr lvl="3"/>
+            <a:r>
+              <a:rPr lang="hu-HU" smtClean="0"/>
               <a:t>Negyedik szint</a:t>
             </a:r>
           </a:p>
           <a:p>
-            <a:pPr lvl="4" rtl="0"/>
-            <a:r>
-              <a:rPr lang="hu-HU" noProof="0"/>
+            <a:pPr lvl="4"/>
+            <a:r>
+              <a:rPr lang="hu-HU" smtClean="0"/>
               <a:t>Ötödik szint</a:t>
             </a:r>
-          </a:p>
-        </p:txBody>
-      </p:sp>
-      <p:sp>
-        <p:nvSpPr>
-          <p:cNvPr id="4" name="Dátum helye 3"/>
+            <a:endParaRPr lang="en-US" dirty="0"/>
+          </a:p>
+        </p:txBody>
+      </p:sp>
+      <p:sp>
+        <p:nvSpPr>
+          <p:cNvPr id="4" name="Date Placeholder 3"/>
           <p:cNvSpPr>
             <a:spLocks noGrp="1"/>
           </p:cNvSpPr>
@@ -6106,7 +6115,7 @@
             <a:pPr rtl="0"/>
             <a:fld id="{4B4976FB-FBCE-40A1-9B83-A9B94C11CE00}" type="datetime1">
               <a:rPr lang="hu-HU" noProof="0" smtClean="0"/>
-              <a:t>2022.09.12.</a:t>
+              <a:t>2022.09.14.</a:t>
             </a:fld>
             <a:endParaRPr lang="hu-HU" noProof="0"/>
           </a:p>
@@ -6114,7 +6123,7 @@
       </p:sp>
       <p:sp>
         <p:nvSpPr>
-          <p:cNvPr id="5" name="Élőláb helye 4"/>
+          <p:cNvPr id="5" name="Footer Placeholder 4"/>
           <p:cNvSpPr>
             <a:spLocks noGrp="1"/>
           </p:cNvSpPr>
@@ -6152,7 +6161,7 @@
       </p:sp>
       <p:sp>
         <p:nvSpPr>
-          <p:cNvPr id="6" name="Dia számának helye 5"/>
+          <p:cNvPr id="6" name="Slide Number Placeholder 5"/>
           <p:cNvSpPr>
             <a:spLocks noGrp="1"/>
           </p:cNvSpPr>
@@ -6196,29 +6205,29 @@
     </p:spTree>
     <p:extLst>
       <p:ext uri="{BB962C8B-B14F-4D97-AF65-F5344CB8AC3E}">
-        <p14:creationId xmlns:p14="http://schemas.microsoft.com/office/powerpoint/2010/main" val="645065765"/>
+        <p14:creationId xmlns:p14="http://schemas.microsoft.com/office/powerpoint/2010/main" val="76611962"/>
       </p:ext>
     </p:extLst>
   </p:cSld>
   <p:clrMap bg1="dk1" tx1="lt1" bg2="dk2" tx2="lt2" accent1="accent1" accent2="accent2" accent3="accent3" accent4="accent4" accent5="accent5" accent6="accent6" hlink="hlink" folHlink="folHlink"/>
   <p:sldLayoutIdLst>
-    <p:sldLayoutId id="2147483745" r:id="rId1"/>
-    <p:sldLayoutId id="2147483746" r:id="rId2"/>
-    <p:sldLayoutId id="2147483747" r:id="rId3"/>
-    <p:sldLayoutId id="2147483748" r:id="rId4"/>
-    <p:sldLayoutId id="2147483749" r:id="rId5"/>
-    <p:sldLayoutId id="2147483750" r:id="rId6"/>
-    <p:sldLayoutId id="2147483751" r:id="rId7"/>
-    <p:sldLayoutId id="2147483752" r:id="rId8"/>
-    <p:sldLayoutId id="2147483753" r:id="rId9"/>
-    <p:sldLayoutId id="2147483754" r:id="rId10"/>
-    <p:sldLayoutId id="2147483755" r:id="rId11"/>
-    <p:sldLayoutId id="2147483756" r:id="rId12"/>
-    <p:sldLayoutId id="2147483757" r:id="rId13"/>
-    <p:sldLayoutId id="2147483758" r:id="rId14"/>
-    <p:sldLayoutId id="2147483759" r:id="rId15"/>
-    <p:sldLayoutId id="2147483760" r:id="rId16"/>
-    <p:sldLayoutId id="2147483761" r:id="rId17"/>
+    <p:sldLayoutId id="2147483943" r:id="rId1"/>
+    <p:sldLayoutId id="2147483944" r:id="rId2"/>
+    <p:sldLayoutId id="2147483945" r:id="rId3"/>
+    <p:sldLayoutId id="2147483946" r:id="rId4"/>
+    <p:sldLayoutId id="2147483947" r:id="rId5"/>
+    <p:sldLayoutId id="2147483948" r:id="rId6"/>
+    <p:sldLayoutId id="2147483949" r:id="rId7"/>
+    <p:sldLayoutId id="2147483950" r:id="rId8"/>
+    <p:sldLayoutId id="2147483951" r:id="rId9"/>
+    <p:sldLayoutId id="2147483952" r:id="rId10"/>
+    <p:sldLayoutId id="2147483953" r:id="rId11"/>
+    <p:sldLayoutId id="2147483954" r:id="rId12"/>
+    <p:sldLayoutId id="2147483955" r:id="rId13"/>
+    <p:sldLayoutId id="2147483956" r:id="rId14"/>
+    <p:sldLayoutId id="2147483957" r:id="rId15"/>
+    <p:sldLayoutId id="2147483958" r:id="rId16"/>
+    <p:sldLayoutId id="2147483959" r:id="rId17"/>
   </p:sldLayoutIdLst>
   <p:hf sldNum="0" hdr="0" ftr="0" dt="0"/>
   <p:txStyles>
@@ -6603,7 +6612,7 @@
       </a:lvl9pPr>
     </p:otherStyle>
   </p:txStyles>
-  <p:extLst mod="1">
+  <p:extLst>
     <p:ext uri="{27BBF7A9-308A-43DC-89C8-2F10F3537804}">
       <p15:sldGuideLst xmlns:p15="http://schemas.microsoft.com/office/powerpoint/2012/main"/>
     </p:ext>
@@ -6682,8 +6691,8 @@
         </p:nvSpPr>
         <p:spPr>
           <a:xfrm>
-            <a:off x="3962399" y="2554817"/>
-            <a:ext cx="7197726" cy="2421464"/>
+            <a:off x="2323170" y="3054016"/>
+            <a:ext cx="7197726" cy="1274076"/>
           </a:xfrm>
         </p:spPr>
         <p:txBody>
@@ -6692,7 +6701,7 @@
           </a:bodyPr>
           <a:lstStyle/>
           <a:p>
-            <a:pPr rtl="0"/>
+            <a:pPr algn="ctr" rtl="0"/>
             <a:r>
               <a:rPr lang="hu-HU" b="1" dirty="0" smtClean="0">
                 <a:latin typeface="Times New Roman" panose="02020603050405020304" pitchFamily="18" charset="0"/>
@@ -6707,46 +6716,47 @@
           </a:p>
         </p:txBody>
       </p:sp>
-      <p:sp>
-        <p:nvSpPr>
-          <p:cNvPr id="3" name="Alcím 2">
+      <p:pic>
+        <p:nvPicPr>
+          <p:cNvPr id="1032" name="Picture 8" descr="Python (programming language) - Wikipedia"/>
+          <p:cNvPicPr>
+            <a:picLocks noChangeAspect="1" noChangeArrowheads="1"/>
+          </p:cNvPicPr>
+          <p:nvPr/>
+        </p:nvPicPr>
+        <p:blipFill>
+          <a:blip r:embed="rId4">
             <a:extLst>
-              <a:ext uri="{FF2B5EF4-FFF2-40B4-BE49-F238E27FC236}">
-                <a16:creationId xmlns:a16="http://schemas.microsoft.com/office/drawing/2014/main" id="{AE584786-6548-4BB4-95FD-977AD1F362C6}"/>
+              <a:ext uri="{28A0092B-C50C-407E-A947-70E740481C1C}">
+                <a14:useLocalDpi xmlns:a14="http://schemas.microsoft.com/office/drawing/2010/main" val="0"/>
               </a:ext>
             </a:extLst>
-          </p:cNvPr>
-          <p:cNvSpPr>
-            <a:spLocks noGrp="1"/>
-          </p:cNvSpPr>
-          <p:nvPr>
-            <p:ph type="subTitle" idx="1"/>
-          </p:nvPr>
-        </p:nvSpPr>
-        <p:spPr>
+          </a:blip>
+          <a:srcRect/>
+          <a:stretch>
+            <a:fillRect/>
+          </a:stretch>
+        </p:blipFill>
+        <p:spPr bwMode="auto">
           <a:xfrm>
-            <a:off x="3962399" y="4976282"/>
-            <a:ext cx="7197726" cy="1405467"/>
+            <a:off x="7569432" y="3054016"/>
+            <a:ext cx="1810747" cy="1984278"/>
           </a:xfrm>
+          <a:prstGeom prst="rect">
+            <a:avLst/>
+          </a:prstGeom>
+          <a:noFill/>
+          <a:extLst>
+            <a:ext uri="{909E8E84-426E-40DD-AFC4-6F175D3DCCD1}">
+              <a14:hiddenFill xmlns:a14="http://schemas.microsoft.com/office/drawing/2010/main">
+                <a:solidFill>
+                  <a:srgbClr val="FFFFFF"/>
+                </a:solidFill>
+              </a14:hiddenFill>
+            </a:ext>
+          </a:extLst>
         </p:spPr>
-        <p:txBody>
-          <a:bodyPr rtlCol="0">
-            <a:normAutofit/>
-          </a:bodyPr>
-          <a:lstStyle/>
-          <a:p>
-            <a:pPr rtl="0"/>
-            <a:endParaRPr lang="hu-HU" dirty="0">
-              <a:solidFill>
-                <a:schemeClr val="accent1">
-                  <a:lumMod val="40000"/>
-                  <a:lumOff val="60000"/>
-                </a:schemeClr>
-              </a:solidFill>
-            </a:endParaRPr>
-          </a:p>
-        </p:txBody>
-      </p:sp>
+      </p:pic>
     </p:spTree>
     <p:extLst>
       <p:ext uri="{BB962C8B-B14F-4D97-AF65-F5344CB8AC3E}">
@@ -6757,6 +6767,13 @@
   <p:clrMapOvr>
     <a:masterClrMapping/>
   </p:clrMapOvr>
+  <p:timing>
+    <p:tnLst>
+      <p:par>
+        <p:cTn id="1" dur="indefinite" restart="never" nodeType="tmRoot"/>
+      </p:par>
+    </p:tnLst>
+  </p:timing>
 </p:sld>
 </file>
 
@@ -6845,16 +6862,66 @@
           <a:p>
             <a:r>
               <a:rPr lang="hu-HU" dirty="0" smtClean="0"/>
-              <a:t>nyilvánosságra </a:t>
-            </a:r>
-            <a:r>
-              <a:rPr lang="hu-HU" smtClean="0"/>
-              <a:t>1991-ben hozta</a:t>
+              <a:t>nyilvánosságra 1991-ben hozta</a:t>
             </a:r>
             <a:endParaRPr lang="hu-HU" dirty="0"/>
           </a:p>
         </p:txBody>
       </p:sp>
+      <p:pic>
+        <p:nvPicPr>
+          <p:cNvPr id="3074" name="Picture 2" descr="Guido-portrait-2014-drc.jpg"/>
+          <p:cNvPicPr>
+            <a:picLocks noChangeAspect="1" noChangeArrowheads="1"/>
+          </p:cNvPicPr>
+          <p:nvPr/>
+        </p:nvPicPr>
+        <p:blipFill>
+          <a:blip r:embed="rId2">
+            <a:extLst>
+              <a:ext uri="{28A0092B-C50C-407E-A947-70E740481C1C}">
+                <a14:useLocalDpi xmlns:a14="http://schemas.microsoft.com/office/drawing/2010/main" val="0"/>
+              </a:ext>
+            </a:extLst>
+          </a:blip>
+          <a:srcRect/>
+          <a:stretch>
+            <a:fillRect/>
+          </a:stretch>
+        </p:blipFill>
+        <p:spPr bwMode="auto">
+          <a:xfrm>
+            <a:off x="5731182" y="2821257"/>
+            <a:ext cx="2822350" cy="1885331"/>
+          </a:xfrm>
+          <a:prstGeom prst="rect">
+            <a:avLst/>
+          </a:prstGeom>
+          <a:ln w="38100" cap="sq">
+            <a:solidFill>
+              <a:srgbClr val="000000"/>
+            </a:solidFill>
+            <a:prstDash val="solid"/>
+            <a:miter lim="800000"/>
+          </a:ln>
+          <a:effectLst>
+            <a:outerShdw blurRad="50800" dist="38100" dir="2700000" algn="tl" rotWithShape="0">
+              <a:srgbClr val="000000">
+                <a:alpha val="43000"/>
+              </a:srgbClr>
+            </a:outerShdw>
+          </a:effectLst>
+          <a:extLst>
+            <a:ext uri="{909E8E84-426E-40DD-AFC4-6F175D3DCCD1}">
+              <a14:hiddenFill xmlns:a14="http://schemas.microsoft.com/office/drawing/2010/main">
+                <a:solidFill>
+                  <a:srgbClr val="FFFFFF"/>
+                </a:solidFill>
+              </a14:hiddenFill>
+            </a:ext>
+          </a:extLst>
+        </p:spPr>
+      </p:pic>
     </p:spTree>
     <p:extLst>
       <p:ext uri="{BB962C8B-B14F-4D97-AF65-F5344CB8AC3E}">
@@ -6865,6 +6932,13 @@
   <p:clrMapOvr>
     <a:masterClrMapping/>
   </p:clrMapOvr>
+  <p:timing>
+    <p:tnLst>
+      <p:par>
+        <p:cTn id="1" dur="indefinite" restart="never" nodeType="tmRoot"/>
+      </p:par>
+    </p:tnLst>
+  </p:timing>
 </p:sld>
 </file>
 
@@ -6897,18 +6971,16 @@
         </p:nvSpPr>
         <p:spPr/>
         <p:txBody>
-          <a:bodyPr/>
+          <a:bodyPr>
+            <a:normAutofit/>
+          </a:bodyPr>
           <a:lstStyle/>
           <a:p>
             <a:r>
-              <a:rPr lang="hu-HU" dirty="0"/>
-              <a:t>A </a:t>
-            </a:r>
-            <a:r>
-              <a:rPr lang="hu-HU" b="1" dirty="0"/>
+              <a:rPr lang="hu-HU" sz="6000" b="1" dirty="0" smtClean="0"/>
               <a:t>Python</a:t>
             </a:r>
-            <a:endParaRPr lang="hu-HU" dirty="0"/>
+            <a:endParaRPr lang="hu-HU" sz="6000" dirty="0"/>
           </a:p>
         </p:txBody>
       </p:sp>
@@ -6934,11 +7006,22 @@
           <a:p>
             <a:r>
               <a:rPr lang="hu-HU" dirty="0"/>
-              <a:t> </a:t>
+              <a:t>A nyelv tervezési filozófiája az </a:t>
+            </a:r>
+            <a:r>
+              <a:rPr lang="hu-HU" dirty="0" err="1"/>
+              <a:t>olvashatóságot</a:t>
             </a:r>
             <a:r>
               <a:rPr lang="hu-HU" dirty="0"/>
-              <a:t>Á</a:t>
+              <a:t> és a programozói munka megkönnyítését helyezi előtérbe a futási sebességgel szemben</a:t>
+            </a:r>
+            <a:endParaRPr lang="hu-HU" dirty="0" smtClean="0"/>
+          </a:p>
+          <a:p>
+            <a:r>
+              <a:rPr lang="hu-HU" dirty="0"/>
+              <a:t> Á</a:t>
             </a:r>
             <a:r>
               <a:rPr lang="hu-HU" dirty="0" smtClean="0"/>
@@ -6955,6 +7038,59 @@
           </a:p>
         </p:txBody>
       </p:sp>
+      <p:pic>
+        <p:nvPicPr>
+          <p:cNvPr id="2056" name="Picture 8" descr="Weird Python Stuff You Might Not Have Seen Before | by Emmett Boudreau |  Towards Data Science"/>
+          <p:cNvPicPr>
+            <a:picLocks noChangeAspect="1" noChangeArrowheads="1"/>
+          </p:cNvPicPr>
+          <p:nvPr/>
+        </p:nvPicPr>
+        <p:blipFill>
+          <a:blip r:embed="rId2">
+            <a:extLst>
+              <a:ext uri="{28A0092B-C50C-407E-A947-70E740481C1C}">
+                <a14:useLocalDpi xmlns:a14="http://schemas.microsoft.com/office/drawing/2010/main" val="0"/>
+              </a:ext>
+            </a:extLst>
+          </a:blip>
+          <a:srcRect/>
+          <a:stretch>
+            <a:fillRect/>
+          </a:stretch>
+        </p:blipFill>
+        <p:spPr bwMode="auto">
+          <a:xfrm>
+            <a:off x="7459624" y="4601701"/>
+            <a:ext cx="2018913" cy="1367093"/>
+          </a:xfrm>
+          <a:prstGeom prst="roundRect">
+            <a:avLst>
+              <a:gd name="adj" fmla="val 8594"/>
+            </a:avLst>
+          </a:prstGeom>
+          <a:solidFill>
+            <a:srgbClr val="FFFFFF">
+              <a:shade val="85000"/>
+            </a:srgbClr>
+          </a:solidFill>
+          <a:ln>
+            <a:noFill/>
+          </a:ln>
+          <a:effectLst>
+            <a:reflection blurRad="12700" stA="38000" endPos="28000" dist="5000" dir="5400000" sy="-100000" algn="bl" rotWithShape="0"/>
+          </a:effectLst>
+          <a:extLst>
+            <a:ext uri="{909E8E84-426E-40DD-AFC4-6F175D3DCCD1}">
+              <a14:hiddenFill xmlns:a14="http://schemas.microsoft.com/office/drawing/2010/main">
+                <a:solidFill>
+                  <a:srgbClr val="FFFFFF"/>
+                </a:solidFill>
+              </a14:hiddenFill>
+            </a:ext>
+          </a:extLst>
+        </p:spPr>
+      </p:pic>
     </p:spTree>
     <p:extLst>
       <p:ext uri="{BB962C8B-B14F-4D97-AF65-F5344CB8AC3E}">
@@ -6965,10 +7101,201 @@
   <p:clrMapOvr>
     <a:masterClrMapping/>
   </p:clrMapOvr>
+  <p:timing>
+    <p:tnLst>
+      <p:par>
+        <p:cTn id="1" dur="indefinite" restart="never" nodeType="tmRoot"/>
+      </p:par>
+    </p:tnLst>
+  </p:timing>
 </p:sld>
 </file>
 
 <file path=ppt/slides/slide4.xml><?xml version="1.0" encoding="utf-8"?>
+<p:sld xmlns:a="http://schemas.openxmlformats.org/drawingml/2006/main" xmlns:r="http://schemas.openxmlformats.org/officeDocument/2006/relationships" xmlns:p="http://schemas.openxmlformats.org/presentationml/2006/main">
+  <p:cSld>
+    <p:spTree>
+      <p:nvGrpSpPr>
+        <p:cNvPr id="1" name=""/>
+        <p:cNvGrpSpPr/>
+        <p:nvPr/>
+      </p:nvGrpSpPr>
+      <p:grpSpPr>
+        <a:xfrm>
+          <a:off x="0" y="0"/>
+          <a:ext cx="0" cy="0"/>
+          <a:chOff x="0" y="0"/>
+          <a:chExt cx="0" cy="0"/>
+        </a:xfrm>
+      </p:grpSpPr>
+      <p:sp>
+        <p:nvSpPr>
+          <p:cNvPr id="2" name="Cím 1"/>
+          <p:cNvSpPr>
+            <a:spLocks noGrp="1"/>
+          </p:cNvSpPr>
+          <p:nvPr>
+            <p:ph type="title"/>
+          </p:nvPr>
+        </p:nvSpPr>
+        <p:spPr/>
+        <p:txBody>
+          <a:bodyPr/>
+          <a:lstStyle/>
+          <a:p>
+            <a:r>
+              <a:rPr lang="hu-HU" dirty="0" smtClean="0"/>
+              <a:t>Története</a:t>
+            </a:r>
+            <a:endParaRPr lang="hu-HU" dirty="0"/>
+          </a:p>
+        </p:txBody>
+      </p:sp>
+      <p:sp>
+        <p:nvSpPr>
+          <p:cNvPr id="3" name="Tartalom helye 2"/>
+          <p:cNvSpPr>
+            <a:spLocks noGrp="1"/>
+          </p:cNvSpPr>
+          <p:nvPr>
+            <p:ph idx="1"/>
+          </p:nvPr>
+        </p:nvSpPr>
+        <p:spPr/>
+        <p:txBody>
+          <a:bodyPr/>
+          <a:lstStyle/>
+          <a:p>
+            <a:r>
+              <a:rPr lang="hu-HU" dirty="0"/>
+              <a:t>A Python alapötlete az 1980-as évek végén született </a:t>
+            </a:r>
+            <a:r>
+              <a:rPr lang="hu-HU" dirty="0" smtClean="0"/>
+              <a:t>meg</a:t>
+            </a:r>
+          </a:p>
+          <a:p>
+            <a:r>
+              <a:rPr lang="es-ES" dirty="0"/>
+              <a:t>A fejlesztést 1989 decemberében kezdte el Guido van Rossum a </a:t>
+            </a:r>
+            <a:r>
+              <a:rPr lang="es-ES" dirty="0" smtClean="0"/>
+              <a:t>CWI-n</a:t>
+            </a:r>
+            <a:endParaRPr lang="hu-HU" dirty="0" smtClean="0"/>
+          </a:p>
+          <a:p>
+            <a:r>
+              <a:rPr lang="hu-HU" dirty="0"/>
+              <a:t>A CWI (</a:t>
+            </a:r>
+            <a:r>
+              <a:rPr lang="hu-HU" b="1" dirty="0"/>
+              <a:t>C</a:t>
+            </a:r>
+            <a:r>
+              <a:rPr lang="hu-HU" dirty="0"/>
+              <a:t>entrum </a:t>
+            </a:r>
+            <a:r>
+              <a:rPr lang="hu-HU" b="1" dirty="0" err="1"/>
+              <a:t>W</a:t>
+            </a:r>
+            <a:r>
+              <a:rPr lang="hu-HU" dirty="0" err="1"/>
+              <a:t>iskunde</a:t>
+            </a:r>
+            <a:r>
+              <a:rPr lang="hu-HU" dirty="0"/>
+              <a:t> &amp; </a:t>
+            </a:r>
+            <a:r>
+              <a:rPr lang="hu-HU" b="1" dirty="0" err="1"/>
+              <a:t>I</a:t>
+            </a:r>
+            <a:r>
+              <a:rPr lang="hu-HU" dirty="0" err="1"/>
+              <a:t>nformatica</a:t>
+            </a:r>
+            <a:r>
+              <a:rPr lang="hu-HU" dirty="0"/>
+              <a:t>, magyarul Matematikai és Informatikai Központ) egy kutatóintézet </a:t>
+            </a:r>
+            <a:r>
+              <a:rPr lang="hu-HU" dirty="0" smtClean="0"/>
+              <a:t>Amszterdamban.</a:t>
+            </a:r>
+          </a:p>
+          <a:p>
+            <a:r>
+              <a:rPr lang="hu-HU" dirty="0"/>
+              <a:t>A nyelv a nevét a </a:t>
+            </a:r>
+            <a:r>
+              <a:rPr lang="hu-HU" dirty="0" smtClean="0"/>
+              <a:t>Monty Python</a:t>
+            </a:r>
+            <a:r>
+              <a:rPr lang="hu-HU" dirty="0"/>
+              <a:t> </a:t>
+            </a:r>
+            <a:r>
+              <a:rPr lang="hu-HU" dirty="0" smtClean="0"/>
+              <a:t>csoportról </a:t>
+            </a:r>
+            <a:r>
+              <a:rPr lang="hu-HU" dirty="0"/>
+              <a:t>kapta</a:t>
+            </a:r>
+            <a:r>
+              <a:rPr lang="hu-HU" dirty="0" smtClean="0"/>
+              <a:t>.</a:t>
+            </a:r>
+          </a:p>
+          <a:p>
+            <a:r>
+              <a:rPr lang="hu-HU" dirty="0"/>
+              <a:t>1991 februárjában jelent meg az első nyilvános változat (0.9.0 verzió néven) az </a:t>
+            </a:r>
+            <a:r>
+              <a:rPr lang="hu-HU" dirty="0" err="1"/>
+              <a:t>alt.sources</a:t>
+            </a:r>
+            <a:r>
+              <a:rPr lang="hu-HU" dirty="0"/>
+              <a:t> hírcsoportban</a:t>
+            </a:r>
+            <a:r>
+              <a:rPr lang="hu-HU" dirty="0" smtClean="0"/>
+              <a:t>.</a:t>
+            </a:r>
+            <a:endParaRPr lang="hu-HU" dirty="0"/>
+          </a:p>
+        </p:txBody>
+      </p:sp>
+    </p:spTree>
+    <p:extLst>
+      <p:ext uri="{BB962C8B-B14F-4D97-AF65-F5344CB8AC3E}">
+        <p14:creationId xmlns:p14="http://schemas.microsoft.com/office/powerpoint/2010/main" val="734362868"/>
+      </p:ext>
+    </p:extLst>
+  </p:cSld>
+  <p:clrMapOvr>
+    <a:masterClrMapping/>
+  </p:clrMapOvr>
+  <p:timing>
+    <p:tnLst>
+      <p:par>
+        <p:cTn id="1" dur="indefinite" restart="never" nodeType="tmRoot"/>
+      </p:par>
+    </p:tnLst>
+  </p:timing>
+</p:sld>
+</file>
+
+<file path=ppt/slides/slide5.xml><?xml version="1.0" encoding="utf-8"?>
 <p:sld xmlns:a="http://schemas.openxmlformats.org/drawingml/2006/main" xmlns:r="http://schemas.openxmlformats.org/officeDocument/2006/relationships" xmlns:p="http://schemas.openxmlformats.org/presentationml/2006/main">
   <p:cSld>
     <p:spTree>
@@ -7051,51 +7378,8 @@
           <a:p>
             <a:pPr rtl="0"/>
             <a:r>
-              <a:rPr lang="hu-HU"/>
+              <a:rPr lang="hu-HU" dirty="0"/>
               <a:t>Köszönjük!</a:t>
-            </a:r>
-          </a:p>
-        </p:txBody>
-      </p:sp>
-      <p:sp>
-        <p:nvSpPr>
-          <p:cNvPr id="3" name="Alcím 2">
-            <a:extLst>
-              <a:ext uri="{FF2B5EF4-FFF2-40B4-BE49-F238E27FC236}">
-                <a16:creationId xmlns:a16="http://schemas.microsoft.com/office/drawing/2014/main" id="{4B64FA72-B055-4AE3-A6FD-8071BD687CBE}"/>
-              </a:ext>
-            </a:extLst>
-          </p:cNvPr>
-          <p:cNvSpPr>
-            <a:spLocks noGrp="1"/>
-          </p:cNvSpPr>
-          <p:nvPr>
-            <p:ph type="subTitle" idx="1"/>
-          </p:nvPr>
-        </p:nvSpPr>
-        <p:spPr>
-          <a:xfrm>
-            <a:off x="3962399" y="4995332"/>
-            <a:ext cx="7197726" cy="1405467"/>
-          </a:xfrm>
-        </p:spPr>
-        <p:txBody>
-          <a:bodyPr rtlCol="0">
-            <a:normAutofit/>
-          </a:bodyPr>
-          <a:lstStyle/>
-          <a:p>
-            <a:pPr rtl="0"/>
-            <a:r>
-              <a:rPr lang="hu-HU" dirty="0">
-                <a:solidFill>
-                  <a:schemeClr val="accent1">
-                    <a:lumMod val="40000"/>
-                    <a:lumOff val="60000"/>
-                  </a:schemeClr>
-                </a:solidFill>
-              </a:rPr>
-              <a:t>valaki@example.com</a:t>
             </a:r>
           </a:p>
         </p:txBody>
@@ -7110,13 +7394,20 @@
   <p:clrMapOvr>
     <a:masterClrMapping/>
   </p:clrMapOvr>
+  <p:timing>
+    <p:tnLst>
+      <p:par>
+        <p:cTn id="1" dur="indefinite" restart="never" nodeType="tmRoot"/>
+      </p:par>
+    </p:tnLst>
+  </p:timing>
 </p:sld>
 </file>
 
 <file path=ppt/theme/theme1.xml><?xml version="1.0" encoding="utf-8"?>
 <a:theme xmlns:a="http://schemas.openxmlformats.org/drawingml/2006/main" name="Égi">
   <a:themeElements>
-    <a:clrScheme name="Celestial">
+    <a:clrScheme name="Égi">
       <a:dk1>
         <a:sysClr val="windowText" lastClr="000000"/>
       </a:dk1>
@@ -7124,37 +7415,37 @@
         <a:sysClr val="window" lastClr="FFFFFF"/>
       </a:lt1>
       <a:dk2>
-        <a:srgbClr val="3F296A"/>
+        <a:srgbClr val="18276C"/>
       </a:dk2>
       <a:lt2>
         <a:srgbClr val="EBEBEB"/>
       </a:lt2>
       <a:accent1>
-        <a:srgbClr val="E84574"/>
+        <a:srgbClr val="AC3EC1"/>
       </a:accent1>
       <a:accent2>
-        <a:srgbClr val="798FF2"/>
+        <a:srgbClr val="477BD1"/>
       </a:accent2>
       <a:accent3>
-        <a:srgbClr val="95C369"/>
+        <a:srgbClr val="46B298"/>
       </a:accent3>
       <a:accent4>
-        <a:srgbClr val="EE875A"/>
+        <a:srgbClr val="90BA4C"/>
       </a:accent4>
       <a:accent5>
-        <a:srgbClr val="C363E8"/>
+        <a:srgbClr val="DD9D31"/>
       </a:accent5>
       <a:accent6>
-        <a:srgbClr val="6AADC8"/>
+        <a:srgbClr val="E25247"/>
       </a:accent6>
       <a:hlink>
-        <a:srgbClr val="FE80C7"/>
+        <a:srgbClr val="C573D2"/>
       </a:hlink>
       <a:folHlink>
-        <a:srgbClr val="FBA3EC"/>
+        <a:srgbClr val="CCAEE8"/>
       </a:folHlink>
     </a:clrScheme>
-    <a:fontScheme name="Celestial">
+    <a:fontScheme name="Égi">
       <a:majorFont>
         <a:latin typeface="Calibri Light" panose="020F0302020204030204"/>
         <a:ea typeface=""/>
@@ -7226,7 +7517,7 @@
         <a:font script="Geor" typeface="Sylfaen"/>
       </a:minorFont>
     </a:fontScheme>
-    <a:fmtScheme name="Celestial">
+    <a:fmtScheme name="Égi">
       <a:fillStyleLst>
         <a:solidFill>
           <a:schemeClr val="phClr"/>
@@ -7356,7 +7647,7 @@
   <a:extraClrSchemeLst/>
   <a:extLst>
     <a:ext uri="{05A4C25C-085E-4340-85A3-A5531E510DB2}">
-      <thm15:themeFamily xmlns:thm15="http://schemas.microsoft.com/office/thememl/2012/main" name="Celestial" id="{C4BB2A3D-0E93-4C5F-B0D2-9D3FCE089CC5}" vid="{61DDDE80-2DFA-4F2A-B66F-72059846BDAA}"/>
+      <thm15:themeFamily xmlns:thm15="http://schemas.microsoft.com/office/thememl/2012/main" name="Celestial" id="{C4BB2A3D-0E93-4C5F-B0D2-9D3FCE089CC5}" vid="{42E5908D-19A2-46FD-89FA-638B126129EF}"/>
     </a:ext>
   </a:extLst>
 </a:theme>
@@ -7953,6 +8244,23 @@
 </file>
 
 <file path=customXml/item1.xml><?xml version="1.0" encoding="utf-8"?>
+<?mso-contentType ?>
+<FormTemplates xmlns="http://schemas.microsoft.com/sharepoint/v3/contenttype/forms">
+  <Display>DocumentLibraryForm</Display>
+  <Edit>DocumentLibraryForm</Edit>
+  <New>DocumentLibraryForm</New>
+</FormTemplates>
+</file>
+
+<file path=customXml/item2.xml><?xml version="1.0" encoding="utf-8"?>
+<p:properties xmlns:p="http://schemas.microsoft.com/office/2006/metadata/properties" xmlns:xsi="http://www.w3.org/2001/XMLSchema-instance" xmlns:pc="http://schemas.microsoft.com/office/infopath/2007/PartnerControls">
+  <documentManagement>
+    <MediaServiceKeyPoints xmlns="71af3243-3dd4-4a8d-8c0d-dd76da1f02a5" xsi:nil="true"/>
+  </documentManagement>
+</p:properties>
+</file>
+
+<file path=customXml/item3.xml><?xml version="1.0" encoding="utf-8"?>
 <ct:contentTypeSchema xmlns:ct="http://schemas.microsoft.com/office/2006/metadata/contentType" xmlns:ma="http://schemas.microsoft.com/office/2006/metadata/properties/metaAttributes" ct:_="" ma:_="" ma:contentTypeName="Document" ma:contentTypeID="0x01010079F111ED35F8CC479449609E8A0923A6" ma:contentTypeVersion="11" ma:contentTypeDescription="Create a new document." ma:contentTypeScope="" ma:versionID="1c2eb7a32e66fb6e4260f3771546a5e2">
   <xsd:schema xmlns:xsd="http://www.w3.org/2001/XMLSchema" xmlns:xs="http://www.w3.org/2001/XMLSchema" xmlns:p="http://schemas.microsoft.com/office/2006/metadata/properties" xmlns:ns2="71af3243-3dd4-4a8d-8c0d-dd76da1f02a5" xmlns:ns3="16c05727-aa75-4e4a-9b5f-8a80a1165891" targetNamespace="http://schemas.microsoft.com/office/2006/metadata/properties" ma:root="true" ma:fieldsID="04e1f6479c48b08974ba73b5ca973489" ns2:_="" ns3:_="">
     <xsd:import namespace="71af3243-3dd4-4a8d-8c0d-dd76da1f02a5"/>
@@ -8163,24 +8471,25 @@
 </ct:contentTypeSchema>
 </file>
 
-<file path=customXml/item2.xml><?xml version="1.0" encoding="utf-8"?>
-<p:properties xmlns:p="http://schemas.microsoft.com/office/2006/metadata/properties" xmlns:xsi="http://www.w3.org/2001/XMLSchema-instance" xmlns:pc="http://schemas.microsoft.com/office/infopath/2007/PartnerControls">
-  <documentManagement>
-    <MediaServiceKeyPoints xmlns="71af3243-3dd4-4a8d-8c0d-dd76da1f02a5" xsi:nil="true"/>
-  </documentManagement>
-</p:properties>
+<file path=customXml/itemProps1.xml><?xml version="1.0" encoding="utf-8"?>
+<ds:datastoreItem xmlns:ds="http://schemas.openxmlformats.org/officeDocument/2006/customXml" ds:itemID="{E0F1DF1E-36E3-406C-8CF7-DB13BB647087}">
+  <ds:schemaRefs>
+    <ds:schemaRef ds:uri="http://schemas.microsoft.com/sharepoint/v3/contenttype/forms"/>
+  </ds:schemaRefs>
+</ds:datastoreItem>
 </file>
 
-<file path=customXml/item3.xml><?xml version="1.0" encoding="utf-8"?>
-<?mso-contentType ?>
-<FormTemplates xmlns="http://schemas.microsoft.com/sharepoint/v3/contenttype/forms">
-  <Display>DocumentLibraryForm</Display>
-  <Edit>DocumentLibraryForm</Edit>
-  <New>DocumentLibraryForm</New>
-</FormTemplates>
+<file path=customXml/itemProps2.xml><?xml version="1.0" encoding="utf-8"?>
+<ds:datastoreItem xmlns:ds="http://schemas.openxmlformats.org/officeDocument/2006/customXml" ds:itemID="{B85274BF-C111-4B7A-8D90-F7666D37C131}">
+  <ds:schemaRefs>
+    <ds:schemaRef ds:uri="http://schemas.microsoft.com/office/2006/metadata/properties"/>
+    <ds:schemaRef ds:uri="http://schemas.microsoft.com/office/infopath/2007/PartnerControls"/>
+    <ds:schemaRef ds:uri="71af3243-3dd4-4a8d-8c0d-dd76da1f02a5"/>
+  </ds:schemaRefs>
+</ds:datastoreItem>
 </file>
 
-<file path=customXml/itemProps1.xml><?xml version="1.0" encoding="utf-8"?>
+<file path=customXml/itemProps3.xml><?xml version="1.0" encoding="utf-8"?>
 <ds:datastoreItem xmlns:ds="http://schemas.openxmlformats.org/officeDocument/2006/customXml" ds:itemID="{9310845B-7F19-4A9A-BEE4-BEF0501E1A55}">
   <ds:schemaRefs>
     <ds:schemaRef ds:uri="http://schemas.microsoft.com/office/2006/metadata/contentType"/>
@@ -8197,22 +8506,4 @@
     <ds:schemaRef ds:uri="http://schemas.microsoft.com/internal/obd"/>
   </ds:schemaRefs>
 </ds:datastoreItem>
-</file>
-
-<file path=customXml/itemProps2.xml><?xml version="1.0" encoding="utf-8"?>
-<ds:datastoreItem xmlns:ds="http://schemas.openxmlformats.org/officeDocument/2006/customXml" ds:itemID="{B85274BF-C111-4B7A-8D90-F7666D37C131}">
-  <ds:schemaRefs>
-    <ds:schemaRef ds:uri="http://schemas.microsoft.com/office/2006/metadata/properties"/>
-    <ds:schemaRef ds:uri="http://schemas.microsoft.com/office/infopath/2007/PartnerControls"/>
-    <ds:schemaRef ds:uri="71af3243-3dd4-4a8d-8c0d-dd76da1f02a5"/>
-  </ds:schemaRefs>
-</ds:datastoreItem>
-</file>
-
-<file path=customXml/itemProps3.xml><?xml version="1.0" encoding="utf-8"?>
-<ds:datastoreItem xmlns:ds="http://schemas.openxmlformats.org/officeDocument/2006/customXml" ds:itemID="{E0F1DF1E-36E3-406C-8CF7-DB13BB647087}">
-  <ds:schemaRefs>
-    <ds:schemaRef ds:uri="http://schemas.microsoft.com/sharepoint/v3/contenttype/forms"/>
-  </ds:schemaRefs>
-</ds:datastoreItem>
 </file>
--- a/Python.pptx
+++ b/Python.pptx
@@ -5,17 +5,19 @@
     <p:sldMasterId id="2147483942" r:id="rId4"/>
   </p:sldMasterIdLst>
   <p:notesMasterIdLst>
-    <p:notesMasterId r:id="rId10"/>
+    <p:notesMasterId r:id="rId12"/>
   </p:notesMasterIdLst>
   <p:handoutMasterIdLst>
-    <p:handoutMasterId r:id="rId11"/>
+    <p:handoutMasterId r:id="rId13"/>
   </p:handoutMasterIdLst>
   <p:sldIdLst>
     <p:sldId id="256" r:id="rId5"/>
     <p:sldId id="276" r:id="rId6"/>
     <p:sldId id="275" r:id="rId7"/>
     <p:sldId id="277" r:id="rId8"/>
-    <p:sldId id="274" r:id="rId9"/>
+    <p:sldId id="279" r:id="rId9"/>
+    <p:sldId id="278" r:id="rId10"/>
+    <p:sldId id="274" r:id="rId11"/>
   </p:sldIdLst>
   <p:sldSz cx="12192000" cy="6858000"/>
   <p:notesSz cx="6858000" cy="9144000"/>
@@ -136,6 +138,79 @@
 </p:presentation>
 </file>
 
+<file path=ppt/commentAuthors.xml><?xml version="1.0" encoding="utf-8"?>
+<p:cmAuthorLst xmlns:a="http://schemas.openxmlformats.org/drawingml/2006/main" xmlns:r="http://schemas.openxmlformats.org/officeDocument/2006/relationships" xmlns:p="http://schemas.openxmlformats.org/presentationml/2006/main">
+  <p:cmAuthor id="2" name="Szerző" initials="S" lastIdx="5" clrIdx="1"/>
+</p:cmAuthorLst>
+</file>
+
+<file path=ppt/comments/comment1.xml><?xml version="1.0" encoding="utf-8"?>
+<p:cmLst xmlns:a="http://schemas.openxmlformats.org/drawingml/2006/main" xmlns:r="http://schemas.openxmlformats.org/officeDocument/2006/relationships" xmlns:p="http://schemas.openxmlformats.org/presentationml/2006/main">
+  <p:cm authorId="2" dt="2022-09-15T09:20:34.605" idx="1">
+    <p:pos x="10" y="10"/>
+    <p:text>Guido van Rossum holland programozó kezdett el fejleszteni 1989 végén, majd hozott nyilvánosságra 1991-ben.</p:text>
+    <p:extLst>
+      <p:ext uri="{C676402C-5697-4E1C-873F-D02D1690AC5C}">
+        <p15:threadingInfo xmlns:p15="http://schemas.microsoft.com/office/powerpoint/2012/main" timeZoneBias="-120"/>
+      </p:ext>
+    </p:extLst>
+  </p:cm>
+</p:cmLst>
+</file>
+
+<file path=ppt/comments/comment2.xml><?xml version="1.0" encoding="utf-8"?>
+<p:cmLst xmlns:a="http://schemas.openxmlformats.org/drawingml/2006/main" xmlns:r="http://schemas.openxmlformats.org/officeDocument/2006/relationships" xmlns:p="http://schemas.openxmlformats.org/presentationml/2006/main">
+  <p:cm authorId="2" dt="2022-09-15T09:19:57.927" idx="2">
+    <p:pos x="10" y="10"/>
+    <p:text/>
+    <p:extLst>
+      <p:ext uri="{C676402C-5697-4E1C-873F-D02D1690AC5C}">
+        <p15:threadingInfo xmlns:p15="http://schemas.microsoft.com/office/powerpoint/2012/main" timeZoneBias="-120"/>
+      </p:ext>
+    </p:extLst>
+  </p:cm>
+  <p:cm authorId="2" dt="2022-09-15T09:20:52.175" idx="3">
+    <p:pos x="10" y="146"/>
+    <p:text>A Python egy általános célú, nagyon magas szintű programozási nyelv
+A nyelv tervezési filozófiája az olvashatóságot és a programozói munka megkönnyítését helyezi előtérbe a futási sebességgel szemben.</p:text>
+    <p:extLst>
+      <p:ext uri="{C676402C-5697-4E1C-873F-D02D1690AC5C}">
+        <p15:threadingInfo xmlns:p15="http://schemas.microsoft.com/office/powerpoint/2012/main" timeZoneBias="-120">
+          <p15:parentCm authorId="2" idx="2"/>
+        </p15:threadingInfo>
+      </p:ext>
+    </p:extLst>
+  </p:cm>
+  <p:cm authorId="2" dt="2022-09-15T09:36:00.596" idx="4">
+    <p:pos x="146" y="146"/>
+    <p:text>Dinamikus típusokat és automatikus memóriakezelést használ, ilyen szempontból hasonlít a Scheme, Perl és Ruby nyelvekhez, emellett szigorú típusrendszerrel rendelkezik.</p:text>
+    <p:extLst>
+      <p:ext uri="{C676402C-5697-4E1C-873F-D02D1690AC5C}">
+        <p15:threadingInfo xmlns:p15="http://schemas.microsoft.com/office/powerpoint/2012/main" timeZoneBias="-120"/>
+      </p:ext>
+    </p:extLst>
+  </p:cm>
+</p:cmLst>
+</file>
+
+<file path=ppt/comments/comment3.xml><?xml version="1.0" encoding="utf-8"?>
+<p:cmLst xmlns:a="http://schemas.openxmlformats.org/drawingml/2006/main" xmlns:r="http://schemas.openxmlformats.org/officeDocument/2006/relationships" xmlns:p="http://schemas.openxmlformats.org/presentationml/2006/main">
+  <p:cm authorId="2" dt="2022-09-15T09:23:49.321" idx="5">
+    <p:pos x="3086" y="2916"/>
+    <p:text>•	A Python alapötlete az 1980-as évek végén született meg
+•	A fejlesztést 1989 decemberében kezdte el Guido van Rossum a CWI-n
+•	A CWI (Centrum Wiskunde &amp; Informatica, magyarul Matematikai és Informatikai Központ) egy kutatóintézet Amszterdamban.
+•	A nyelv a nevét a Monty Python csoportról kapta.
+•	1991 februárjában jelent meg az első nyilvános változat (0.9.0 verzió néven) az alt.sources hírcsoportban.</p:text>
+    <p:extLst>
+      <p:ext uri="{C676402C-5697-4E1C-873F-D02D1690AC5C}">
+        <p15:threadingInfo xmlns:p15="http://schemas.microsoft.com/office/powerpoint/2012/main" timeZoneBias="-120"/>
+      </p:ext>
+    </p:extLst>
+  </p:cm>
+</p:cmLst>
+</file>
+
 <file path=ppt/handoutMasters/handoutMaster1.xml><?xml version="1.0" encoding="utf-8"?>
 <p:handoutMaster xmlns:a="http://schemas.openxmlformats.org/drawingml/2006/main" xmlns:r="http://schemas.openxmlformats.org/officeDocument/2006/relationships" xmlns:p="http://schemas.openxmlformats.org/presentationml/2006/main">
   <p:cSld>
@@ -230,7 +305,7 @@
           <a:p>
             <a:fld id="{B974A132-A2E9-4A53-AF4B-FAF9D57572FB}" type="datetimeFigureOut">
               <a:rPr lang="hu-HU" smtClean="0"/>
-              <a:t>2022.09.14.</a:t>
+              <a:t>2022.09.15.</a:t>
             </a:fld>
             <a:endParaRPr lang="hu-HU"/>
           </a:p>
@@ -408,7 +483,7 @@
           <a:p>
             <a:fld id="{87BEBC67-D019-4583-984E-B2250759AAE5}" type="datetimeFigureOut">
               <a:rPr lang="hu-HU" noProof="0" smtClean="0"/>
-              <a:t>2022.09.14.</a:t>
+              <a:t>2022.09.15.</a:t>
             </a:fld>
             <a:endParaRPr lang="hu-HU" noProof="0"/>
           </a:p>
@@ -825,7 +900,7 @@
           <a:p>
             <a:fld id="{B23E6C88-5714-4435-A8C0-B617125C99F0}" type="slidenum">
               <a:rPr lang="hu-HU" noProof="0" smtClean="0"/>
-              <a:t>5</a:t>
+              <a:t>7</a:t>
             </a:fld>
             <a:endParaRPr lang="hu-HU" noProof="0"/>
           </a:p>
@@ -1074,7 +1149,7 @@
             <a:pPr rtl="0"/>
             <a:fld id="{3CE821E0-3410-4A88-8DED-9DBA15C6BBE6}" type="datetime1">
               <a:rPr lang="hu-HU" noProof="0" smtClean="0"/>
-              <a:t>2022.09.14.</a:t>
+              <a:t>2022.09.15.</a:t>
             </a:fld>
             <a:endParaRPr lang="hu-HU" noProof="0"/>
           </a:p>
@@ -1412,7 +1487,7 @@
             <a:pPr rtl="0"/>
             <a:fld id="{4B4976FB-FBCE-40A1-9B83-A9B94C11CE00}" type="datetime1">
               <a:rPr lang="hu-HU" noProof="0" smtClean="0"/>
-              <a:t>2022.09.14.</a:t>
+              <a:t>2022.09.15.</a:t>
             </a:fld>
             <a:endParaRPr lang="hu-HU" noProof="0"/>
           </a:p>
@@ -1695,7 +1770,7 @@
             <a:pPr rtl="0"/>
             <a:fld id="{4B4976FB-FBCE-40A1-9B83-A9B94C11CE00}" type="datetime1">
               <a:rPr lang="hu-HU" noProof="0" smtClean="0"/>
-              <a:t>2022.09.14.</a:t>
+              <a:t>2022.09.15.</a:t>
             </a:fld>
             <a:endParaRPr lang="hu-HU" noProof="0"/>
           </a:p>
@@ -2268,7 +2343,7 @@
             <a:pPr rtl="0"/>
             <a:fld id="{1660FFFB-BF7F-437D-A4A6-7801D83B6172}" type="datetime1">
               <a:rPr lang="hu-HU" noProof="0" smtClean="0"/>
-              <a:t>2022.09.14.</a:t>
+              <a:t>2022.09.15.</a:t>
             </a:fld>
             <a:endParaRPr lang="hu-HU" noProof="0"/>
           </a:p>
@@ -2550,7 +2625,7 @@
             <a:pPr rtl="0"/>
             <a:fld id="{4B4976FB-FBCE-40A1-9B83-A9B94C11CE00}" type="datetime1">
               <a:rPr lang="hu-HU" noProof="0" smtClean="0"/>
-              <a:t>2022.09.14.</a:t>
+              <a:t>2022.09.15.</a:t>
             </a:fld>
             <a:endParaRPr lang="hu-HU" noProof="0"/>
           </a:p>
@@ -3117,7 +3192,7 @@
             <a:pPr rtl="0"/>
             <a:fld id="{4B4976FB-FBCE-40A1-9B83-A9B94C11CE00}" type="datetime1">
               <a:rPr lang="hu-HU" noProof="0" smtClean="0"/>
-              <a:t>2022.09.14.</a:t>
+              <a:t>2022.09.15.</a:t>
             </a:fld>
             <a:endParaRPr lang="hu-HU" noProof="0"/>
           </a:p>
@@ -3449,7 +3524,7 @@
             <a:pPr rtl="0"/>
             <a:fld id="{6E5AC0A3-2749-4477-9BAF-9491B7C23E15}" type="datetime1">
               <a:rPr lang="hu-HU" noProof="0" smtClean="0"/>
-              <a:t>2022.09.14.</a:t>
+              <a:t>2022.09.15.</a:t>
             </a:fld>
             <a:endParaRPr lang="hu-HU" noProof="0"/>
           </a:p>
@@ -3630,7 +3705,7 @@
             <a:pPr rtl="0"/>
             <a:fld id="{8C810BAF-818A-42D9-BBC5-752C0A83470E}" type="datetime1">
               <a:rPr lang="hu-HU" noProof="0" smtClean="0"/>
-              <a:t>2022.09.14.</a:t>
+              <a:t>2022.09.15.</a:t>
             </a:fld>
             <a:endParaRPr lang="hu-HU" noProof="0"/>
           </a:p>
@@ -3871,7 +3946,7 @@
             <a:pPr rtl="0"/>
             <a:fld id="{CF6000FC-FCE1-4C40-9BAB-39B4A88F9D88}" type="datetime1">
               <a:rPr lang="hu-HU" noProof="0" smtClean="0"/>
-              <a:t>2022.09.14.</a:t>
+              <a:t>2022.09.15.</a:t>
             </a:fld>
             <a:endParaRPr lang="hu-HU" noProof="0"/>
           </a:p>
@@ -4074,7 +4149,7 @@
             <a:pPr rtl="0"/>
             <a:fld id="{19730356-25D2-4E83-A7B8-C4ADC8587BD3}" type="datetime1">
               <a:rPr lang="hu-HU" noProof="0" smtClean="0"/>
-              <a:t>2022.09.14.</a:t>
+              <a:t>2022.09.15.</a:t>
             </a:fld>
             <a:endParaRPr lang="hu-HU" noProof="0"/>
           </a:p>
@@ -4353,7 +4428,7 @@
             <a:pPr rtl="0"/>
             <a:fld id="{813A1637-F711-4FD4-85F4-796FC4543345}" type="datetime1">
               <a:rPr lang="hu-HU" noProof="0" smtClean="0"/>
-              <a:t>2022.09.14.</a:t>
+              <a:t>2022.09.15.</a:t>
             </a:fld>
             <a:endParaRPr lang="hu-HU" noProof="0"/>
           </a:p>
@@ -4623,7 +4698,7 @@
             <a:pPr rtl="0"/>
             <a:fld id="{4B4976FB-FBCE-40A1-9B83-A9B94C11CE00}" type="datetime1">
               <a:rPr lang="hu-HU" noProof="0" smtClean="0"/>
-              <a:t>2022.09.14.</a:t>
+              <a:t>2022.09.15.</a:t>
             </a:fld>
             <a:endParaRPr lang="hu-HU" noProof="0"/>
           </a:p>
@@ -5002,7 +5077,7 @@
             <a:pPr rtl="0"/>
             <a:fld id="{EE72ECD5-77CD-40D9-8E6A-18B1F171A124}" type="datetime1">
               <a:rPr lang="hu-HU" noProof="0" smtClean="0"/>
-              <a:t>2022.09.14.</a:t>
+              <a:t>2022.09.15.</a:t>
             </a:fld>
             <a:endParaRPr lang="hu-HU" noProof="0"/>
           </a:p>
@@ -5153,7 +5228,7 @@
             <a:pPr rtl="0"/>
             <a:fld id="{3270B680-524D-44FE-8CD2-07C25BB9AD09}" type="datetime1">
               <a:rPr lang="hu-HU" noProof="0" smtClean="0"/>
-              <a:t>2022.09.14.</a:t>
+              <a:t>2022.09.15.</a:t>
             </a:fld>
             <a:endParaRPr lang="hu-HU" noProof="0"/>
           </a:p>
@@ -5281,7 +5356,7 @@
             <a:pPr rtl="0"/>
             <a:fld id="{3D1C841F-378D-486E-80A5-3EDB5DFF52F7}" type="datetime1">
               <a:rPr lang="hu-HU" noProof="0" smtClean="0"/>
-              <a:t>2022.09.14.</a:t>
+              <a:t>2022.09.15.</a:t>
             </a:fld>
             <a:endParaRPr lang="hu-HU" noProof="0"/>
           </a:p>
@@ -5569,7 +5644,7 @@
             <a:pPr rtl="0"/>
             <a:fld id="{C13C4162-F167-4A0B-BF4E-3F47C180706D}" type="datetime1">
               <a:rPr lang="hu-HU" noProof="0" smtClean="0"/>
-              <a:t>2022.09.14.</a:t>
+              <a:t>2022.09.15.</a:t>
             </a:fld>
             <a:endParaRPr lang="hu-HU" noProof="0"/>
           </a:p>
@@ -5897,7 +5972,7 @@
             <a:pPr rtl="0"/>
             <a:fld id="{D25A1FEC-75C4-4961-8D44-05149E6B7972}" type="datetime1">
               <a:rPr lang="hu-HU" noProof="0" smtClean="0"/>
-              <a:t>2022.09.14.</a:t>
+              <a:t>2022.09.15.</a:t>
             </a:fld>
             <a:endParaRPr lang="hu-HU" noProof="0"/>
           </a:p>
@@ -6115,7 +6190,7 @@
             <a:pPr rtl="0"/>
             <a:fld id="{4B4976FB-FBCE-40A1-9B83-A9B94C11CE00}" type="datetime1">
               <a:rPr lang="hu-HU" noProof="0" smtClean="0"/>
-              <a:t>2022.09.14.</a:t>
+              <a:t>2022.09.15.</a:t>
             </a:fld>
             <a:endParaRPr lang="hu-HU" noProof="0"/>
           </a:p>
@@ -6665,7 +6740,7 @@
         </p:blipFill>
         <p:spPr>
           <a:xfrm>
-            <a:off x="20" y="10"/>
+            <a:off x="20" y="0"/>
             <a:ext cx="12191980" cy="6857990"/>
           </a:xfrm>
           <a:prstGeom prst="rect">
@@ -6739,8 +6814,8 @@
         </p:blipFill>
         <p:spPr bwMode="auto">
           <a:xfrm>
-            <a:off x="7569432" y="3054016"/>
-            <a:ext cx="1810747" cy="1984278"/>
+            <a:off x="7569432" y="3330459"/>
+            <a:ext cx="1217121" cy="1333762"/>
           </a:xfrm>
           <a:prstGeom prst="rect">
             <a:avLst/>
@@ -6767,6 +6842,14 @@
   <p:clrMapOvr>
     <a:masterClrMapping/>
   </p:clrMapOvr>
+  <mc:AlternateContent xmlns:mc="http://schemas.openxmlformats.org/markup-compatibility/2006">
+    <mc:Choice xmlns:p14="http://schemas.microsoft.com/office/powerpoint/2010/main" Requires="p14">
+      <p:transition p14:dur="0"/>
+    </mc:Choice>
+    <mc:Fallback>
+      <p:transition/>
+    </mc:Fallback>
+  </mc:AlternateContent>
   <p:timing>
     <p:tnLst>
       <p:par>
@@ -6932,6 +7015,9 @@
   <p:clrMapOvr>
     <a:masterClrMapping/>
   </p:clrMapOvr>
+  <p:transition spd="slow">
+    <p:push dir="u"/>
+  </p:transition>
   <p:timing>
     <p:tnLst>
       <p:par>
@@ -7006,17 +7092,12 @@
           <a:p>
             <a:r>
               <a:rPr lang="hu-HU" dirty="0"/>
-              <a:t>A nyelv tervezési filozófiája az </a:t>
-            </a:r>
-            <a:r>
-              <a:rPr lang="hu-HU" dirty="0" err="1"/>
-              <a:t>olvashatóságot</a:t>
-            </a:r>
-            <a:r>
-              <a:rPr lang="hu-HU" dirty="0"/>
-              <a:t> és a programozói munka megkönnyítését helyezi előtérbe a futási sebességgel szemben</a:t>
-            </a:r>
-            <a:endParaRPr lang="hu-HU" dirty="0" smtClean="0"/>
+              <a:t>A nyelv tervezési </a:t>
+            </a:r>
+            <a:r>
+              <a:rPr lang="hu-HU" dirty="0" smtClean="0"/>
+              <a:t>filozófiája</a:t>
+            </a:r>
           </a:p>
           <a:p>
             <a:r>
@@ -7032,7 +7113,21 @@
           <a:p>
             <a:r>
               <a:rPr lang="hu-HU" dirty="0" smtClean="0"/>
-              <a:t>Nagyon magas szintű programozási nyelv</a:t>
+              <a:t>Nagyon magas szintű programozási </a:t>
+            </a:r>
+            <a:r>
+              <a:rPr lang="hu-HU" dirty="0" smtClean="0"/>
+              <a:t>nyelv</a:t>
+            </a:r>
+          </a:p>
+          <a:p>
+            <a:r>
+              <a:rPr lang="hu-HU" dirty="0"/>
+              <a:t>Dinamikus típusokat és automatikus memóriakezelést </a:t>
+            </a:r>
+            <a:r>
+              <a:rPr lang="hu-HU" dirty="0" smtClean="0"/>
+              <a:t>használ</a:t>
             </a:r>
             <a:endParaRPr lang="hu-HU" dirty="0"/>
           </a:p>
@@ -7080,15 +7175,7 @@
           <a:effectLst>
             <a:reflection blurRad="12700" stA="38000" endPos="28000" dist="5000" dir="5400000" sy="-100000" algn="bl" rotWithShape="0"/>
           </a:effectLst>
-          <a:extLst>
-            <a:ext uri="{909E8E84-426E-40DD-AFC4-6F175D3DCCD1}">
-              <a14:hiddenFill xmlns:a14="http://schemas.microsoft.com/office/drawing/2010/main">
-                <a:solidFill>
-                  <a:srgbClr val="FFFFFF"/>
-                </a:solidFill>
-              </a14:hiddenFill>
-            </a:ext>
-          </a:extLst>
+          <a:extLst/>
         </p:spPr>
       </p:pic>
     </p:spTree>
@@ -7101,6 +7188,18 @@
   <p:clrMapOvr>
     <a:masterClrMapping/>
   </p:clrMapOvr>
+  <mc:AlternateContent xmlns:mc="http://schemas.openxmlformats.org/markup-compatibility/2006">
+    <mc:Choice xmlns:p14="http://schemas.microsoft.com/office/powerpoint/2010/main" Requires="p14">
+      <p:transition spd="slow">
+        <p14:flash/>
+      </p:transition>
+    </mc:Choice>
+    <mc:Fallback>
+      <p:transition spd="slow">
+        <p:fade/>
+      </p:transition>
+    </mc:Fallback>
+  </mc:AlternateContent>
   <p:timing>
     <p:tnLst>
       <p:par>
@@ -7167,75 +7266,44 @@
           <a:lstStyle/>
           <a:p>
             <a:r>
+              <a:rPr lang="hu-HU" dirty="0" smtClean="0"/>
+              <a:t>Alapötlete - 1980</a:t>
+            </a:r>
+          </a:p>
+          <a:p>
+            <a:r>
+              <a:rPr lang="es-ES" dirty="0" smtClean="0"/>
+              <a:t>A </a:t>
+            </a:r>
+            <a:r>
+              <a:rPr lang="es-ES" dirty="0"/>
+              <a:t>fejlesztést </a:t>
+            </a:r>
+            <a:r>
+              <a:rPr lang="hu-HU" dirty="0" smtClean="0"/>
+              <a:t>- </a:t>
+            </a:r>
+            <a:r>
+              <a:rPr lang="es-ES" dirty="0" smtClean="0"/>
+              <a:t>1989</a:t>
+            </a:r>
+            <a:endParaRPr lang="hu-HU" dirty="0" smtClean="0"/>
+          </a:p>
+          <a:p>
+            <a:r>
               <a:rPr lang="hu-HU" dirty="0"/>
-              <a:t>A Python alapötlete az 1980-as évek végén született </a:t>
-            </a:r>
+              <a:t>A CWI </a:t>
+            </a:r>
+            <a:endParaRPr lang="hu-HU" dirty="0" smtClean="0"/>
+          </a:p>
+          <a:p>
             <a:r>
               <a:rPr lang="hu-HU" dirty="0" smtClean="0"/>
-              <a:t>meg</a:t>
-            </a:r>
-          </a:p>
-          <a:p>
-            <a:r>
-              <a:rPr lang="es-ES" dirty="0"/>
-              <a:t>A fejlesztést 1989 decemberében kezdte el Guido van Rossum a </a:t>
-            </a:r>
-            <a:r>
-              <a:rPr lang="es-ES" dirty="0" smtClean="0"/>
-              <a:t>CWI-n</a:t>
-            </a:r>
-            <a:endParaRPr lang="hu-HU" dirty="0" smtClean="0"/>
-          </a:p>
-          <a:p>
-            <a:r>
-              <a:rPr lang="hu-HU" dirty="0"/>
-              <a:t>A CWI (</a:t>
-            </a:r>
-            <a:r>
-              <a:rPr lang="hu-HU" b="1" dirty="0"/>
-              <a:t>C</a:t>
-            </a:r>
-            <a:r>
-              <a:rPr lang="hu-HU" dirty="0"/>
-              <a:t>entrum </a:t>
-            </a:r>
-            <a:r>
-              <a:rPr lang="hu-HU" b="1" dirty="0" err="1"/>
-              <a:t>W</a:t>
-            </a:r>
-            <a:r>
-              <a:rPr lang="hu-HU" dirty="0" err="1"/>
-              <a:t>iskunde</a:t>
-            </a:r>
-            <a:r>
-              <a:rPr lang="hu-HU" dirty="0"/>
-              <a:t> &amp; </a:t>
-            </a:r>
-            <a:r>
-              <a:rPr lang="hu-HU" b="1" dirty="0" err="1"/>
-              <a:t>I</a:t>
-            </a:r>
-            <a:r>
-              <a:rPr lang="hu-HU" dirty="0" err="1"/>
-              <a:t>nformatica</a:t>
-            </a:r>
-            <a:r>
-              <a:rPr lang="hu-HU" dirty="0"/>
-              <a:t>, magyarul Matematikai és Informatikai Központ) egy kutatóintézet </a:t>
+              <a:t>Monty </a:t>
             </a:r>
             <a:r>
               <a:rPr lang="hu-HU" dirty="0" smtClean="0"/>
-              <a:t>Amszterdamban.</a:t>
-            </a:r>
-          </a:p>
-          <a:p>
-            <a:r>
-              <a:rPr lang="hu-HU" dirty="0"/>
-              <a:t>A nyelv a nevét a </a:t>
-            </a:r>
-            <a:r>
-              <a:rPr lang="hu-HU" dirty="0" smtClean="0"/>
-              <a:t>Monty Python</a:t>
+              <a:t>Python</a:t>
             </a:r>
             <a:r>
               <a:rPr lang="hu-HU" dirty="0"/>
@@ -7243,33 +7311,26 @@
             </a:r>
             <a:r>
               <a:rPr lang="hu-HU" dirty="0" smtClean="0"/>
-              <a:t>csoportról </a:t>
-            </a:r>
+              <a:t>csoport</a:t>
+            </a:r>
+            <a:endParaRPr lang="hu-HU" dirty="0" smtClean="0"/>
+          </a:p>
+          <a:p>
             <a:r>
               <a:rPr lang="hu-HU" dirty="0"/>
-              <a:t>kapta</a:t>
+              <a:t>1991 februárjában </a:t>
             </a:r>
             <a:r>
               <a:rPr lang="hu-HU" dirty="0" smtClean="0"/>
-              <a:t>.</a:t>
-            </a:r>
-          </a:p>
-          <a:p>
+              <a:t>első </a:t>
+            </a:r>
             <a:r>
               <a:rPr lang="hu-HU" dirty="0"/>
-              <a:t>1991 februárjában jelent meg az első nyilvános változat (0.9.0 verzió néven) az </a:t>
-            </a:r>
-            <a:r>
-              <a:rPr lang="hu-HU" dirty="0" err="1"/>
-              <a:t>alt.sources</a:t>
-            </a:r>
-            <a:r>
-              <a:rPr lang="hu-HU" dirty="0"/>
-              <a:t> hírcsoportban</a:t>
+              <a:t>nyilvános </a:t>
             </a:r>
             <a:r>
               <a:rPr lang="hu-HU" dirty="0" smtClean="0"/>
-              <a:t>.</a:t>
+              <a:t>változat</a:t>
             </a:r>
             <a:endParaRPr lang="hu-HU" dirty="0"/>
           </a:p>
@@ -7279,6 +7340,117 @@
     <p:extLst>
       <p:ext uri="{BB962C8B-B14F-4D97-AF65-F5344CB8AC3E}">
         <p14:creationId xmlns:p14="http://schemas.microsoft.com/office/powerpoint/2010/main" val="734362868"/>
+      </p:ext>
+    </p:extLst>
+  </p:cSld>
+  <p:clrMapOvr>
+    <a:masterClrMapping/>
+  </p:clrMapOvr>
+  <mc:AlternateContent xmlns:mc="http://schemas.openxmlformats.org/markup-compatibility/2006">
+    <mc:Choice xmlns:p14="http://schemas.microsoft.com/office/powerpoint/2010/main" Requires="p14">
+      <p:transition spd="slow" p14:dur="1500">
+        <p14:glitter pattern="hexagon"/>
+      </p:transition>
+    </mc:Choice>
+    <mc:Fallback>
+      <p:transition spd="slow">
+        <p:fade/>
+      </p:transition>
+    </mc:Fallback>
+  </mc:AlternateContent>
+  <p:timing>
+    <p:tnLst>
+      <p:par>
+        <p:cTn id="1" dur="indefinite" restart="never" nodeType="tmRoot"/>
+      </p:par>
+    </p:tnLst>
+  </p:timing>
+</p:sld>
+</file>
+
+<file path=ppt/slides/slide5.xml><?xml version="1.0" encoding="utf-8"?>
+<p:sld xmlns:a="http://schemas.openxmlformats.org/drawingml/2006/main" xmlns:r="http://schemas.openxmlformats.org/officeDocument/2006/relationships" xmlns:p="http://schemas.openxmlformats.org/presentationml/2006/main">
+  <p:cSld>
+    <p:spTree>
+      <p:nvGrpSpPr>
+        <p:cNvPr id="1" name=""/>
+        <p:cNvGrpSpPr/>
+        <p:nvPr/>
+      </p:nvGrpSpPr>
+      <p:grpSpPr>
+        <a:xfrm>
+          <a:off x="0" y="0"/>
+          <a:ext cx="0" cy="0"/>
+          <a:chOff x="0" y="0"/>
+          <a:chExt cx="0" cy="0"/>
+        </a:xfrm>
+      </p:grpSpPr>
+      <p:sp>
+        <p:nvSpPr>
+          <p:cNvPr id="2" name="Cím 1"/>
+          <p:cNvSpPr>
+            <a:spLocks noGrp="1"/>
+          </p:cNvSpPr>
+          <p:nvPr>
+            <p:ph type="title"/>
+          </p:nvPr>
+        </p:nvSpPr>
+        <p:spPr/>
+        <p:txBody>
+          <a:bodyPr/>
+          <a:lstStyle/>
+          <a:p>
+            <a:endParaRPr lang="hu-HU"/>
+          </a:p>
+        </p:txBody>
+      </p:sp>
+      <p:sp>
+        <p:nvSpPr>
+          <p:cNvPr id="3" name="Tartalom helye 2"/>
+          <p:cNvSpPr>
+            <a:spLocks noGrp="1"/>
+          </p:cNvSpPr>
+          <p:nvPr>
+            <p:ph idx="1"/>
+          </p:nvPr>
+        </p:nvSpPr>
+        <p:spPr/>
+        <p:txBody>
+          <a:bodyPr/>
+          <a:lstStyle/>
+          <a:p>
+            <a:r>
+              <a:rPr lang="hu-HU" dirty="0"/>
+              <a:t>A Python többek között a funkcionális, az </a:t>
+            </a:r>
+            <a:r>
+              <a:rPr lang="hu-HU" dirty="0">
+                <a:hlinkClick r:id="rId2" tooltip="Objektumorientált programozás"/>
+              </a:rPr>
+              <a:t>objektumorientált</a:t>
+            </a:r>
+            <a:r>
+              <a:rPr lang="hu-HU" dirty="0"/>
+              <a:t>, az imperatív és a procedurális </a:t>
+            </a:r>
+            <a:r>
+              <a:rPr lang="hu-HU" dirty="0">
+                <a:hlinkClick r:id="rId3" tooltip="Programozási paradigma"/>
+              </a:rPr>
+              <a:t>programozási paradigmákat</a:t>
+            </a:r>
+            <a:r>
+              <a:rPr lang="hu-HU" dirty="0"/>
+              <a:t> támogatja. </a:t>
+            </a:r>
+            <a:endParaRPr lang="hu-HU" dirty="0"/>
+          </a:p>
+        </p:txBody>
+      </p:sp>
+    </p:spTree>
+    <p:extLst>
+      <p:ext uri="{BB962C8B-B14F-4D97-AF65-F5344CB8AC3E}">
+        <p14:creationId xmlns:p14="http://schemas.microsoft.com/office/powerpoint/2010/main" val="1479977868"/>
       </p:ext>
     </p:extLst>
   </p:cSld>
@@ -7295,7 +7467,131 @@
 </p:sld>
 </file>
 
-<file path=ppt/slides/slide5.xml><?xml version="1.0" encoding="utf-8"?>
+<file path=ppt/slides/slide6.xml><?xml version="1.0" encoding="utf-8"?>
+<p:sld xmlns:a="http://schemas.openxmlformats.org/drawingml/2006/main" xmlns:r="http://schemas.openxmlformats.org/officeDocument/2006/relationships" xmlns:p="http://schemas.openxmlformats.org/presentationml/2006/main">
+  <p:cSld>
+    <p:spTree>
+      <p:nvGrpSpPr>
+        <p:cNvPr id="1" name=""/>
+        <p:cNvGrpSpPr/>
+        <p:nvPr/>
+      </p:nvGrpSpPr>
+      <p:grpSpPr>
+        <a:xfrm>
+          <a:off x="0" y="0"/>
+          <a:ext cx="0" cy="0"/>
+          <a:chOff x="0" y="0"/>
+          <a:chExt cx="0" cy="0"/>
+        </a:xfrm>
+      </p:grpSpPr>
+      <p:sp>
+        <p:nvSpPr>
+          <p:cNvPr id="2" name="Cím 1"/>
+          <p:cNvSpPr>
+            <a:spLocks noGrp="1"/>
+          </p:cNvSpPr>
+          <p:nvPr>
+            <p:ph type="title"/>
+          </p:nvPr>
+        </p:nvSpPr>
+        <p:spPr/>
+        <p:txBody>
+          <a:bodyPr/>
+          <a:lstStyle/>
+          <a:p>
+            <a:r>
+              <a:rPr lang="hu-HU" dirty="0" smtClean="0"/>
+              <a:t>Források</a:t>
+            </a:r>
+            <a:endParaRPr lang="hu-HU" dirty="0"/>
+          </a:p>
+        </p:txBody>
+      </p:sp>
+      <p:sp>
+        <p:nvSpPr>
+          <p:cNvPr id="3" name="Tartalom helye 2"/>
+          <p:cNvSpPr>
+            <a:spLocks noGrp="1"/>
+          </p:cNvSpPr>
+          <p:nvPr>
+            <p:ph idx="1"/>
+          </p:nvPr>
+        </p:nvSpPr>
+        <p:spPr/>
+        <p:txBody>
+          <a:bodyPr/>
+          <a:lstStyle/>
+          <a:p>
+            <a:r>
+              <a:rPr lang="hu-HU" dirty="0">
+                <a:hlinkClick r:id="rId2"/>
+              </a:rPr>
+              <a:t>https://hu.wikipedia.org/wiki/Python_(programoz%C3%A1si_nyelv</a:t>
+            </a:r>
+            <a:r>
+              <a:rPr lang="hu-HU" dirty="0" smtClean="0">
+                <a:hlinkClick r:id="rId2"/>
+              </a:rPr>
+              <a:t>)</a:t>
+            </a:r>
+            <a:endParaRPr lang="hu-HU" dirty="0" smtClean="0"/>
+          </a:p>
+          <a:p>
+            <a:r>
+              <a:rPr lang="hu-HU" dirty="0">
+                <a:hlinkClick r:id="rId3"/>
+              </a:rPr>
+              <a:t>https://</a:t>
+            </a:r>
+            <a:r>
+              <a:rPr lang="hu-HU" dirty="0" smtClean="0">
+                <a:hlinkClick r:id="rId3"/>
+              </a:rPr>
+              <a:t>www.google.com/search?q=python&amp;source=lnms&amp;tbm=isch&amp;sa=X&amp;ved=2ahUKEwjd9-Tknpb6AhX6_rsIHQJGBhsQ_AUoAXoECAMQAw&amp;biw=929&amp;bih=932#imgrc=NTs26B9b7lTz3M</a:t>
+            </a:r>
+            <a:endParaRPr lang="hu-HU" dirty="0" smtClean="0"/>
+          </a:p>
+          <a:p>
+            <a:r>
+              <a:rPr lang="hu-HU" dirty="0">
+                <a:hlinkClick r:id="rId4"/>
+              </a:rPr>
+              <a:t>https://</a:t>
+            </a:r>
+            <a:r>
+              <a:rPr lang="hu-HU" dirty="0" smtClean="0">
+                <a:hlinkClick r:id="rId4"/>
+              </a:rPr>
+              <a:t>en.wikipedia.org/wiki/Guido_van_Rossum</a:t>
+            </a:r>
+            <a:endParaRPr lang="hu-HU" dirty="0" smtClean="0"/>
+          </a:p>
+          <a:p>
+            <a:endParaRPr lang="hu-HU" dirty="0"/>
+          </a:p>
+        </p:txBody>
+      </p:sp>
+    </p:spTree>
+    <p:extLst>
+      <p:ext uri="{BB962C8B-B14F-4D97-AF65-F5344CB8AC3E}">
+        <p14:creationId xmlns:p14="http://schemas.microsoft.com/office/powerpoint/2010/main" val="10220522"/>
+      </p:ext>
+    </p:extLst>
+  </p:cSld>
+  <p:clrMapOvr>
+    <a:masterClrMapping/>
+  </p:clrMapOvr>
+  <p:timing>
+    <p:tnLst>
+      <p:par>
+        <p:cTn id="1" dur="indefinite" restart="never" nodeType="tmRoot"/>
+      </p:par>
+    </p:tnLst>
+  </p:timing>
+</p:sld>
+</file>
+
+<file path=ppt/slides/slide7.xml><?xml version="1.0" encoding="utf-8"?>
 <p:sld xmlns:a="http://schemas.openxmlformats.org/drawingml/2006/main" xmlns:r="http://schemas.openxmlformats.org/officeDocument/2006/relationships" xmlns:p="http://schemas.openxmlformats.org/presentationml/2006/main">
   <p:cSld>
     <p:spTree>
@@ -7378,9 +7674,10 @@
           <a:p>
             <a:pPr rtl="0"/>
             <a:r>
-              <a:rPr lang="hu-HU" dirty="0"/>
-              <a:t>Köszönjük!</a:t>
-            </a:r>
+              <a:rPr lang="hu-HU" dirty="0" smtClean="0"/>
+              <a:t>Köszönöm!</a:t>
+            </a:r>
+            <a:endParaRPr lang="hu-HU" dirty="0"/>
           </a:p>
         </p:txBody>
       </p:sp>
@@ -8244,23 +8541,6 @@
 </file>
 
 <file path=customXml/item1.xml><?xml version="1.0" encoding="utf-8"?>
-<?mso-contentType ?>
-<FormTemplates xmlns="http://schemas.microsoft.com/sharepoint/v3/contenttype/forms">
-  <Display>DocumentLibraryForm</Display>
-  <Edit>DocumentLibraryForm</Edit>
-  <New>DocumentLibraryForm</New>
-</FormTemplates>
-</file>
-
-<file path=customXml/item2.xml><?xml version="1.0" encoding="utf-8"?>
-<p:properties xmlns:p="http://schemas.microsoft.com/office/2006/metadata/properties" xmlns:xsi="http://www.w3.org/2001/XMLSchema-instance" xmlns:pc="http://schemas.microsoft.com/office/infopath/2007/PartnerControls">
-  <documentManagement>
-    <MediaServiceKeyPoints xmlns="71af3243-3dd4-4a8d-8c0d-dd76da1f02a5" xsi:nil="true"/>
-  </documentManagement>
-</p:properties>
-</file>
-
-<file path=customXml/item3.xml><?xml version="1.0" encoding="utf-8"?>
 <ct:contentTypeSchema xmlns:ct="http://schemas.microsoft.com/office/2006/metadata/contentType" xmlns:ma="http://schemas.microsoft.com/office/2006/metadata/properties/metaAttributes" ct:_="" ma:_="" ma:contentTypeName="Document" ma:contentTypeID="0x01010079F111ED35F8CC479449609E8A0923A6" ma:contentTypeVersion="11" ma:contentTypeDescription="Create a new document." ma:contentTypeScope="" ma:versionID="1c2eb7a32e66fb6e4260f3771546a5e2">
   <xsd:schema xmlns:xsd="http://www.w3.org/2001/XMLSchema" xmlns:xs="http://www.w3.org/2001/XMLSchema" xmlns:p="http://schemas.microsoft.com/office/2006/metadata/properties" xmlns:ns2="71af3243-3dd4-4a8d-8c0d-dd76da1f02a5" xmlns:ns3="16c05727-aa75-4e4a-9b5f-8a80a1165891" targetNamespace="http://schemas.microsoft.com/office/2006/metadata/properties" ma:root="true" ma:fieldsID="04e1f6479c48b08974ba73b5ca973489" ns2:_="" ns3:_="">
     <xsd:import namespace="71af3243-3dd4-4a8d-8c0d-dd76da1f02a5"/>
@@ -8471,25 +8751,24 @@
 </ct:contentTypeSchema>
 </file>
 
-<file path=customXml/itemProps1.xml><?xml version="1.0" encoding="utf-8"?>
-<ds:datastoreItem xmlns:ds="http://schemas.openxmlformats.org/officeDocument/2006/customXml" ds:itemID="{E0F1DF1E-36E3-406C-8CF7-DB13BB647087}">
-  <ds:schemaRefs>
-    <ds:schemaRef ds:uri="http://schemas.microsoft.com/sharepoint/v3/contenttype/forms"/>
-  </ds:schemaRefs>
-</ds:datastoreItem>
+<file path=customXml/item2.xml><?xml version="1.0" encoding="utf-8"?>
+<p:properties xmlns:p="http://schemas.microsoft.com/office/2006/metadata/properties" xmlns:xsi="http://www.w3.org/2001/XMLSchema-instance" xmlns:pc="http://schemas.microsoft.com/office/infopath/2007/PartnerControls">
+  <documentManagement>
+    <MediaServiceKeyPoints xmlns="71af3243-3dd4-4a8d-8c0d-dd76da1f02a5" xsi:nil="true"/>
+  </documentManagement>
+</p:properties>
 </file>
 
-<file path=customXml/itemProps2.xml><?xml version="1.0" encoding="utf-8"?>
-<ds:datastoreItem xmlns:ds="http://schemas.openxmlformats.org/officeDocument/2006/customXml" ds:itemID="{B85274BF-C111-4B7A-8D90-F7666D37C131}">
-  <ds:schemaRefs>
-    <ds:schemaRef ds:uri="http://schemas.microsoft.com/office/2006/metadata/properties"/>
-    <ds:schemaRef ds:uri="http://schemas.microsoft.com/office/infopath/2007/PartnerControls"/>
-    <ds:schemaRef ds:uri="71af3243-3dd4-4a8d-8c0d-dd76da1f02a5"/>
-  </ds:schemaRefs>
-</ds:datastoreItem>
+<file path=customXml/item3.xml><?xml version="1.0" encoding="utf-8"?>
+<?mso-contentType ?>
+<FormTemplates xmlns="http://schemas.microsoft.com/sharepoint/v3/contenttype/forms">
+  <Display>DocumentLibraryForm</Display>
+  <Edit>DocumentLibraryForm</Edit>
+  <New>DocumentLibraryForm</New>
+</FormTemplates>
 </file>
 
-<file path=customXml/itemProps3.xml><?xml version="1.0" encoding="utf-8"?>
+<file path=customXml/itemProps1.xml><?xml version="1.0" encoding="utf-8"?>
 <ds:datastoreItem xmlns:ds="http://schemas.openxmlformats.org/officeDocument/2006/customXml" ds:itemID="{9310845B-7F19-4A9A-BEE4-BEF0501E1A55}">
   <ds:schemaRefs>
     <ds:schemaRef ds:uri="http://schemas.microsoft.com/office/2006/metadata/contentType"/>
@@ -8506,4 +8785,22 @@
     <ds:schemaRef ds:uri="http://schemas.microsoft.com/internal/obd"/>
   </ds:schemaRefs>
 </ds:datastoreItem>
+</file>
+
+<file path=customXml/itemProps2.xml><?xml version="1.0" encoding="utf-8"?>
+<ds:datastoreItem xmlns:ds="http://schemas.openxmlformats.org/officeDocument/2006/customXml" ds:itemID="{B85274BF-C111-4B7A-8D90-F7666D37C131}">
+  <ds:schemaRefs>
+    <ds:schemaRef ds:uri="http://schemas.microsoft.com/office/2006/metadata/properties"/>
+    <ds:schemaRef ds:uri="http://schemas.microsoft.com/office/infopath/2007/PartnerControls"/>
+    <ds:schemaRef ds:uri="71af3243-3dd4-4a8d-8c0d-dd76da1f02a5"/>
+  </ds:schemaRefs>
+</ds:datastoreItem>
+</file>
+
+<file path=customXml/itemProps3.xml><?xml version="1.0" encoding="utf-8"?>
+<ds:datastoreItem xmlns:ds="http://schemas.openxmlformats.org/officeDocument/2006/customXml" ds:itemID="{E0F1DF1E-36E3-406C-8CF7-DB13BB647087}">
+  <ds:schemaRefs>
+    <ds:schemaRef ds:uri="http://schemas.microsoft.com/sharepoint/v3/contenttype/forms"/>
+  </ds:schemaRefs>
+</ds:datastoreItem>
 </file>
--- a/Python.pptx
+++ b/Python.pptx
@@ -5,19 +5,20 @@
     <p:sldMasterId id="2147483942" r:id="rId4"/>
   </p:sldMasterIdLst>
   <p:notesMasterIdLst>
-    <p:notesMasterId r:id="rId12"/>
+    <p:notesMasterId r:id="rId13"/>
   </p:notesMasterIdLst>
   <p:handoutMasterIdLst>
-    <p:handoutMasterId r:id="rId13"/>
+    <p:handoutMasterId r:id="rId14"/>
   </p:handoutMasterIdLst>
   <p:sldIdLst>
     <p:sldId id="256" r:id="rId5"/>
     <p:sldId id="276" r:id="rId6"/>
-    <p:sldId id="275" r:id="rId7"/>
-    <p:sldId id="277" r:id="rId8"/>
+    <p:sldId id="277" r:id="rId7"/>
+    <p:sldId id="275" r:id="rId8"/>
     <p:sldId id="279" r:id="rId9"/>
-    <p:sldId id="278" r:id="rId10"/>
-    <p:sldId id="274" r:id="rId11"/>
+    <p:sldId id="280" r:id="rId10"/>
+    <p:sldId id="278" r:id="rId11"/>
+    <p:sldId id="274" r:id="rId12"/>
   </p:sldIdLst>
   <p:sldSz cx="12192000" cy="6858000"/>
   <p:notesSz cx="6858000" cy="9144000"/>
@@ -140,15 +141,33 @@
 
 <file path=ppt/commentAuthors.xml><?xml version="1.0" encoding="utf-8"?>
 <p:cmAuthorLst xmlns:a="http://schemas.openxmlformats.org/drawingml/2006/main" xmlns:r="http://schemas.openxmlformats.org/officeDocument/2006/relationships" xmlns:p="http://schemas.openxmlformats.org/presentationml/2006/main">
-  <p:cmAuthor id="2" name="Szerző" initials="S" lastIdx="5" clrIdx="1"/>
+  <p:cmAuthor id="2" name="Szerző" initials="S" lastIdx="17" clrIdx="1"/>
 </p:cmAuthorLst>
 </file>
 
 <file path=ppt/comments/comment1.xml><?xml version="1.0" encoding="utf-8"?>
 <p:cmLst xmlns:a="http://schemas.openxmlformats.org/drawingml/2006/main" xmlns:r="http://schemas.openxmlformats.org/officeDocument/2006/relationships" xmlns:p="http://schemas.openxmlformats.org/presentationml/2006/main">
   <p:cm authorId="2" dt="2022-09-15T09:20:34.605" idx="1">
-    <p:pos x="10" y="10"/>
+    <p:pos x="2514" y="2332"/>
     <p:text>Guido van Rossum holland programozó kezdett el fejleszteni 1989 végén, majd hozott nyilvánosságra 1991-ben.</p:text>
+    <p:extLst>
+      <p:ext uri="{C676402C-5697-4E1C-873F-D02D1690AC5C}">
+        <p15:threadingInfo xmlns:p15="http://schemas.microsoft.com/office/powerpoint/2012/main" timeZoneBias="-120"/>
+      </p:ext>
+    </p:extLst>
+  </p:cm>
+  <p:cm authorId="2" dt="2022-09-24T17:31:45.174" idx="6">
+    <p:pos x="2571" y="2802"/>
+    <p:text>•	1991 februárjában jelent meg az első nyilvános változat (0.9.0 verzió néven) az alt.sources hírcsoportban.</p:text>
+    <p:extLst>
+      <p:ext uri="{C676402C-5697-4E1C-873F-D02D1690AC5C}">
+        <p15:threadingInfo xmlns:p15="http://schemas.microsoft.com/office/powerpoint/2012/main" timeZoneBias="-120"/>
+      </p:ext>
+    </p:extLst>
+  </p:cm>
+  <p:cm authorId="2" dt="2022-09-24T17:56:02.103" idx="7">
+    <p:pos x="2077" y="2002"/>
+    <p:text>A Python az 1980-as évek végén született meg A CWI-n (Centrum Wiskunde &amp; Informatica, magyarul Matematikai és Informatikai Központ).</p:text>
     <p:extLst>
       <p:ext uri="{C676402C-5697-4E1C-873F-D02D1690AC5C}">
         <p15:threadingInfo xmlns:p15="http://schemas.microsoft.com/office/powerpoint/2012/main" timeZoneBias="-120"/>
@@ -160,8 +179,49 @@
 
 <file path=ppt/comments/comment2.xml><?xml version="1.0" encoding="utf-8"?>
 <p:cmLst xmlns:a="http://schemas.openxmlformats.org/drawingml/2006/main" xmlns:r="http://schemas.openxmlformats.org/officeDocument/2006/relationships" xmlns:p="http://schemas.openxmlformats.org/presentationml/2006/main">
+  <p:cm authorId="2" dt="2022-09-15T09:23:49.321" idx="5">
+    <p:pos x="2197" y="1910"/>
+    <p:text>•	A nyelv a nevét a Monty Python csoportról kapta.</p:text>
+    <p:extLst>
+      <p:ext uri="{C676402C-5697-4E1C-873F-D02D1690AC5C}">
+        <p15:threadingInfo xmlns:p15="http://schemas.microsoft.com/office/powerpoint/2012/main" timeZoneBias="-120"/>
+      </p:ext>
+    </p:extLst>
+  </p:cm>
+  <p:cm authorId="2" dt="2022-09-25T12:19:34.118" idx="8">
+    <p:pos x="2392" y="2244"/>
+    <p:text>az ABC programozási nyelv utódja gondolta ki a pythont 1980-ban</p:text>
+    <p:extLst>
+      <p:ext uri="{C676402C-5697-4E1C-873F-D02D1690AC5C}">
+        <p15:threadingInfo xmlns:p15="http://schemas.microsoft.com/office/powerpoint/2012/main" timeZoneBias="-120"/>
+      </p:ext>
+    </p:extLst>
+  </p:cm>
+  <p:cm authorId="2" dt="2022-09-25T12:42:25.393" idx="9">
+    <p:pos x="2566" y="2691"/>
+    <p:text>A projekt vezető fejlesztőjeként Van Rossum volt a kizárólagos felelőssége, egészen 2018. július 12-ig, amikor bejelentette, hogy „állandó / örök szabadságot” hagyott a Python „egy életre szóló jóindulatú diktátoraként” betöltött feladatai alól. Ezt a címet a Python közösség adományozta neki, hogy tükrözze hosszú távú elkötelezettség a projekt fő döntéshozójaként.</p:text>
+    <p:extLst>
+      <p:ext uri="{C676402C-5697-4E1C-873F-D02D1690AC5C}">
+        <p15:threadingInfo xmlns:p15="http://schemas.microsoft.com/office/powerpoint/2012/main" timeZoneBias="-120"/>
+      </p:ext>
+    </p:extLst>
+  </p:cm>
+  <p:cm authorId="2" dt="2022-09-25T12:46:55.168" idx="10">
+    <p:pos x="2584" y="3012"/>
+    <p:text>2019 januárjában az aktív Python fő fejlesztők öttagú Irányító Tanácsot választottak a projekt vezetésére.</p:text>
+    <p:extLst>
+      <p:ext uri="{C676402C-5697-4E1C-873F-D02D1690AC5C}">
+        <p15:threadingInfo xmlns:p15="http://schemas.microsoft.com/office/powerpoint/2012/main" timeZoneBias="-120"/>
+      </p:ext>
+    </p:extLst>
+  </p:cm>
+</p:cmLst>
+</file>
+
+<file path=ppt/comments/comment3.xml><?xml version="1.0" encoding="utf-8"?>
+<p:cmLst xmlns:a="http://schemas.openxmlformats.org/drawingml/2006/main" xmlns:r="http://schemas.openxmlformats.org/officeDocument/2006/relationships" xmlns:p="http://schemas.openxmlformats.org/presentationml/2006/main">
   <p:cm authorId="2" dt="2022-09-15T09:19:57.927" idx="2">
-    <p:pos x="10" y="10"/>
+    <p:pos x="2313" y="2079"/>
     <p:text/>
     <p:extLst>
       <p:ext uri="{C676402C-5697-4E1C-873F-D02D1690AC5C}">
@@ -170,7 +230,7 @@
     </p:extLst>
   </p:cm>
   <p:cm authorId="2" dt="2022-09-15T09:20:52.175" idx="3">
-    <p:pos x="10" y="146"/>
+    <p:pos x="2313" y="2215"/>
     <p:text>A Python egy általános célú, nagyon magas szintű programozási nyelv
 A nyelv tervezési filozófiája az olvashatóságot és a programozói munka megkönnyítését helyezi előtérbe a futási sebességgel szemben.</p:text>
     <p:extLst>
@@ -182,8 +242,8 @@
     </p:extLst>
   </p:cm>
   <p:cm authorId="2" dt="2022-09-15T09:36:00.596" idx="4">
-    <p:pos x="146" y="146"/>
-    <p:text>Dinamikus típusokat és automatikus memóriakezelést használ, ilyen szempontból hasonlít a Scheme, Perl és Ruby nyelvekhez, emellett szigorú típusrendszerrel rendelkezik.</p:text>
+    <p:pos x="1699" y="2625"/>
+    <p:text>Dinamikus típusokat és automatikus memóriakezelést használ,(ilyen szempontból     hasonlít a Scheme, Perl és Ruby   nyelvekhez, )     emellett szigorú típusrendszerrel rendelkezik.</p:text>
     <p:extLst>
       <p:ext uri="{C676402C-5697-4E1C-873F-D02D1690AC5C}">
         <p15:threadingInfo xmlns:p15="http://schemas.microsoft.com/office/powerpoint/2012/main" timeZoneBias="-120"/>
@@ -193,15 +253,70 @@
 </p:cmLst>
 </file>
 
-<file path=ppt/comments/comment3.xml><?xml version="1.0" encoding="utf-8"?>
+<file path=ppt/comments/comment4.xml><?xml version="1.0" encoding="utf-8"?>
 <p:cmLst xmlns:a="http://schemas.openxmlformats.org/drawingml/2006/main" xmlns:r="http://schemas.openxmlformats.org/officeDocument/2006/relationships" xmlns:p="http://schemas.openxmlformats.org/presentationml/2006/main">
-  <p:cm authorId="2" dt="2022-09-15T09:23:49.321" idx="5">
-    <p:pos x="3086" y="2916"/>
-    <p:text>•	A Python alapötlete az 1980-as évek végén született meg
-•	A fejlesztést 1989 decemberében kezdte el Guido van Rossum a CWI-n
-•	A CWI (Centrum Wiskunde &amp; Informatica, magyarul Matematikai és Informatikai Központ) egy kutatóintézet Amszterdamban.
-•	A nyelv a nevét a Monty Python csoportról kapta.
-•	1991 februárjában jelent meg az első nyilvános változat (0.9.0 verzió néven) az alt.sources hírcsoportban.</p:text>
+  <p:cm authorId="2" dt="2022-09-25T13:33:03.841" idx="11">
+    <p:pos x="1975" y="1939"/>
+    <p:text>A Python egy nagyon magas szintű programozási nyelv, mégis könnyű megtanulni.</p:text>
+    <p:extLst>
+      <p:ext uri="{C676402C-5697-4E1C-873F-D02D1690AC5C}">
+        <p15:threadingInfo xmlns:p15="http://schemas.microsoft.com/office/powerpoint/2012/main" timeZoneBias="-120"/>
+      </p:ext>
+    </p:extLst>
+  </p:cm>
+  <p:cm authorId="2" dt="2022-09-25T13:34:29.424" idx="12">
+    <p:pos x="1969" y="2199"/>
+    <p:text>A Python kód egyszerű angol szavaknak tűnik.</p:text>
+    <p:extLst>
+      <p:ext uri="{C676402C-5697-4E1C-873F-D02D1690AC5C}">
+        <p15:threadingInfo xmlns:p15="http://schemas.microsoft.com/office/powerpoint/2012/main" timeZoneBias="-120"/>
+      </p:ext>
+    </p:extLst>
+  </p:cm>
+  <p:cm authorId="2" dt="2022-09-25T13:37:18.647" idx="13">
+    <p:pos x="2498" y="2431"/>
+    <p:text>A Python az OSI által jóváhagyott nyílt forráskódú licenc alatt készült.</p:text>
+    <p:extLst>
+      <p:ext uri="{C676402C-5697-4E1C-873F-D02D1690AC5C}">
+        <p15:threadingInfo xmlns:p15="http://schemas.microsoft.com/office/powerpoint/2012/main" timeZoneBias="-120"/>
+      </p:ext>
+    </p:extLst>
+  </p:cm>
+  <p:cm authorId="2" dt="2022-09-25T13:40:17.847" idx="14">
+    <p:pos x="2484" y="2708"/>
+    <p:text>A Python széles körű szabványos könyvtárral rendelkezik, amely bárki számára elérhető. Ez azt jelenti, hogy a programozóknak nem kell minden egyes dologhoz megírniuk a kódjukat, ellentétben más programozási nyelvekkel.</p:text>
+    <p:extLst>
+      <p:ext uri="{C676402C-5697-4E1C-873F-D02D1690AC5C}">
+        <p15:threadingInfo xmlns:p15="http://schemas.microsoft.com/office/powerpoint/2012/main" timeZoneBias="-120"/>
+      </p:ext>
+    </p:extLst>
+  </p:cm>
+</p:cmLst>
+</file>
+
+<file path=ppt/comments/comment5.xml><?xml version="1.0" encoding="utf-8"?>
+<p:cmLst xmlns:a="http://schemas.openxmlformats.org/drawingml/2006/main" xmlns:r="http://schemas.openxmlformats.org/officeDocument/2006/relationships" xmlns:p="http://schemas.openxmlformats.org/presentationml/2006/main">
+  <p:cm authorId="2" dt="2022-09-25T13:48:14.775" idx="15">
+    <p:pos x="3548" y="1928"/>
+    <p:text>A programozási nyelv objektumorientált, ha a tervezést adatok és objektumok köré összpontosítja, nem pedig funkciókra és logikára. Éppen ellenkezőleg, egy programozási nyelv procedurális-orientált, ha jobban összpontosít a funkciókra</p:text>
+    <p:extLst>
+      <p:ext uri="{C676402C-5697-4E1C-873F-D02D1690AC5C}">
+        <p15:threadingInfo xmlns:p15="http://schemas.microsoft.com/office/powerpoint/2012/main" timeZoneBias="-120"/>
+      </p:ext>
+    </p:extLst>
+  </p:cm>
+  <p:cm authorId="2" dt="2022-09-25T13:51:10.876" idx="16">
+    <p:pos x="1333" y="2207"/>
+    <p:text>Egy programozási nyelvről akkor mondjuk hogy, bővíthető, ha más nyelvekre is kiterjeszthető. A Python kód más nyelveken is írható, mint például a C++</p:text>
+    <p:extLst>
+      <p:ext uri="{C676402C-5697-4E1C-873F-D02D1690AC5C}">
+        <p15:threadingInfo xmlns:p15="http://schemas.microsoft.com/office/powerpoint/2012/main" timeZoneBias="-120"/>
+      </p:ext>
+    </p:extLst>
+  </p:cm>
+  <p:cm authorId="2" dt="2022-09-25T13:56:58.184" idx="17">
+    <p:pos x="1715" y="2462"/>
+    <p:text>Minden programozási nyelv egyik kulcsfontosságú szempontja a GUI vagy Graphical User Interface (a grafikus felhasználói felület) támogatása. A felhasználó egyszerűen kommunikálhat a szoftverrel grafikus felhasználói felület segítségével.</p:text>
     <p:extLst>
       <p:ext uri="{C676402C-5697-4E1C-873F-D02D1690AC5C}">
         <p15:threadingInfo xmlns:p15="http://schemas.microsoft.com/office/powerpoint/2012/main" timeZoneBias="-120"/>
@@ -305,7 +420,7 @@
           <a:p>
             <a:fld id="{B974A132-A2E9-4A53-AF4B-FAF9D57572FB}" type="datetimeFigureOut">
               <a:rPr lang="hu-HU" smtClean="0"/>
-              <a:t>2022.09.15.</a:t>
+              <a:t>2022. 09. 25.</a:t>
             </a:fld>
             <a:endParaRPr lang="hu-HU"/>
           </a:p>
@@ -483,7 +598,7 @@
           <a:p>
             <a:fld id="{87BEBC67-D019-4583-984E-B2250759AAE5}" type="datetimeFigureOut">
               <a:rPr lang="hu-HU" noProof="0" smtClean="0"/>
-              <a:t>2022.09.15.</a:t>
+              <a:t>2022. 09. 25.</a:t>
             </a:fld>
             <a:endParaRPr lang="hu-HU" noProof="0"/>
           </a:p>
@@ -879,7 +994,7 @@
           <a:bodyPr/>
           <a:lstStyle/>
           <a:p>
-            <a:endParaRPr lang="hu-HU"/>
+            <a:endParaRPr lang="hu-HU" dirty="0"/>
           </a:p>
         </p:txBody>
       </p:sp>
@@ -900,7 +1015,175 @@
           <a:p>
             <a:fld id="{B23E6C88-5714-4435-A8C0-B617125C99F0}" type="slidenum">
               <a:rPr lang="hu-HU" noProof="0" smtClean="0"/>
-              <a:t>7</a:t>
+              <a:t>3</a:t>
+            </a:fld>
+            <a:endParaRPr lang="hu-HU" noProof="0"/>
+          </a:p>
+        </p:txBody>
+      </p:sp>
+    </p:spTree>
+    <p:extLst>
+      <p:ext uri="{BB962C8B-B14F-4D97-AF65-F5344CB8AC3E}">
+        <p14:creationId xmlns:p14="http://schemas.microsoft.com/office/powerpoint/2010/main" val="1182426285"/>
+      </p:ext>
+    </p:extLst>
+  </p:cSld>
+  <p:clrMapOvr>
+    <a:masterClrMapping/>
+  </p:clrMapOvr>
+</p:notes>
+</file>
+
+<file path=ppt/notesSlides/notesSlide3.xml><?xml version="1.0" encoding="utf-8"?>
+<p:notes xmlns:a="http://schemas.openxmlformats.org/drawingml/2006/main" xmlns:r="http://schemas.openxmlformats.org/officeDocument/2006/relationships" xmlns:p="http://schemas.openxmlformats.org/presentationml/2006/main">
+  <p:cSld>
+    <p:spTree>
+      <p:nvGrpSpPr>
+        <p:cNvPr id="1" name=""/>
+        <p:cNvGrpSpPr/>
+        <p:nvPr/>
+      </p:nvGrpSpPr>
+      <p:grpSpPr>
+        <a:xfrm>
+          <a:off x="0" y="0"/>
+          <a:ext cx="0" cy="0"/>
+          <a:chOff x="0" y="0"/>
+          <a:chExt cx="0" cy="0"/>
+        </a:xfrm>
+      </p:grpSpPr>
+      <p:sp>
+        <p:nvSpPr>
+          <p:cNvPr id="2" name="Diakép helye 1"/>
+          <p:cNvSpPr>
+            <a:spLocks noGrp="1" noRot="1" noChangeAspect="1"/>
+          </p:cNvSpPr>
+          <p:nvPr>
+            <p:ph type="sldImg"/>
+          </p:nvPr>
+        </p:nvSpPr>
+        <p:spPr/>
+      </p:sp>
+      <p:sp>
+        <p:nvSpPr>
+          <p:cNvPr id="3" name="Jegyzetek helye 2"/>
+          <p:cNvSpPr>
+            <a:spLocks noGrp="1"/>
+          </p:cNvSpPr>
+          <p:nvPr>
+            <p:ph type="body" idx="1"/>
+          </p:nvPr>
+        </p:nvSpPr>
+        <p:spPr/>
+        <p:txBody>
+          <a:bodyPr/>
+          <a:lstStyle/>
+          <a:p>
+            <a:endParaRPr lang="hu-HU" dirty="0"/>
+          </a:p>
+        </p:txBody>
+      </p:sp>
+      <p:sp>
+        <p:nvSpPr>
+          <p:cNvPr id="4" name="Dia számának helye 3"/>
+          <p:cNvSpPr>
+            <a:spLocks noGrp="1"/>
+          </p:cNvSpPr>
+          <p:nvPr>
+            <p:ph type="sldNum" sz="quarter" idx="5"/>
+          </p:nvPr>
+        </p:nvSpPr>
+        <p:spPr/>
+        <p:txBody>
+          <a:bodyPr/>
+          <a:lstStyle/>
+          <a:p>
+            <a:fld id="{B23E6C88-5714-4435-A8C0-B617125C99F0}" type="slidenum">
+              <a:rPr lang="hu-HU" noProof="0" smtClean="0"/>
+              <a:t>5</a:t>
+            </a:fld>
+            <a:endParaRPr lang="hu-HU" noProof="0"/>
+          </a:p>
+        </p:txBody>
+      </p:sp>
+    </p:spTree>
+    <p:extLst>
+      <p:ext uri="{BB962C8B-B14F-4D97-AF65-F5344CB8AC3E}">
+        <p14:creationId xmlns:p14="http://schemas.microsoft.com/office/powerpoint/2010/main" val="1083925310"/>
+      </p:ext>
+    </p:extLst>
+  </p:cSld>
+  <p:clrMapOvr>
+    <a:masterClrMapping/>
+  </p:clrMapOvr>
+</p:notes>
+</file>
+
+<file path=ppt/notesSlides/notesSlide4.xml><?xml version="1.0" encoding="utf-8"?>
+<p:notes xmlns:a="http://schemas.openxmlformats.org/drawingml/2006/main" xmlns:r="http://schemas.openxmlformats.org/officeDocument/2006/relationships" xmlns:p="http://schemas.openxmlformats.org/presentationml/2006/main">
+  <p:cSld>
+    <p:spTree>
+      <p:nvGrpSpPr>
+        <p:cNvPr id="1" name=""/>
+        <p:cNvGrpSpPr/>
+        <p:nvPr/>
+      </p:nvGrpSpPr>
+      <p:grpSpPr>
+        <a:xfrm>
+          <a:off x="0" y="0"/>
+          <a:ext cx="0" cy="0"/>
+          <a:chOff x="0" y="0"/>
+          <a:chExt cx="0" cy="0"/>
+        </a:xfrm>
+      </p:grpSpPr>
+      <p:sp>
+        <p:nvSpPr>
+          <p:cNvPr id="2" name="Diakép helye 1"/>
+          <p:cNvSpPr>
+            <a:spLocks noGrp="1" noRot="1" noChangeAspect="1"/>
+          </p:cNvSpPr>
+          <p:nvPr>
+            <p:ph type="sldImg"/>
+          </p:nvPr>
+        </p:nvSpPr>
+        <p:spPr/>
+      </p:sp>
+      <p:sp>
+        <p:nvSpPr>
+          <p:cNvPr id="3" name="Jegyzetek helye 2"/>
+          <p:cNvSpPr>
+            <a:spLocks noGrp="1"/>
+          </p:cNvSpPr>
+          <p:nvPr>
+            <p:ph type="body" idx="1"/>
+          </p:nvPr>
+        </p:nvSpPr>
+        <p:spPr/>
+        <p:txBody>
+          <a:bodyPr/>
+          <a:lstStyle/>
+          <a:p>
+            <a:endParaRPr lang="hu-HU"/>
+          </a:p>
+        </p:txBody>
+      </p:sp>
+      <p:sp>
+        <p:nvSpPr>
+          <p:cNvPr id="4" name="Dia számának helye 3"/>
+          <p:cNvSpPr>
+            <a:spLocks noGrp="1"/>
+          </p:cNvSpPr>
+          <p:nvPr>
+            <p:ph type="sldNum" sz="quarter" idx="5"/>
+          </p:nvPr>
+        </p:nvSpPr>
+        <p:spPr/>
+        <p:txBody>
+          <a:bodyPr/>
+          <a:lstStyle/>
+          <a:p>
+            <a:fld id="{B23E6C88-5714-4435-A8C0-B617125C99F0}" type="slidenum">
+              <a:rPr lang="hu-HU" noProof="0" smtClean="0"/>
+              <a:t>8</a:t>
             </a:fld>
             <a:endParaRPr lang="hu-HU" noProof="0"/>
           </a:p>
@@ -1000,7 +1283,7 @@
           </a:lstStyle>
           <a:p>
             <a:r>
-              <a:rPr lang="hu-HU" smtClean="0"/>
+              <a:rPr lang="hu-HU"/>
               <a:t>Mintacím szerkesztése</a:t>
             </a:r>
             <a:endParaRPr lang="en-US" dirty="0"/>
@@ -1119,7 +1402,7 @@
           </a:lstStyle>
           <a:p>
             <a:r>
-              <a:rPr lang="hu-HU" smtClean="0"/>
+              <a:rPr lang="hu-HU"/>
               <a:t>Kattintson ide az alcím mintájának szerkesztéséhez</a:t>
             </a:r>
             <a:endParaRPr lang="en-US" dirty="0"/>
@@ -1149,7 +1432,7 @@
             <a:pPr rtl="0"/>
             <a:fld id="{3CE821E0-3410-4A88-8DED-9DBA15C6BBE6}" type="datetime1">
               <a:rPr lang="hu-HU" noProof="0" smtClean="0"/>
-              <a:t>2022.09.15.</a:t>
+              <a:t>2022. 09. 25.</a:t>
             </a:fld>
             <a:endParaRPr lang="hu-HU" noProof="0"/>
           </a:p>
@@ -1297,7 +1580,7 @@
           </a:lstStyle>
           <a:p>
             <a:r>
-              <a:rPr lang="hu-HU" smtClean="0"/>
+              <a:rPr lang="hu-HU"/>
               <a:t>Mintacím szerkesztése</a:t>
             </a:r>
             <a:endParaRPr lang="en-US" dirty="0"/>
@@ -1395,7 +1678,7 @@
           </a:lstStyle>
           <a:p>
             <a:r>
-              <a:rPr lang="hu-HU" smtClean="0"/>
+              <a:rPr lang="hu-HU"/>
               <a:t>Kép beszúrásához kattintson az ikonra</a:t>
             </a:r>
             <a:endParaRPr lang="en-US" dirty="0"/>
@@ -1463,7 +1746,7 @@
           <a:p>
             <a:pPr lvl="0"/>
             <a:r>
-              <a:rPr lang="hu-HU" smtClean="0"/>
+              <a:rPr lang="hu-HU"/>
               <a:t>Mintaszöveg szerkesztése</a:t>
             </a:r>
           </a:p>
@@ -1487,7 +1770,7 @@
             <a:pPr rtl="0"/>
             <a:fld id="{4B4976FB-FBCE-40A1-9B83-A9B94C11CE00}" type="datetime1">
               <a:rPr lang="hu-HU" noProof="0" smtClean="0"/>
-              <a:t>2022.09.15.</a:t>
+              <a:t>2022. 09. 25.</a:t>
             </a:fld>
             <a:endParaRPr lang="hu-HU" noProof="0"/>
           </a:p>
@@ -1626,7 +1909,7 @@
           </a:lstStyle>
           <a:p>
             <a:r>
-              <a:rPr lang="hu-HU" smtClean="0"/>
+              <a:rPr lang="hu-HU"/>
               <a:t>Mintacím szerkesztése</a:t>
             </a:r>
             <a:endParaRPr lang="en-US" dirty="0"/>
@@ -1746,7 +2029,7 @@
           <a:p>
             <a:pPr lvl="0"/>
             <a:r>
-              <a:rPr lang="hu-HU" smtClean="0"/>
+              <a:rPr lang="hu-HU"/>
               <a:t>Mintaszöveg szerkesztése</a:t>
             </a:r>
           </a:p>
@@ -1770,7 +2053,7 @@
             <a:pPr rtl="0"/>
             <a:fld id="{4B4976FB-FBCE-40A1-9B83-A9B94C11CE00}" type="datetime1">
               <a:rPr lang="hu-HU" noProof="0" smtClean="0"/>
-              <a:t>2022.09.15.</a:t>
+              <a:t>2022. 09. 25.</a:t>
             </a:fld>
             <a:endParaRPr lang="hu-HU" noProof="0"/>
           </a:p>
@@ -2145,7 +2428,7 @@
           </a:lstStyle>
           <a:p>
             <a:r>
-              <a:rPr lang="hu-HU" smtClean="0"/>
+              <a:rPr lang="hu-HU"/>
               <a:t>Mintacím szerkesztése</a:t>
             </a:r>
             <a:endParaRPr lang="en-US" dirty="0"/>
@@ -2200,7 +2483,7 @@
           <a:p>
             <a:pPr lvl="0"/>
             <a:r>
-              <a:rPr lang="hu-HU" smtClean="0"/>
+              <a:rPr lang="hu-HU"/>
               <a:t>Mintaszöveg szerkesztése</a:t>
             </a:r>
           </a:p>
@@ -2319,7 +2602,7 @@
           <a:p>
             <a:pPr lvl="0"/>
             <a:r>
-              <a:rPr lang="hu-HU" smtClean="0"/>
+              <a:rPr lang="hu-HU"/>
               <a:t>Mintaszöveg szerkesztése</a:t>
             </a:r>
           </a:p>
@@ -2343,7 +2626,7 @@
             <a:pPr rtl="0"/>
             <a:fld id="{1660FFFB-BF7F-437D-A4A6-7801D83B6172}" type="datetime1">
               <a:rPr lang="hu-HU" noProof="0" smtClean="0"/>
-              <a:t>2022.09.15.</a:t>
+              <a:t>2022. 09. 25.</a:t>
             </a:fld>
             <a:endParaRPr lang="hu-HU" noProof="0"/>
           </a:p>
@@ -2481,7 +2764,7 @@
           </a:lstStyle>
           <a:p>
             <a:r>
-              <a:rPr lang="hu-HU" smtClean="0"/>
+              <a:rPr lang="hu-HU"/>
               <a:t>Mintacím szerkesztése</a:t>
             </a:r>
             <a:endParaRPr lang="en-US" dirty="0"/>
@@ -2601,7 +2884,7 @@
           <a:p>
             <a:pPr lvl="0"/>
             <a:r>
-              <a:rPr lang="hu-HU" smtClean="0"/>
+              <a:rPr lang="hu-HU"/>
               <a:t>Mintaszöveg szerkesztése</a:t>
             </a:r>
           </a:p>
@@ -2625,7 +2908,7 @@
             <a:pPr rtl="0"/>
             <a:fld id="{4B4976FB-FBCE-40A1-9B83-A9B94C11CE00}" type="datetime1">
               <a:rPr lang="hu-HU" noProof="0" smtClean="0"/>
-              <a:t>2022.09.15.</a:t>
+              <a:t>2022. 09. 25.</a:t>
             </a:fld>
             <a:endParaRPr lang="hu-HU" noProof="0"/>
           </a:p>
@@ -3000,7 +3283,7 @@
           </a:lstStyle>
           <a:p>
             <a:r>
-              <a:rPr lang="hu-HU" smtClean="0"/>
+              <a:rPr lang="hu-HU"/>
               <a:t>Mintacím szerkesztése</a:t>
             </a:r>
             <a:endParaRPr lang="en-US" dirty="0"/>
@@ -3049,7 +3332,7 @@
               <a:buNone/>
             </a:pPr>
             <a:r>
-              <a:rPr lang="hu-HU" smtClean="0"/>
+              <a:rPr lang="hu-HU"/>
               <a:t>Mintaszöveg szerkesztése</a:t>
             </a:r>
           </a:p>
@@ -3168,7 +3451,7 @@
           <a:p>
             <a:pPr lvl="0"/>
             <a:r>
-              <a:rPr lang="hu-HU" smtClean="0"/>
+              <a:rPr lang="hu-HU"/>
               <a:t>Mintaszöveg szerkesztése</a:t>
             </a:r>
           </a:p>
@@ -3192,7 +3475,7 @@
             <a:pPr rtl="0"/>
             <a:fld id="{4B4976FB-FBCE-40A1-9B83-A9B94C11CE00}" type="datetime1">
               <a:rPr lang="hu-HU" noProof="0" smtClean="0"/>
-              <a:t>2022.09.15.</a:t>
+              <a:t>2022. 09. 25.</a:t>
             </a:fld>
             <a:endParaRPr lang="hu-HU" noProof="0"/>
           </a:p>
@@ -3332,7 +3615,7 @@
           <a:p>
             <a:pPr marL="0" lvl="0"/>
             <a:r>
-              <a:rPr lang="hu-HU" smtClean="0"/>
+              <a:rPr lang="hu-HU"/>
               <a:t>Mintacím szerkesztése</a:t>
             </a:r>
             <a:endParaRPr lang="en-US" dirty="0"/>
@@ -3381,7 +3664,7 @@
               <a:buNone/>
             </a:pPr>
             <a:r>
-              <a:rPr lang="hu-HU" smtClean="0"/>
+              <a:rPr lang="hu-HU"/>
               <a:t>Mintaszöveg szerkesztése</a:t>
             </a:r>
           </a:p>
@@ -3500,7 +3783,7 @@
           <a:p>
             <a:pPr lvl="0"/>
             <a:r>
-              <a:rPr lang="hu-HU" smtClean="0"/>
+              <a:rPr lang="hu-HU"/>
               <a:t>Mintaszöveg szerkesztése</a:t>
             </a:r>
           </a:p>
@@ -3524,7 +3807,7 @@
             <a:pPr rtl="0"/>
             <a:fld id="{6E5AC0A3-2749-4477-9BAF-9491B7C23E15}" type="datetime1">
               <a:rPr lang="hu-HU" noProof="0" smtClean="0"/>
-              <a:t>2022.09.15.</a:t>
+              <a:t>2022. 09. 25.</a:t>
             </a:fld>
             <a:endParaRPr lang="hu-HU" noProof="0"/>
           </a:p>
@@ -3652,35 +3935,35 @@
           <a:p>
             <a:pPr lvl="0"/>
             <a:r>
-              <a:rPr lang="hu-HU" smtClean="0"/>
+              <a:rPr lang="hu-HU"/>
               <a:t>Mintaszöveg szerkesztése</a:t>
             </a:r>
           </a:p>
           <a:p>
             <a:pPr lvl="1"/>
             <a:r>
-              <a:rPr lang="hu-HU" smtClean="0"/>
+              <a:rPr lang="hu-HU"/>
               <a:t>Második szint</a:t>
             </a:r>
           </a:p>
           <a:p>
             <a:pPr lvl="2"/>
             <a:r>
-              <a:rPr lang="hu-HU" smtClean="0"/>
+              <a:rPr lang="hu-HU"/>
               <a:t>Harmadik szint</a:t>
             </a:r>
           </a:p>
           <a:p>
             <a:pPr lvl="3"/>
             <a:r>
-              <a:rPr lang="hu-HU" smtClean="0"/>
+              <a:rPr lang="hu-HU"/>
               <a:t>Negyedik szint</a:t>
             </a:r>
           </a:p>
           <a:p>
             <a:pPr lvl="4"/>
             <a:r>
-              <a:rPr lang="hu-HU" smtClean="0"/>
+              <a:rPr lang="hu-HU"/>
               <a:t>Ötödik szint</a:t>
             </a:r>
             <a:endParaRPr lang="en-US" dirty="0"/>
@@ -3705,7 +3988,7 @@
             <a:pPr rtl="0"/>
             <a:fld id="{8C810BAF-818A-42D9-BBC5-752C0A83470E}" type="datetime1">
               <a:rPr lang="hu-HU" noProof="0" smtClean="0"/>
-              <a:t>2022.09.15.</a:t>
+              <a:t>2022. 09. 25.</a:t>
             </a:fld>
             <a:endParaRPr lang="hu-HU" noProof="0"/>
           </a:p>
@@ -3776,7 +4059,7 @@
           <a:lstStyle/>
           <a:p>
             <a:r>
-              <a:rPr lang="hu-HU" smtClean="0"/>
+              <a:rPr lang="hu-HU"/>
               <a:t>Mintacím szerkesztése</a:t>
             </a:r>
             <a:endParaRPr lang="en-US" dirty="0"/>
@@ -3864,7 +4147,7 @@
           <a:lstStyle/>
           <a:p>
             <a:r>
-              <a:rPr lang="hu-HU" smtClean="0"/>
+              <a:rPr lang="hu-HU"/>
               <a:t>Mintacím szerkesztése</a:t>
             </a:r>
             <a:endParaRPr lang="en-US" dirty="0"/>
@@ -3893,35 +4176,35 @@
           <a:p>
             <a:pPr lvl="0"/>
             <a:r>
-              <a:rPr lang="hu-HU" smtClean="0"/>
+              <a:rPr lang="hu-HU"/>
               <a:t>Mintaszöveg szerkesztése</a:t>
             </a:r>
           </a:p>
           <a:p>
             <a:pPr lvl="1"/>
             <a:r>
-              <a:rPr lang="hu-HU" smtClean="0"/>
+              <a:rPr lang="hu-HU"/>
               <a:t>Második szint</a:t>
             </a:r>
           </a:p>
           <a:p>
             <a:pPr lvl="2"/>
             <a:r>
-              <a:rPr lang="hu-HU" smtClean="0"/>
+              <a:rPr lang="hu-HU"/>
               <a:t>Harmadik szint</a:t>
             </a:r>
           </a:p>
           <a:p>
             <a:pPr lvl="3"/>
             <a:r>
-              <a:rPr lang="hu-HU" smtClean="0"/>
+              <a:rPr lang="hu-HU"/>
               <a:t>Negyedik szint</a:t>
             </a:r>
           </a:p>
           <a:p>
             <a:pPr lvl="4"/>
             <a:r>
-              <a:rPr lang="hu-HU" smtClean="0"/>
+              <a:rPr lang="hu-HU"/>
               <a:t>Ötödik szint</a:t>
             </a:r>
             <a:endParaRPr lang="en-US" dirty="0"/>
@@ -3946,7 +4229,7 @@
             <a:pPr rtl="0"/>
             <a:fld id="{CF6000FC-FCE1-4C40-9BAB-39B4A88F9D88}" type="datetime1">
               <a:rPr lang="hu-HU" noProof="0" smtClean="0"/>
-              <a:t>2022.09.15.</a:t>
+              <a:t>2022. 09. 25.</a:t>
             </a:fld>
             <a:endParaRPr lang="hu-HU" noProof="0"/>
           </a:p>
@@ -4072,7 +4355,7 @@
           <a:lstStyle/>
           <a:p>
             <a:r>
-              <a:rPr lang="hu-HU" smtClean="0"/>
+              <a:rPr lang="hu-HU"/>
               <a:t>Mintacím szerkesztése</a:t>
             </a:r>
             <a:endParaRPr lang="en-US" dirty="0"/>
@@ -4096,35 +4379,35 @@
           <a:p>
             <a:pPr lvl="0"/>
             <a:r>
-              <a:rPr lang="hu-HU" smtClean="0"/>
+              <a:rPr lang="hu-HU"/>
               <a:t>Mintaszöveg szerkesztése</a:t>
             </a:r>
           </a:p>
           <a:p>
             <a:pPr lvl="1"/>
             <a:r>
-              <a:rPr lang="hu-HU" smtClean="0"/>
+              <a:rPr lang="hu-HU"/>
               <a:t>Második szint</a:t>
             </a:r>
           </a:p>
           <a:p>
             <a:pPr lvl="2"/>
             <a:r>
-              <a:rPr lang="hu-HU" smtClean="0"/>
+              <a:rPr lang="hu-HU"/>
               <a:t>Harmadik szint</a:t>
             </a:r>
           </a:p>
           <a:p>
             <a:pPr lvl="3"/>
             <a:r>
-              <a:rPr lang="hu-HU" smtClean="0"/>
+              <a:rPr lang="hu-HU"/>
               <a:t>Negyedik szint</a:t>
             </a:r>
           </a:p>
           <a:p>
             <a:pPr lvl="4"/>
             <a:r>
-              <a:rPr lang="hu-HU" smtClean="0"/>
+              <a:rPr lang="hu-HU"/>
               <a:t>Ötödik szint</a:t>
             </a:r>
             <a:endParaRPr lang="en-US" dirty="0"/>
@@ -4149,7 +4432,7 @@
             <a:pPr rtl="0"/>
             <a:fld id="{19730356-25D2-4E83-A7B8-C4ADC8587BD3}" type="datetime1">
               <a:rPr lang="hu-HU" noProof="0" smtClean="0"/>
-              <a:t>2022.09.15.</a:t>
+              <a:t>2022. 09. 25.</a:t>
             </a:fld>
             <a:endParaRPr lang="hu-HU" noProof="0"/>
           </a:p>
@@ -4284,7 +4567,7 @@
           </a:lstStyle>
           <a:p>
             <a:r>
-              <a:rPr lang="hu-HU" smtClean="0"/>
+              <a:rPr lang="hu-HU"/>
               <a:t>Mintacím szerkesztése</a:t>
             </a:r>
             <a:endParaRPr lang="en-US" dirty="0"/>
@@ -4404,7 +4687,7 @@
           <a:p>
             <a:pPr lvl="0"/>
             <a:r>
-              <a:rPr lang="hu-HU" smtClean="0"/>
+              <a:rPr lang="hu-HU"/>
               <a:t>Mintaszöveg szerkesztése</a:t>
             </a:r>
           </a:p>
@@ -4428,7 +4711,7 @@
             <a:pPr rtl="0"/>
             <a:fld id="{813A1637-F711-4FD4-85F4-796FC4543345}" type="datetime1">
               <a:rPr lang="hu-HU" noProof="0" smtClean="0"/>
-              <a:t>2022.09.15.</a:t>
+              <a:t>2022. 09. 25.</a:t>
             </a:fld>
             <a:endParaRPr lang="hu-HU" noProof="0"/>
           </a:p>
@@ -4555,7 +4838,7 @@
           <a:lstStyle/>
           <a:p>
             <a:r>
-              <a:rPr lang="hu-HU" smtClean="0"/>
+              <a:rPr lang="hu-HU"/>
               <a:t>Mintacím szerkesztése</a:t>
             </a:r>
             <a:endParaRPr lang="en-US" dirty="0"/>
@@ -4586,35 +4869,35 @@
           <a:p>
             <a:pPr lvl="0"/>
             <a:r>
-              <a:rPr lang="hu-HU" smtClean="0"/>
+              <a:rPr lang="hu-HU"/>
               <a:t>Mintaszöveg szerkesztése</a:t>
             </a:r>
           </a:p>
           <a:p>
             <a:pPr lvl="1"/>
             <a:r>
-              <a:rPr lang="hu-HU" smtClean="0"/>
+              <a:rPr lang="hu-HU"/>
               <a:t>Második szint</a:t>
             </a:r>
           </a:p>
           <a:p>
             <a:pPr lvl="2"/>
             <a:r>
-              <a:rPr lang="hu-HU" smtClean="0"/>
+              <a:rPr lang="hu-HU"/>
               <a:t>Harmadik szint</a:t>
             </a:r>
           </a:p>
           <a:p>
             <a:pPr lvl="3"/>
             <a:r>
-              <a:rPr lang="hu-HU" smtClean="0"/>
+              <a:rPr lang="hu-HU"/>
               <a:t>Negyedik szint</a:t>
             </a:r>
           </a:p>
           <a:p>
             <a:pPr lvl="4"/>
             <a:r>
-              <a:rPr lang="hu-HU" smtClean="0"/>
+              <a:rPr lang="hu-HU"/>
               <a:t>Ötödik szint</a:t>
             </a:r>
             <a:endParaRPr lang="en-US" dirty="0"/>
@@ -4645,35 +4928,35 @@
           <a:p>
             <a:pPr lvl="0"/>
             <a:r>
-              <a:rPr lang="hu-HU" smtClean="0"/>
+              <a:rPr lang="hu-HU"/>
               <a:t>Mintaszöveg szerkesztése</a:t>
             </a:r>
           </a:p>
           <a:p>
             <a:pPr lvl="1"/>
             <a:r>
-              <a:rPr lang="hu-HU" smtClean="0"/>
+              <a:rPr lang="hu-HU"/>
               <a:t>Második szint</a:t>
             </a:r>
           </a:p>
           <a:p>
             <a:pPr lvl="2"/>
             <a:r>
-              <a:rPr lang="hu-HU" smtClean="0"/>
+              <a:rPr lang="hu-HU"/>
               <a:t>Harmadik szint</a:t>
             </a:r>
           </a:p>
           <a:p>
             <a:pPr lvl="3"/>
             <a:r>
-              <a:rPr lang="hu-HU" smtClean="0"/>
+              <a:rPr lang="hu-HU"/>
               <a:t>Negyedik szint</a:t>
             </a:r>
           </a:p>
           <a:p>
             <a:pPr lvl="4"/>
             <a:r>
-              <a:rPr lang="hu-HU" smtClean="0"/>
+              <a:rPr lang="hu-HU"/>
               <a:t>Ötödik szint</a:t>
             </a:r>
             <a:endParaRPr lang="en-US" dirty="0"/>
@@ -4698,7 +4981,7 @@
             <a:pPr rtl="0"/>
             <a:fld id="{4B4976FB-FBCE-40A1-9B83-A9B94C11CE00}" type="datetime1">
               <a:rPr lang="hu-HU" noProof="0" smtClean="0"/>
-              <a:t>2022.09.15.</a:t>
+              <a:t>2022. 09. 25.</a:t>
             </a:fld>
             <a:endParaRPr lang="hu-HU" noProof="0"/>
           </a:p>
@@ -4800,7 +5083,7 @@
           </a:lstStyle>
           <a:p>
             <a:r>
-              <a:rPr lang="hu-HU" smtClean="0"/>
+              <a:rPr lang="hu-HU"/>
               <a:t>Mintacím szerkesztése</a:t>
             </a:r>
             <a:endParaRPr lang="en-US" dirty="0"/>
@@ -4868,7 +5151,7 @@
           <a:p>
             <a:pPr lvl="0"/>
             <a:r>
-              <a:rPr lang="hu-HU" smtClean="0"/>
+              <a:rPr lang="hu-HU"/>
               <a:t>Mintaszöveg szerkesztése</a:t>
             </a:r>
           </a:p>
@@ -4898,35 +5181,35 @@
           <a:p>
             <a:pPr lvl="0"/>
             <a:r>
-              <a:rPr lang="hu-HU" smtClean="0"/>
+              <a:rPr lang="hu-HU"/>
               <a:t>Mintaszöveg szerkesztése</a:t>
             </a:r>
           </a:p>
           <a:p>
             <a:pPr lvl="1"/>
             <a:r>
-              <a:rPr lang="hu-HU" smtClean="0"/>
+              <a:rPr lang="hu-HU"/>
               <a:t>Második szint</a:t>
             </a:r>
           </a:p>
           <a:p>
             <a:pPr lvl="2"/>
             <a:r>
-              <a:rPr lang="hu-HU" smtClean="0"/>
+              <a:rPr lang="hu-HU"/>
               <a:t>Harmadik szint</a:t>
             </a:r>
           </a:p>
           <a:p>
             <a:pPr lvl="3"/>
             <a:r>
-              <a:rPr lang="hu-HU" smtClean="0"/>
+              <a:rPr lang="hu-HU"/>
               <a:t>Negyedik szint</a:t>
             </a:r>
           </a:p>
           <a:p>
             <a:pPr lvl="4"/>
             <a:r>
-              <a:rPr lang="hu-HU" smtClean="0"/>
+              <a:rPr lang="hu-HU"/>
               <a:t>Ötödik szint</a:t>
             </a:r>
             <a:endParaRPr lang="en-US" dirty="0"/>
@@ -4994,7 +5277,7 @@
           <a:p>
             <a:pPr lvl="0"/>
             <a:r>
-              <a:rPr lang="hu-HU" smtClean="0"/>
+              <a:rPr lang="hu-HU"/>
               <a:t>Mintaszöveg szerkesztése</a:t>
             </a:r>
           </a:p>
@@ -5024,35 +5307,35 @@
           <a:p>
             <a:pPr lvl="0"/>
             <a:r>
-              <a:rPr lang="hu-HU" smtClean="0"/>
+              <a:rPr lang="hu-HU"/>
               <a:t>Mintaszöveg szerkesztése</a:t>
             </a:r>
           </a:p>
           <a:p>
             <a:pPr lvl="1"/>
             <a:r>
-              <a:rPr lang="hu-HU" smtClean="0"/>
+              <a:rPr lang="hu-HU"/>
               <a:t>Második szint</a:t>
             </a:r>
           </a:p>
           <a:p>
             <a:pPr lvl="2"/>
             <a:r>
-              <a:rPr lang="hu-HU" smtClean="0"/>
+              <a:rPr lang="hu-HU"/>
               <a:t>Harmadik szint</a:t>
             </a:r>
           </a:p>
           <a:p>
             <a:pPr lvl="3"/>
             <a:r>
-              <a:rPr lang="hu-HU" smtClean="0"/>
+              <a:rPr lang="hu-HU"/>
               <a:t>Negyedik szint</a:t>
             </a:r>
           </a:p>
           <a:p>
             <a:pPr lvl="4"/>
             <a:r>
-              <a:rPr lang="hu-HU" smtClean="0"/>
+              <a:rPr lang="hu-HU"/>
               <a:t>Ötödik szint</a:t>
             </a:r>
             <a:endParaRPr lang="en-US" dirty="0"/>
@@ -5077,7 +5360,7 @@
             <a:pPr rtl="0"/>
             <a:fld id="{EE72ECD5-77CD-40D9-8E6A-18B1F171A124}" type="datetime1">
               <a:rPr lang="hu-HU" noProof="0" smtClean="0"/>
-              <a:t>2022.09.15.</a:t>
+              <a:t>2022. 09. 25.</a:t>
             </a:fld>
             <a:endParaRPr lang="hu-HU" noProof="0"/>
           </a:p>
@@ -5203,7 +5486,7 @@
           <a:lstStyle/>
           <a:p>
             <a:r>
-              <a:rPr lang="hu-HU" smtClean="0"/>
+              <a:rPr lang="hu-HU"/>
               <a:t>Mintacím szerkesztése</a:t>
             </a:r>
             <a:endParaRPr lang="en-US" dirty="0"/>
@@ -5228,7 +5511,7 @@
             <a:pPr rtl="0"/>
             <a:fld id="{3270B680-524D-44FE-8CD2-07C25BB9AD09}" type="datetime1">
               <a:rPr lang="hu-HU" noProof="0" smtClean="0"/>
-              <a:t>2022.09.15.</a:t>
+              <a:t>2022. 09. 25.</a:t>
             </a:fld>
             <a:endParaRPr lang="hu-HU" noProof="0"/>
           </a:p>
@@ -5356,7 +5639,7 @@
             <a:pPr rtl="0"/>
             <a:fld id="{3D1C841F-378D-486E-80A5-3EDB5DFF52F7}" type="datetime1">
               <a:rPr lang="hu-HU" noProof="0" smtClean="0"/>
-              <a:t>2022.09.15.</a:t>
+              <a:t>2022. 09. 25.</a:t>
             </a:fld>
             <a:endParaRPr lang="hu-HU" noProof="0"/>
           </a:p>
@@ -5493,7 +5776,7 @@
           </a:lstStyle>
           <a:p>
             <a:r>
-              <a:rPr lang="hu-HU" smtClean="0"/>
+              <a:rPr lang="hu-HU"/>
               <a:t>Mintacím szerkesztése</a:t>
             </a:r>
             <a:endParaRPr lang="en-US" dirty="0"/>
@@ -5524,35 +5807,35 @@
           <a:p>
             <a:pPr lvl="0"/>
             <a:r>
-              <a:rPr lang="hu-HU" smtClean="0"/>
+              <a:rPr lang="hu-HU"/>
               <a:t>Mintaszöveg szerkesztése</a:t>
             </a:r>
           </a:p>
           <a:p>
             <a:pPr lvl="1"/>
             <a:r>
-              <a:rPr lang="hu-HU" smtClean="0"/>
+              <a:rPr lang="hu-HU"/>
               <a:t>Második szint</a:t>
             </a:r>
           </a:p>
           <a:p>
             <a:pPr lvl="2"/>
             <a:r>
-              <a:rPr lang="hu-HU" smtClean="0"/>
+              <a:rPr lang="hu-HU"/>
               <a:t>Harmadik szint</a:t>
             </a:r>
           </a:p>
           <a:p>
             <a:pPr lvl="3"/>
             <a:r>
-              <a:rPr lang="hu-HU" smtClean="0"/>
+              <a:rPr lang="hu-HU"/>
               <a:t>Negyedik szint</a:t>
             </a:r>
           </a:p>
           <a:p>
             <a:pPr lvl="4"/>
             <a:r>
-              <a:rPr lang="hu-HU" smtClean="0"/>
+              <a:rPr lang="hu-HU"/>
               <a:t>Ötödik szint</a:t>
             </a:r>
             <a:endParaRPr lang="en-US" dirty="0"/>
@@ -5620,7 +5903,7 @@
           <a:p>
             <a:pPr lvl="0"/>
             <a:r>
-              <a:rPr lang="hu-HU" smtClean="0"/>
+              <a:rPr lang="hu-HU"/>
               <a:t>Mintaszöveg szerkesztése</a:t>
             </a:r>
           </a:p>
@@ -5644,7 +5927,7 @@
             <a:pPr rtl="0"/>
             <a:fld id="{C13C4162-F167-4A0B-BF4E-3F47C180706D}" type="datetime1">
               <a:rPr lang="hu-HU" noProof="0" smtClean="0"/>
-              <a:t>2022.09.15.</a:t>
+              <a:t>2022. 09. 25.</a:t>
             </a:fld>
             <a:endParaRPr lang="hu-HU" noProof="0"/>
           </a:p>
@@ -5782,7 +6065,7 @@
           </a:lstStyle>
           <a:p>
             <a:r>
-              <a:rPr lang="hu-HU" smtClean="0"/>
+              <a:rPr lang="hu-HU"/>
               <a:t>Mintacím szerkesztése</a:t>
             </a:r>
             <a:endParaRPr lang="en-US" dirty="0"/>
@@ -5880,7 +6163,7 @@
           </a:lstStyle>
           <a:p>
             <a:r>
-              <a:rPr lang="hu-HU" smtClean="0"/>
+              <a:rPr lang="hu-HU"/>
               <a:t>Kép beszúrásához kattintson az ikonra</a:t>
             </a:r>
             <a:endParaRPr lang="en-US" dirty="0"/>
@@ -5948,7 +6231,7 @@
           <a:p>
             <a:pPr lvl="0"/>
             <a:r>
-              <a:rPr lang="hu-HU" smtClean="0"/>
+              <a:rPr lang="hu-HU"/>
               <a:t>Mintaszöveg szerkesztése</a:t>
             </a:r>
           </a:p>
@@ -5972,7 +6255,7 @@
             <a:pPr rtl="0"/>
             <a:fld id="{D25A1FEC-75C4-4961-8D44-05149E6B7972}" type="datetime1">
               <a:rPr lang="hu-HU" noProof="0" smtClean="0"/>
-              <a:t>2022.09.15.</a:t>
+              <a:t>2022. 09. 25.</a:t>
             </a:fld>
             <a:endParaRPr lang="hu-HU" noProof="0"/>
           </a:p>
@@ -6085,7 +6368,7 @@
           <a:lstStyle/>
           <a:p>
             <a:r>
-              <a:rPr lang="hu-HU" smtClean="0"/>
+              <a:rPr lang="hu-HU"/>
               <a:t>Mintacím szerkesztése</a:t>
             </a:r>
             <a:endParaRPr lang="en-US" dirty="0"/>
@@ -6119,35 +6402,35 @@
           <a:p>
             <a:pPr lvl="0"/>
             <a:r>
-              <a:rPr lang="hu-HU" smtClean="0"/>
+              <a:rPr lang="hu-HU"/>
               <a:t>Mintaszöveg szerkesztése</a:t>
             </a:r>
           </a:p>
           <a:p>
             <a:pPr lvl="1"/>
             <a:r>
-              <a:rPr lang="hu-HU" smtClean="0"/>
+              <a:rPr lang="hu-HU"/>
               <a:t>Második szint</a:t>
             </a:r>
           </a:p>
           <a:p>
             <a:pPr lvl="2"/>
             <a:r>
-              <a:rPr lang="hu-HU" smtClean="0"/>
+              <a:rPr lang="hu-HU"/>
               <a:t>Harmadik szint</a:t>
             </a:r>
           </a:p>
           <a:p>
             <a:pPr lvl="3"/>
             <a:r>
-              <a:rPr lang="hu-HU" smtClean="0"/>
+              <a:rPr lang="hu-HU"/>
               <a:t>Negyedik szint</a:t>
             </a:r>
           </a:p>
           <a:p>
             <a:pPr lvl="4"/>
             <a:r>
-              <a:rPr lang="hu-HU" smtClean="0"/>
+              <a:rPr lang="hu-HU"/>
               <a:t>Ötödik szint</a:t>
             </a:r>
             <a:endParaRPr lang="en-US" dirty="0"/>
@@ -6190,7 +6473,7 @@
             <a:pPr rtl="0"/>
             <a:fld id="{4B4976FB-FBCE-40A1-9B83-A9B94C11CE00}" type="datetime1">
               <a:rPr lang="hu-HU" noProof="0" smtClean="0"/>
-              <a:t>2022.09.15.</a:t>
+              <a:t>2022. 09. 25.</a:t>
             </a:fld>
             <a:endParaRPr lang="hu-HU" noProof="0"/>
           </a:p>
@@ -6766,7 +7049,7 @@
         </p:nvSpPr>
         <p:spPr>
           <a:xfrm>
-            <a:off x="2323170" y="3054016"/>
+            <a:off x="2217292" y="2591549"/>
             <a:ext cx="7197726" cy="1274076"/>
           </a:xfrm>
         </p:spPr>
@@ -6778,16 +7061,12 @@
           <a:p>
             <a:pPr algn="ctr" rtl="0"/>
             <a:r>
-              <a:rPr lang="hu-HU" b="1" dirty="0" smtClean="0">
+              <a:rPr lang="hu-HU" b="1" dirty="0">
                 <a:latin typeface="Times New Roman" panose="02020603050405020304" pitchFamily="18" charset="0"/>
                 <a:cs typeface="Times New Roman" panose="02020603050405020304" pitchFamily="18" charset="0"/>
               </a:rPr>
               <a:t>Python</a:t>
             </a:r>
-            <a:endParaRPr lang="hu-HU" b="1" dirty="0">
-              <a:latin typeface="Times New Roman" panose="02020603050405020304" pitchFamily="18" charset="0"/>
-              <a:cs typeface="Times New Roman" panose="02020603050405020304" pitchFamily="18" charset="0"/>
-            </a:endParaRPr>
           </a:p>
         </p:txBody>
       </p:sp>
@@ -6814,7 +7093,7 @@
         </p:blipFill>
         <p:spPr bwMode="auto">
           <a:xfrm>
-            <a:off x="7569432" y="3330459"/>
+            <a:off x="7463554" y="2867992"/>
             <a:ext cx="1217121" cy="1333762"/>
           </a:xfrm>
           <a:prstGeom prst="rect">
@@ -6842,21 +7121,6 @@
   <p:clrMapOvr>
     <a:masterClrMapping/>
   </p:clrMapOvr>
-  <mc:AlternateContent xmlns:mc="http://schemas.openxmlformats.org/markup-compatibility/2006">
-    <mc:Choice xmlns:p14="http://schemas.microsoft.com/office/powerpoint/2010/main" Requires="p14">
-      <p:transition p14:dur="0"/>
-    </mc:Choice>
-    <mc:Fallback>
-      <p:transition/>
-    </mc:Fallback>
-  </mc:AlternateContent>
-  <p:timing>
-    <p:tnLst>
-      <p:par>
-        <p:cTn id="1" dur="indefinite" restart="never" nodeType="tmRoot"/>
-      </p:par>
-    </p:tnLst>
-  </p:timing>
 </p:sld>
 </file>
 
@@ -6893,14 +7157,14 @@
           <a:lstStyle/>
           <a:p>
             <a:r>
-              <a:rPr lang="hu-HU" dirty="0" smtClean="0"/>
+              <a:rPr lang="hu-HU" b="1" dirty="0"/>
               <a:t>Guido van </a:t>
             </a:r>
             <a:r>
-              <a:rPr lang="hu-HU" dirty="0" err="1" smtClean="0"/>
+              <a:rPr lang="hu-HU" b="1" dirty="0" err="1"/>
               <a:t>rossum</a:t>
             </a:r>
-            <a:endParaRPr lang="hu-HU" dirty="0"/>
+            <a:endParaRPr lang="hu-HU" b="1" dirty="0"/>
           </a:p>
         </p:txBody>
       </p:sp>
@@ -6924,30 +7188,40 @@
               <a:t> </a:t>
             </a:r>
             <a:r>
-              <a:rPr lang="hu-HU" dirty="0" smtClean="0"/>
+              <a:rPr lang="hu-HU" sz="1800" dirty="0">
+                <a:effectLst/>
+                <a:latin typeface="Segoe UI" panose="020B0502040204020203" pitchFamily="34" charset="0"/>
+              </a:rPr>
+              <a:t>1980-as évek végén</a:t>
+            </a:r>
+          </a:p>
+          <a:p>
+            <a:r>
+              <a:rPr lang="hu-HU" sz="1800" dirty="0">
+                <a:effectLst/>
+                <a:latin typeface="Segoe UI" panose="020B0502040204020203" pitchFamily="34" charset="0"/>
+              </a:rPr>
+              <a:t>A CWI-n  </a:t>
+            </a:r>
+            <a:endParaRPr lang="hu-HU" dirty="0"/>
+          </a:p>
+          <a:p>
+            <a:r>
+              <a:rPr lang="hu-HU" dirty="0"/>
               <a:t>holland programozó</a:t>
             </a:r>
           </a:p>
           <a:p>
             <a:r>
-              <a:rPr lang="hu-HU" dirty="0" smtClean="0"/>
-              <a:t>fejleszteni </a:t>
-            </a:r>
-            <a:r>
               <a:rPr lang="hu-HU" dirty="0"/>
-              <a:t>1989 </a:t>
-            </a:r>
-            <a:r>
-              <a:rPr lang="hu-HU" dirty="0" smtClean="0"/>
-              <a:t>végén kezdte, </a:t>
-            </a:r>
-          </a:p>
-          <a:p>
-            <a:r>
-              <a:rPr lang="hu-HU" dirty="0" smtClean="0"/>
+              <a:t>Megvalósítani 1989 végén kezdte, </a:t>
+            </a:r>
+          </a:p>
+          <a:p>
+            <a:r>
+              <a:rPr lang="hu-HU" dirty="0"/>
               <a:t>nyilvánosságra 1991-ben hozta</a:t>
             </a:r>
-            <a:endParaRPr lang="hu-HU" dirty="0"/>
           </a:p>
         </p:txBody>
       </p:sp>
@@ -7015,22 +7289,24 @@
   <p:clrMapOvr>
     <a:masterClrMapping/>
   </p:clrMapOvr>
-  <p:transition spd="slow">
+  <p:transition>
     <p:push dir="u"/>
   </p:transition>
-  <p:timing>
-    <p:tnLst>
-      <p:par>
-        <p:cTn id="1" dur="indefinite" restart="never" nodeType="tmRoot"/>
-      </p:par>
-    </p:tnLst>
-  </p:timing>
 </p:sld>
 </file>
 
 <file path=ppt/slides/slide3.xml><?xml version="1.0" encoding="utf-8"?>
 <p:sld xmlns:a="http://schemas.openxmlformats.org/drawingml/2006/main" xmlns:r="http://schemas.openxmlformats.org/officeDocument/2006/relationships" xmlns:p="http://schemas.openxmlformats.org/presentationml/2006/main">
   <p:cSld>
+    <p:bg>
+      <p:bgPr>
+        <a:blipFill>
+          <a:blip r:embed="rId3"/>
+          <a:stretch/>
+        </a:blipFill>
+        <a:effectLst/>
+      </p:bgPr>
+    </p:bg>
     <p:spTree>
       <p:nvGrpSpPr>
         <p:cNvPr id="1" name=""/>
@@ -7055,7 +7331,12 @@
             <p:ph type="title"/>
           </p:nvPr>
         </p:nvSpPr>
-        <p:spPr/>
+        <p:spPr>
+          <a:xfrm>
+            <a:off x="825909" y="808055"/>
+            <a:ext cx="3979205" cy="1453363"/>
+          </a:xfrm>
+        </p:spPr>
         <p:txBody>
           <a:bodyPr>
             <a:normAutofit/>
@@ -7063,10 +7344,9 @@
           <a:lstStyle/>
           <a:p>
             <a:r>
-              <a:rPr lang="hu-HU" sz="6000" b="1" dirty="0" smtClean="0"/>
-              <a:t>Python</a:t>
-            </a:r>
-            <a:endParaRPr lang="hu-HU" sz="6000" dirty="0"/>
+              <a:rPr lang="hu-HU" b="1" dirty="0"/>
+              <a:t>Története</a:t>
+            </a:r>
           </a:p>
         </p:txBody>
       </p:sp>
@@ -7082,52 +7362,60 @@
         </p:nvSpPr>
         <p:spPr>
           <a:xfrm>
-            <a:off x="685801" y="2434167"/>
-            <a:ext cx="10131425" cy="3649133"/>
+            <a:off x="802178" y="2261420"/>
+            <a:ext cx="4002936" cy="3637935"/>
           </a:xfrm>
         </p:spPr>
         <p:txBody>
-          <a:bodyPr/>
+          <a:bodyPr>
+            <a:normAutofit/>
+          </a:bodyPr>
           <a:lstStyle/>
           <a:p>
             <a:r>
               <a:rPr lang="hu-HU" dirty="0"/>
-              <a:t>A nyelv tervezési </a:t>
-            </a:r>
-            <a:r>
-              <a:rPr lang="hu-HU" dirty="0" smtClean="0"/>
-              <a:t>filozófiája</a:t>
-            </a:r>
-          </a:p>
-          <a:p>
-            <a:r>
-              <a:rPr lang="hu-HU" dirty="0"/>
-              <a:t> Á</a:t>
-            </a:r>
-            <a:r>
-              <a:rPr lang="hu-HU" dirty="0" smtClean="0"/>
-              <a:t>ltalános célú</a:t>
-            </a:r>
-            <a:endParaRPr lang="hu-HU" dirty="0"/>
-          </a:p>
-          <a:p>
-            <a:r>
-              <a:rPr lang="hu-HU" dirty="0" smtClean="0"/>
-              <a:t>Nagyon magas szintű programozási </a:t>
-            </a:r>
-            <a:r>
-              <a:rPr lang="hu-HU" dirty="0" smtClean="0"/>
-              <a:t>nyelv</a:t>
-            </a:r>
-          </a:p>
-          <a:p>
-            <a:r>
-              <a:rPr lang="hu-HU" dirty="0"/>
-              <a:t>Dinamikus típusokat és automatikus memóriakezelést </a:t>
-            </a:r>
-            <a:r>
-              <a:rPr lang="hu-HU" dirty="0" smtClean="0"/>
-              <a:t>használ</a:t>
+              <a:t>Monty Python csoport</a:t>
+            </a:r>
+          </a:p>
+          <a:p>
+            <a:r>
+              <a:rPr lang="hu-HU" sz="1800" dirty="0">
+                <a:effectLst/>
+                <a:latin typeface="Segoe UI" panose="020B0502040204020203" pitchFamily="34" charset="0"/>
+              </a:rPr>
+              <a:t>ABC programozási nyelv</a:t>
+            </a:r>
+          </a:p>
+          <a:p>
+            <a:r>
+              <a:rPr lang="hu-HU" sz="1800" dirty="0">
+                <a:effectLst/>
+                <a:latin typeface="Segoe UI" panose="020B0502040204020203" pitchFamily="34" charset="0"/>
+              </a:rPr>
+              <a:t>2018. július 12. Van </a:t>
+            </a:r>
+            <a:r>
+              <a:rPr lang="hu-HU" sz="1800" dirty="0" err="1">
+                <a:effectLst/>
+                <a:latin typeface="Segoe UI" panose="020B0502040204020203" pitchFamily="34" charset="0"/>
+              </a:rPr>
+              <a:t>Rossum</a:t>
+            </a:r>
+            <a:r>
+              <a:rPr lang="hu-HU" sz="1800" dirty="0">
+                <a:effectLst/>
+                <a:latin typeface="Segoe UI" panose="020B0502040204020203" pitchFamily="34" charset="0"/>
+              </a:rPr>
+              <a:t> állandó szabadság </a:t>
+            </a:r>
+          </a:p>
+          <a:p>
+            <a:r>
+              <a:rPr lang="hu-HU" sz="1800" dirty="0">
+                <a:effectLst/>
+                <a:latin typeface="Segoe UI" panose="020B0502040204020203" pitchFamily="34" charset="0"/>
+              </a:rPr>
+              <a:t>2019 irányító választás</a:t>
             </a:r>
             <a:endParaRPr lang="hu-HU" dirty="0"/>
           </a:p>
@@ -7135,14 +7423,20 @@
       </p:sp>
       <p:pic>
         <p:nvPicPr>
-          <p:cNvPr id="2056" name="Picture 8" descr="Weird Python Stuff You Might Not Have Seen Before | by Emmett Boudreau |  Towards Data Science"/>
+          <p:cNvPr id="1028" name="Picture 4">
+            <a:extLst>
+              <a:ext uri="{FF2B5EF4-FFF2-40B4-BE49-F238E27FC236}">
+                <a16:creationId xmlns:a16="http://schemas.microsoft.com/office/drawing/2014/main" id="{1D9C5B12-FC4E-6695-148A-C5F4B8685AC5}"/>
+              </a:ext>
+            </a:extLst>
+          </p:cNvPr>
           <p:cNvPicPr>
             <a:picLocks noChangeAspect="1" noChangeArrowheads="1"/>
           </p:cNvPicPr>
           <p:nvPr/>
         </p:nvPicPr>
         <p:blipFill>
-          <a:blip r:embed="rId2">
+          <a:blip r:embed="rId4">
             <a:extLst>
               <a:ext uri="{28A0092B-C50C-407E-A947-70E740481C1C}">
                 <a14:useLocalDpi xmlns:a14="http://schemas.microsoft.com/office/drawing/2010/main" val="0"/>
@@ -7156,32 +7450,28 @@
         </p:blipFill>
         <p:spPr bwMode="auto">
           <a:xfrm>
-            <a:off x="7459624" y="4601701"/>
-            <a:ext cx="2018913" cy="1367093"/>
+            <a:off x="6096000" y="3046861"/>
+            <a:ext cx="4847772" cy="1437288"/>
           </a:xfrm>
-          <a:prstGeom prst="roundRect">
-            <a:avLst>
-              <a:gd name="adj" fmla="val 8594"/>
-            </a:avLst>
+          <a:prstGeom prst="rect">
+            <a:avLst/>
           </a:prstGeom>
-          <a:solidFill>
-            <a:srgbClr val="FFFFFF">
-              <a:shade val="85000"/>
-            </a:srgbClr>
-          </a:solidFill>
-          <a:ln>
-            <a:noFill/>
-          </a:ln>
-          <a:effectLst>
-            <a:reflection blurRad="12700" stA="38000" endPos="28000" dist="5000" dir="5400000" sy="-100000" algn="bl" rotWithShape="0"/>
-          </a:effectLst>
-          <a:extLst/>
+          <a:noFill/>
+          <a:extLst>
+            <a:ext uri="{909E8E84-426E-40DD-AFC4-6F175D3DCCD1}">
+              <a14:hiddenFill xmlns:a14="http://schemas.microsoft.com/office/drawing/2010/main">
+                <a:solidFill>
+                  <a:srgbClr val="FFFFFF"/>
+                </a:solidFill>
+              </a14:hiddenFill>
+            </a:ext>
+          </a:extLst>
         </p:spPr>
       </p:pic>
     </p:spTree>
     <p:extLst>
       <p:ext uri="{BB962C8B-B14F-4D97-AF65-F5344CB8AC3E}">
-        <p14:creationId xmlns:p14="http://schemas.microsoft.com/office/powerpoint/2010/main" val="4039782669"/>
+        <p14:creationId xmlns:p14="http://schemas.microsoft.com/office/powerpoint/2010/main" val="734362868"/>
       </p:ext>
     </p:extLst>
   </p:cSld>
@@ -7190,8 +7480,8 @@
   </p:clrMapOvr>
   <mc:AlternateContent xmlns:mc="http://schemas.openxmlformats.org/markup-compatibility/2006">
     <mc:Choice xmlns:p14="http://schemas.microsoft.com/office/powerpoint/2010/main" Requires="p14">
-      <p:transition spd="slow">
-        <p14:flash/>
+      <p:transition spd="slow" p14:dur="1600">
+        <p14:conveyor dir="l"/>
       </p:transition>
     </mc:Choice>
     <mc:Fallback>
@@ -7200,19 +7490,21 @@
       </p:transition>
     </mc:Fallback>
   </mc:AlternateContent>
-  <p:timing>
-    <p:tnLst>
-      <p:par>
-        <p:cTn id="1" dur="indefinite" restart="never" nodeType="tmRoot"/>
-      </p:par>
-    </p:tnLst>
-  </p:timing>
 </p:sld>
 </file>
 
 <file path=ppt/slides/slide4.xml><?xml version="1.0" encoding="utf-8"?>
 <p:sld xmlns:a="http://schemas.openxmlformats.org/drawingml/2006/main" xmlns:r="http://schemas.openxmlformats.org/officeDocument/2006/relationships" xmlns:p="http://schemas.openxmlformats.org/presentationml/2006/main">
   <p:cSld>
+    <p:bg>
+      <p:bgPr>
+        <a:blipFill>
+          <a:blip r:embed="rId2"/>
+          <a:stretch/>
+        </a:blipFill>
+        <a:effectLst/>
+      </p:bgPr>
+    </p:bg>
     <p:spTree>
       <p:nvGrpSpPr>
         <p:cNvPr id="1" name=""/>
@@ -7227,6 +7519,158 @@
           <a:chExt cx="0" cy="0"/>
         </a:xfrm>
       </p:grpSpPr>
+      <p:sp useBgFill="1">
+        <p:nvSpPr>
+          <p:cNvPr id="2059" name="Rectangle 2058">
+            <a:extLst>
+              <a:ext uri="{FF2B5EF4-FFF2-40B4-BE49-F238E27FC236}">
+                <a16:creationId xmlns:a16="http://schemas.microsoft.com/office/drawing/2014/main" id="{CBD94887-6A10-4F62-8EE1-B2BCFA1F380F}"/>
+              </a:ext>
+              <a:ext uri="{C183D7F6-B498-43B3-948B-1728B52AA6E4}">
+                <adec:decorative xmlns:adec="http://schemas.microsoft.com/office/drawing/2017/decorative" val="1"/>
+              </a:ext>
+            </a:extLst>
+          </p:cNvPr>
+          <p:cNvSpPr>
+            <a:spLocks noGrp="1" noRot="1" noChangeAspect="1" noMove="1" noResize="1" noEditPoints="1" noAdjustHandles="1" noChangeArrowheads="1" noChangeShapeType="1" noTextEdit="1"/>
+          </p:cNvSpPr>
+          <p:nvPr>
+            <p:extLst>
+              <p:ext uri="{386F3935-93C4-4BCD-93E2-E3B085C9AB24}">
+                <p16:designElem xmlns:p16="http://schemas.microsoft.com/office/powerpoint/2015/main" val="1"/>
+              </p:ext>
+            </p:extLst>
+          </p:nvPr>
+        </p:nvSpPr>
+        <p:spPr>
+          <a:xfrm>
+            <a:off x="-3175" y="-1786"/>
+            <a:ext cx="12188825" cy="6856214"/>
+          </a:xfrm>
+          <a:prstGeom prst="rect">
+            <a:avLst/>
+          </a:prstGeom>
+          <a:ln>
+            <a:noFill/>
+          </a:ln>
+        </p:spPr>
+        <p:style>
+          <a:lnRef idx="2">
+            <a:schemeClr val="accent1">
+              <a:shade val="50000"/>
+            </a:schemeClr>
+          </a:lnRef>
+          <a:fillRef idx="1">
+            <a:schemeClr val="accent1"/>
+          </a:fillRef>
+          <a:effectRef idx="0">
+            <a:schemeClr val="accent1"/>
+          </a:effectRef>
+          <a:fontRef idx="minor">
+            <a:schemeClr val="lt1"/>
+          </a:fontRef>
+        </p:style>
+        <p:txBody>
+          <a:bodyPr rtlCol="0" anchor="ctr"/>
+          <a:lstStyle/>
+          <a:p>
+            <a:pPr algn="ctr"/>
+            <a:endParaRPr lang="en-US"/>
+          </a:p>
+        </p:txBody>
+      </p:sp>
+      <p:pic>
+        <p:nvPicPr>
+          <p:cNvPr id="2054" name="Picture 6" descr="Check out Top 10 Python IDE for Programming - Programmers UK">
+            <a:extLst>
+              <a:ext uri="{FF2B5EF4-FFF2-40B4-BE49-F238E27FC236}">
+                <a16:creationId xmlns:a16="http://schemas.microsoft.com/office/drawing/2014/main" id="{9D1691C6-F5E8-6235-B9A1-E724523011B2}"/>
+              </a:ext>
+            </a:extLst>
+          </p:cNvPr>
+          <p:cNvPicPr>
+            <a:picLocks noChangeAspect="1" noChangeArrowheads="1"/>
+          </p:cNvPicPr>
+          <p:nvPr/>
+        </p:nvPicPr>
+        <p:blipFill rotWithShape="1">
+          <a:blip r:embed="rId3">
+            <a:alphaModFix amt="20000"/>
+            <a:extLst>
+              <a:ext uri="{28A0092B-C50C-407E-A947-70E740481C1C}">
+                <a14:useLocalDpi xmlns:a14="http://schemas.microsoft.com/office/drawing/2010/main" val="0"/>
+              </a:ext>
+            </a:extLst>
+          </a:blip>
+          <a:srcRect t="1639" b="6148"/>
+          <a:stretch/>
+        </p:blipFill>
+        <p:spPr bwMode="auto">
+          <a:xfrm>
+            <a:off x="20" y="10"/>
+            <a:ext cx="12191980" cy="6857990"/>
+          </a:xfrm>
+          <a:prstGeom prst="rect">
+            <a:avLst/>
+          </a:prstGeom>
+          <a:noFill/>
+          <a:extLst>
+            <a:ext uri="{909E8E84-426E-40DD-AFC4-6F175D3DCCD1}">
+              <a14:hiddenFill xmlns:a14="http://schemas.microsoft.com/office/drawing/2010/main">
+                <a:solidFill>
+                  <a:srgbClr val="FFFFFF"/>
+                </a:solidFill>
+              </a14:hiddenFill>
+            </a:ext>
+          </a:extLst>
+        </p:spPr>
+      </p:pic>
+      <p:pic>
+        <p:nvPicPr>
+          <p:cNvPr id="2061" name="Picture 2060">
+            <a:extLst>
+              <a:ext uri="{FF2B5EF4-FFF2-40B4-BE49-F238E27FC236}">
+                <a16:creationId xmlns:a16="http://schemas.microsoft.com/office/drawing/2014/main" id="{A3D512BA-228A-4979-9312-ACD246E1099D}"/>
+              </a:ext>
+              <a:ext uri="{C183D7F6-B498-43B3-948B-1728B52AA6E4}">
+                <adec:decorative xmlns:adec="http://schemas.microsoft.com/office/drawing/2017/decorative" val="1"/>
+              </a:ext>
+            </a:extLst>
+          </p:cNvPr>
+          <p:cNvPicPr>
+            <a:picLocks noGrp="1" noRot="1" noChangeAspect="1" noMove="1" noResize="1" noEditPoints="1" noAdjustHandles="1" noChangeArrowheads="1" noChangeShapeType="1" noCrop="1"/>
+          </p:cNvPicPr>
+          <p:nvPr>
+            <p:extLst>
+              <p:ext uri="{386F3935-93C4-4BCD-93E2-E3B085C9AB24}">
+                <p16:designElem xmlns:p16="http://schemas.microsoft.com/office/powerpoint/2015/main" val="1"/>
+              </p:ext>
+            </p:extLst>
+          </p:nvPr>
+        </p:nvPicPr>
+        <p:blipFill>
+          <a:blip r:embed="rId4">
+            <a:alphaModFix amt="39000"/>
+            <a:extLst>
+              <a:ext uri="{28A0092B-C50C-407E-A947-70E740481C1C}">
+                <a14:useLocalDpi xmlns:a14="http://schemas.microsoft.com/office/drawing/2010/main" val="0"/>
+              </a:ext>
+            </a:extLst>
+          </a:blip>
+          <a:stretch>
+            <a:fillRect/>
+          </a:stretch>
+        </p:blipFill>
+        <p:spPr>
+          <a:xfrm>
+            <a:off x="0" y="0"/>
+            <a:ext cx="12188825" cy="6856214"/>
+          </a:xfrm>
+          <a:prstGeom prst="rect">
+            <a:avLst/>
+          </a:prstGeom>
+        </p:spPr>
+      </p:pic>
       <p:sp>
         <p:nvSpPr>
           <p:cNvPr id="2" name="Cím 1"/>
@@ -7237,16 +7681,23 @@
             <p:ph type="title"/>
           </p:nvPr>
         </p:nvSpPr>
-        <p:spPr/>
-        <p:txBody>
-          <a:bodyPr/>
+        <p:spPr>
+          <a:xfrm>
+            <a:off x="685801" y="609600"/>
+            <a:ext cx="10131425" cy="1456267"/>
+          </a:xfrm>
+        </p:spPr>
+        <p:txBody>
+          <a:bodyPr>
+            <a:normAutofit/>
+          </a:bodyPr>
           <a:lstStyle/>
           <a:p>
             <a:r>
-              <a:rPr lang="hu-HU" dirty="0" smtClean="0"/>
-              <a:t>Története</a:t>
-            </a:r>
-            <a:endParaRPr lang="hu-HU" dirty="0"/>
+              <a:rPr lang="hu-HU" b="1"/>
+              <a:t>Python</a:t>
+            </a:r>
+            <a:endParaRPr lang="hu-HU"/>
           </a:p>
         </p:txBody>
       </p:sp>
@@ -7260,86 +7711,47 @@
             <p:ph idx="1"/>
           </p:nvPr>
         </p:nvSpPr>
-        <p:spPr/>
-        <p:txBody>
-          <a:bodyPr/>
+        <p:spPr>
+          <a:xfrm>
+            <a:off x="685801" y="2142067"/>
+            <a:ext cx="10131425" cy="3649133"/>
+          </a:xfrm>
+        </p:spPr>
+        <p:txBody>
+          <a:bodyPr>
+            <a:normAutofit/>
+          </a:bodyPr>
           <a:lstStyle/>
           <a:p>
             <a:r>
-              <a:rPr lang="hu-HU" dirty="0" smtClean="0"/>
-              <a:t>Alapötlete - 1980</a:t>
-            </a:r>
-          </a:p>
-          <a:p>
-            <a:r>
-              <a:rPr lang="es-ES" dirty="0" smtClean="0"/>
-              <a:t>A </a:t>
-            </a:r>
-            <a:r>
-              <a:rPr lang="es-ES" dirty="0"/>
-              <a:t>fejlesztést </a:t>
-            </a:r>
-            <a:r>
-              <a:rPr lang="hu-HU" dirty="0" smtClean="0"/>
-              <a:t>- </a:t>
-            </a:r>
-            <a:r>
-              <a:rPr lang="es-ES" dirty="0" smtClean="0"/>
-              <a:t>1989</a:t>
-            </a:r>
-            <a:endParaRPr lang="hu-HU" dirty="0" smtClean="0"/>
-          </a:p>
-          <a:p>
-            <a:r>
               <a:rPr lang="hu-HU" dirty="0"/>
-              <a:t>A CWI </a:t>
-            </a:r>
-            <a:endParaRPr lang="hu-HU" dirty="0" smtClean="0"/>
-          </a:p>
-          <a:p>
-            <a:r>
-              <a:rPr lang="hu-HU" dirty="0" smtClean="0"/>
-              <a:t>Monty </a:t>
-            </a:r>
-            <a:r>
-              <a:rPr lang="hu-HU" dirty="0" smtClean="0"/>
-              <a:t>Python</a:t>
-            </a:r>
+              <a:t>Általános célú</a:t>
+            </a:r>
+          </a:p>
+          <a:p>
             <a:r>
               <a:rPr lang="hu-HU" dirty="0"/>
-              <a:t> </a:t>
-            </a:r>
-            <a:r>
-              <a:rPr lang="hu-HU" dirty="0" smtClean="0"/>
-              <a:t>csoport</a:t>
-            </a:r>
-            <a:endParaRPr lang="hu-HU" dirty="0" smtClean="0"/>
+              <a:t>A nyelv tervezési filozófiája</a:t>
+            </a:r>
           </a:p>
           <a:p>
             <a:r>
               <a:rPr lang="hu-HU" dirty="0"/>
-              <a:t>1991 februárjában </a:t>
-            </a:r>
-            <a:r>
-              <a:rPr lang="hu-HU" dirty="0" smtClean="0"/>
-              <a:t>első </a:t>
-            </a:r>
+              <a:t>Használ</a:t>
+            </a:r>
+          </a:p>
+          <a:p>
             <a:r>
               <a:rPr lang="hu-HU" dirty="0"/>
-              <a:t>nyilvános </a:t>
-            </a:r>
-            <a:r>
-              <a:rPr lang="hu-HU" dirty="0" smtClean="0"/>
-              <a:t>változat</a:t>
-            </a:r>
-            <a:endParaRPr lang="hu-HU" dirty="0"/>
+              <a:t>Típusrendszer</a:t>
+            </a:r>
           </a:p>
         </p:txBody>
       </p:sp>
     </p:spTree>
     <p:extLst>
       <p:ext uri="{BB962C8B-B14F-4D97-AF65-F5344CB8AC3E}">
-        <p14:creationId xmlns:p14="http://schemas.microsoft.com/office/powerpoint/2010/main" val="734362868"/>
+        <p14:creationId xmlns:p14="http://schemas.microsoft.com/office/powerpoint/2010/main" val="4039782669"/>
       </p:ext>
     </p:extLst>
   </p:cSld>
@@ -7348,8 +7760,8 @@
   </p:clrMapOvr>
   <mc:AlternateContent xmlns:mc="http://schemas.openxmlformats.org/markup-compatibility/2006">
     <mc:Choice xmlns:p14="http://schemas.microsoft.com/office/powerpoint/2010/main" Requires="p14">
-      <p:transition spd="slow" p14:dur="1500">
-        <p14:glitter pattern="hexagon"/>
+      <p:transition spd="slow" p14:dur="1600">
+        <p14:prism isContent="1" isInverted="1"/>
       </p:transition>
     </mc:Choice>
     <mc:Fallback>
@@ -7358,19 +7770,21 @@
       </p:transition>
     </mc:Fallback>
   </mc:AlternateContent>
-  <p:timing>
-    <p:tnLst>
-      <p:par>
-        <p:cTn id="1" dur="indefinite" restart="never" nodeType="tmRoot"/>
-      </p:par>
-    </p:tnLst>
-  </p:timing>
 </p:sld>
 </file>
 
 <file path=ppt/slides/slide5.xml><?xml version="1.0" encoding="utf-8"?>
 <p:sld xmlns:a="http://schemas.openxmlformats.org/drawingml/2006/main" xmlns:r="http://schemas.openxmlformats.org/officeDocument/2006/relationships" xmlns:p="http://schemas.openxmlformats.org/presentationml/2006/main">
   <p:cSld>
+    <p:bg>
+      <p:bgPr>
+        <a:blipFill>
+          <a:blip r:embed="rId3"/>
+          <a:stretch/>
+        </a:blipFill>
+        <a:effectLst/>
+      </p:bgPr>
+    </p:bg>
     <p:spTree>
       <p:nvGrpSpPr>
         <p:cNvPr id="1" name=""/>
@@ -7395,12 +7809,22 @@
             <p:ph type="title"/>
           </p:nvPr>
         </p:nvSpPr>
-        <p:spPr/>
-        <p:txBody>
-          <a:bodyPr/>
+        <p:spPr>
+          <a:xfrm>
+            <a:off x="685802" y="609600"/>
+            <a:ext cx="6282266" cy="1456267"/>
+          </a:xfrm>
+        </p:spPr>
+        <p:txBody>
+          <a:bodyPr>
+            <a:normAutofit/>
+          </a:bodyPr>
           <a:lstStyle/>
           <a:p>
-            <a:endParaRPr lang="hu-HU"/>
+            <a:r>
+              <a:rPr lang="hu-HU" b="1" dirty="0"/>
+              <a:t>Tulajdonságok</a:t>
+            </a:r>
           </a:p>
         </p:txBody>
       </p:sp>
@@ -7414,39 +7838,128 @@
             <p:ph idx="1"/>
           </p:nvPr>
         </p:nvSpPr>
-        <p:spPr/>
-        <p:txBody>
-          <a:bodyPr/>
+        <p:spPr>
+          <a:xfrm>
+            <a:off x="685802" y="2142067"/>
+            <a:ext cx="6282266" cy="3649133"/>
+          </a:xfrm>
+        </p:spPr>
+        <p:txBody>
+          <a:bodyPr>
+            <a:normAutofit/>
+          </a:bodyPr>
           <a:lstStyle/>
           <a:p>
             <a:r>
-              <a:rPr lang="hu-HU" dirty="0"/>
-              <a:t>A Python többek között a funkcionális, az </a:t>
-            </a:r>
+              <a:rPr lang="hu-HU" sz="1800" dirty="0">
+                <a:effectLst/>
+                <a:latin typeface="Segoe UI" panose="020B0502040204020203" pitchFamily="34" charset="0"/>
+              </a:rPr>
+              <a:t>Könnyen kódolható</a:t>
+            </a:r>
+          </a:p>
+          <a:p>
+            <a:r>
+              <a:rPr lang="hu-HU" sz="1800" dirty="0">
+                <a:effectLst/>
+                <a:latin typeface="Segoe UI" panose="020B0502040204020203" pitchFamily="34" charset="0"/>
+              </a:rPr>
+              <a:t>Könnyen olvasható</a:t>
+            </a:r>
+          </a:p>
+          <a:p>
+            <a:r>
+              <a:rPr lang="hu-HU" sz="1800" dirty="0">
+                <a:effectLst/>
+                <a:latin typeface="Segoe UI" panose="020B0502040204020203" pitchFamily="34" charset="0"/>
+              </a:rPr>
+              <a:t>Ingyenes és nyílt forráskódú</a:t>
+            </a:r>
+            <a:endParaRPr lang="hu-HU" sz="1800" dirty="0">
+              <a:effectLst/>
+              <a:latin typeface="Arial" panose="020B0604020202020204" pitchFamily="34" charset="0"/>
+            </a:endParaRPr>
+          </a:p>
+          <a:p>
             <a:r>
               <a:rPr lang="hu-HU" dirty="0">
-                <a:hlinkClick r:id="rId2" tooltip="Objektumorientált programozás"/>
+                <a:latin typeface="Segoe UI" panose="020B0502040204020203" pitchFamily="34" charset="0"/>
               </a:rPr>
-              <a:t>objektumorientált</a:t>
-            </a:r>
-            <a:r>
-              <a:rPr lang="hu-HU" dirty="0"/>
-              <a:t>, az imperatív és a procedurális </a:t>
-            </a:r>
-            <a:r>
-              <a:rPr lang="hu-HU" dirty="0">
-                <a:hlinkClick r:id="rId3" tooltip="Programozási paradigma"/>
+              <a:t>Nagy</a:t>
+            </a:r>
+            <a:r>
+              <a:rPr lang="hu-HU" sz="1800" dirty="0">
+                <a:effectLst/>
+                <a:latin typeface="Segoe UI" panose="020B0502040204020203" pitchFamily="34" charset="0"/>
               </a:rPr>
-              <a:t>programozási paradigmákat</a:t>
-            </a:r>
-            <a:r>
-              <a:rPr lang="hu-HU" dirty="0"/>
-              <a:t> támogatja. </a:t>
-            </a:r>
-            <a:endParaRPr lang="hu-HU" dirty="0"/>
-          </a:p>
-        </p:txBody>
-      </p:sp>
+              <a:t> szabványos könyvtár</a:t>
+            </a:r>
+            <a:endParaRPr lang="hu-HU" dirty="0">
+              <a:latin typeface="Segoe UI" panose="020B0502040204020203" pitchFamily="34" charset="0"/>
+            </a:endParaRPr>
+          </a:p>
+          <a:p>
+            <a:pPr marL="342900" indent="-342900">
+              <a:buFont typeface="+mj-lt"/>
+              <a:buAutoNum type="arabicPeriod"/>
+            </a:pPr>
+            <a:endParaRPr lang="hu-HU" sz="1800" dirty="0">
+              <a:effectLst/>
+              <a:latin typeface="Arial" panose="020B0604020202020204" pitchFamily="34" charset="0"/>
+            </a:endParaRPr>
+          </a:p>
+        </p:txBody>
+      </p:sp>
+      <p:pic>
+        <p:nvPicPr>
+          <p:cNvPr id="2056" name="Picture 8" descr="Features of Python | Top 10 Features of Python programming | Edureka">
+            <a:extLst>
+              <a:ext uri="{FF2B5EF4-FFF2-40B4-BE49-F238E27FC236}">
+                <a16:creationId xmlns:a16="http://schemas.microsoft.com/office/drawing/2014/main" id="{40DC21B4-D56F-FC37-A76D-62A244E849E5}"/>
+              </a:ext>
+            </a:extLst>
+          </p:cNvPr>
+          <p:cNvPicPr>
+            <a:picLocks noChangeAspect="1" noChangeArrowheads="1"/>
+          </p:cNvPicPr>
+          <p:nvPr/>
+        </p:nvPicPr>
+        <p:blipFill rotWithShape="1">
+          <a:blip r:embed="rId4">
+            <a:extLst>
+              <a:ext uri="{28A0092B-C50C-407E-A947-70E740481C1C}">
+                <a14:useLocalDpi xmlns:a14="http://schemas.microsoft.com/office/drawing/2010/main" val="0"/>
+              </a:ext>
+            </a:extLst>
+          </a:blip>
+          <a:srcRect l="29957" t="26219"/>
+          <a:stretch/>
+        </p:blipFill>
+        <p:spPr bwMode="auto">
+          <a:xfrm>
+            <a:off x="7590936" y="2371878"/>
+            <a:ext cx="3445714" cy="2114243"/>
+          </a:xfrm>
+          <a:prstGeom prst="ellipse">
+            <a:avLst/>
+          </a:prstGeom>
+          <a:ln>
+            <a:noFill/>
+          </a:ln>
+          <a:effectLst>
+            <a:softEdge rad="112500"/>
+          </a:effectLst>
+          <a:extLst>
+            <a:ext uri="{909E8E84-426E-40DD-AFC4-6F175D3DCCD1}">
+              <a14:hiddenFill xmlns:a14="http://schemas.microsoft.com/office/drawing/2010/main">
+                <a:solidFill>
+                  <a:srgbClr val="FFFFFF"/>
+                </a:solidFill>
+              </a14:hiddenFill>
+            </a:ext>
+          </a:extLst>
+        </p:spPr>
+      </p:pic>
     </p:spTree>
     <p:extLst>
       <p:ext uri="{BB962C8B-B14F-4D97-AF65-F5344CB8AC3E}">
@@ -7457,13 +7970,9 @@
   <p:clrMapOvr>
     <a:masterClrMapping/>
   </p:clrMapOvr>
-  <p:timing>
-    <p:tnLst>
-      <p:par>
-        <p:cTn id="1" dur="indefinite" restart="never" nodeType="tmRoot"/>
-      </p:par>
-    </p:tnLst>
-  </p:timing>
+  <p:transition spd="med">
+    <p:pull/>
+  </p:transition>
 </p:sld>
 </file>
 
@@ -7486,7 +7995,13 @@
       </p:grpSpPr>
       <p:sp>
         <p:nvSpPr>
-          <p:cNvPr id="2" name="Cím 1"/>
+          <p:cNvPr id="2" name="Cím 1">
+            <a:extLst>
+              <a:ext uri="{FF2B5EF4-FFF2-40B4-BE49-F238E27FC236}">
+                <a16:creationId xmlns:a16="http://schemas.microsoft.com/office/drawing/2014/main" id="{93CAE45C-5434-FF14-8E3F-53A7BF8D66C7}"/>
+              </a:ext>
+            </a:extLst>
+          </p:cNvPr>
           <p:cNvSpPr>
             <a:spLocks noGrp="1"/>
           </p:cNvSpPr>
@@ -7500,10 +8015,183 @@
           <a:lstStyle/>
           <a:p>
             <a:r>
-              <a:rPr lang="hu-HU" dirty="0" smtClean="0"/>
+              <a:rPr lang="hu-HU" b="1" dirty="0"/>
+              <a:t>Tulajdonságok</a:t>
+            </a:r>
+          </a:p>
+        </p:txBody>
+      </p:sp>
+      <p:sp>
+        <p:nvSpPr>
+          <p:cNvPr id="3" name="Tartalom helye 2">
+            <a:extLst>
+              <a:ext uri="{FF2B5EF4-FFF2-40B4-BE49-F238E27FC236}">
+                <a16:creationId xmlns:a16="http://schemas.microsoft.com/office/drawing/2014/main" id="{3A8E3C23-D8C6-B516-B7D4-CE476ED8496C}"/>
+              </a:ext>
+            </a:extLst>
+          </p:cNvPr>
+          <p:cNvSpPr>
+            <a:spLocks noGrp="1"/>
+          </p:cNvSpPr>
+          <p:nvPr>
+            <p:ph idx="1"/>
+          </p:nvPr>
+        </p:nvSpPr>
+        <p:spPr/>
+        <p:txBody>
+          <a:bodyPr/>
+          <a:lstStyle/>
+          <a:p>
+            <a:r>
+              <a:rPr lang="hu-HU" sz="1800" dirty="0">
+                <a:effectLst/>
+                <a:latin typeface="Segoe UI" panose="020B0502040204020203" pitchFamily="34" charset="0"/>
+              </a:rPr>
+              <a:t>Objektum-orientált és procedurális-orientált</a:t>
+            </a:r>
+          </a:p>
+          <a:p>
+            <a:r>
+              <a:rPr lang="hu-HU" sz="1800" dirty="0">
+                <a:effectLst/>
+                <a:latin typeface="Segoe UI" panose="020B0502040204020203" pitchFamily="34" charset="0"/>
+              </a:rPr>
+              <a:t>Bővíthető</a:t>
+            </a:r>
+          </a:p>
+          <a:p>
+            <a:r>
+              <a:rPr lang="hu-HU" sz="1800" dirty="0">
+                <a:effectLst/>
+                <a:latin typeface="Segoe UI" panose="020B0502040204020203" pitchFamily="34" charset="0"/>
+              </a:rPr>
+              <a:t>GUI támogatása</a:t>
+            </a:r>
+            <a:endParaRPr lang="hu-HU" dirty="0">
+              <a:latin typeface="Segoe UI" panose="020B0502040204020203" pitchFamily="34" charset="0"/>
+            </a:endParaRPr>
+          </a:p>
+          <a:p>
+            <a:endParaRPr lang="hu-HU" dirty="0">
+              <a:latin typeface="Segoe UI" panose="020B0502040204020203" pitchFamily="34" charset="0"/>
+            </a:endParaRPr>
+          </a:p>
+          <a:p>
+            <a:endParaRPr lang="hu-HU" dirty="0"/>
+          </a:p>
+        </p:txBody>
+      </p:sp>
+      <p:pic>
+        <p:nvPicPr>
+          <p:cNvPr id="4" name="Picture 8" descr="Features of Python | Top 10 Features of Python programming | Edureka">
+            <a:extLst>
+              <a:ext uri="{FF2B5EF4-FFF2-40B4-BE49-F238E27FC236}">
+                <a16:creationId xmlns:a16="http://schemas.microsoft.com/office/drawing/2014/main" id="{41D5D2E5-3443-11FD-9BF7-2CAB33A4FBE3}"/>
+              </a:ext>
+            </a:extLst>
+          </p:cNvPr>
+          <p:cNvPicPr>
+            <a:picLocks noChangeAspect="1" noChangeArrowheads="1"/>
+          </p:cNvPicPr>
+          <p:nvPr/>
+        </p:nvPicPr>
+        <p:blipFill rotWithShape="1">
+          <a:blip r:embed="rId2">
+            <a:extLst>
+              <a:ext uri="{28A0092B-C50C-407E-A947-70E740481C1C}">
+                <a14:useLocalDpi xmlns:a14="http://schemas.microsoft.com/office/drawing/2010/main" val="0"/>
+              </a:ext>
+            </a:extLst>
+          </a:blip>
+          <a:srcRect l="29957" t="26219"/>
+          <a:stretch/>
+        </p:blipFill>
+        <p:spPr bwMode="auto">
+          <a:xfrm>
+            <a:off x="7590936" y="2371878"/>
+            <a:ext cx="3445714" cy="2114243"/>
+          </a:xfrm>
+          <a:prstGeom prst="ellipse">
+            <a:avLst/>
+          </a:prstGeom>
+          <a:ln>
+            <a:noFill/>
+          </a:ln>
+          <a:effectLst>
+            <a:softEdge rad="112500"/>
+          </a:effectLst>
+          <a:extLst>
+            <a:ext uri="{909E8E84-426E-40DD-AFC4-6F175D3DCCD1}">
+              <a14:hiddenFill xmlns:a14="http://schemas.microsoft.com/office/drawing/2010/main">
+                <a:solidFill>
+                  <a:srgbClr val="FFFFFF"/>
+                </a:solidFill>
+              </a14:hiddenFill>
+            </a:ext>
+          </a:extLst>
+        </p:spPr>
+      </p:pic>
+    </p:spTree>
+    <p:extLst>
+      <p:ext uri="{BB962C8B-B14F-4D97-AF65-F5344CB8AC3E}">
+        <p14:creationId xmlns:p14="http://schemas.microsoft.com/office/powerpoint/2010/main" val="2326044837"/>
+      </p:ext>
+    </p:extLst>
+  </p:cSld>
+  <p:clrMapOvr>
+    <a:masterClrMapping/>
+  </p:clrMapOvr>
+  <mc:AlternateContent xmlns:mc="http://schemas.openxmlformats.org/markup-compatibility/2006">
+    <mc:Choice xmlns:p14="http://schemas.microsoft.com/office/powerpoint/2010/main" Requires="p14">
+      <p:transition spd="slow" p14:dur="1600">
+        <p14:conveyor dir="l"/>
+      </p:transition>
+    </mc:Choice>
+    <mc:Fallback>
+      <p:transition spd="slow">
+        <p:fade/>
+      </p:transition>
+    </mc:Fallback>
+  </mc:AlternateContent>
+</p:sld>
+</file>
+
+<file path=ppt/slides/slide7.xml><?xml version="1.0" encoding="utf-8"?>
+<p:sld xmlns:a="http://schemas.openxmlformats.org/drawingml/2006/main" xmlns:r="http://schemas.openxmlformats.org/officeDocument/2006/relationships" xmlns:p="http://schemas.openxmlformats.org/presentationml/2006/main">
+  <p:cSld>
+    <p:spTree>
+      <p:nvGrpSpPr>
+        <p:cNvPr id="1" name=""/>
+        <p:cNvGrpSpPr/>
+        <p:nvPr/>
+      </p:nvGrpSpPr>
+      <p:grpSpPr>
+        <a:xfrm>
+          <a:off x="0" y="0"/>
+          <a:ext cx="0" cy="0"/>
+          <a:chOff x="0" y="0"/>
+          <a:chExt cx="0" cy="0"/>
+        </a:xfrm>
+      </p:grpSpPr>
+      <p:sp>
+        <p:nvSpPr>
+          <p:cNvPr id="2" name="Cím 1"/>
+          <p:cNvSpPr>
+            <a:spLocks noGrp="1"/>
+          </p:cNvSpPr>
+          <p:nvPr>
+            <p:ph type="title"/>
+          </p:nvPr>
+        </p:nvSpPr>
+        <p:spPr/>
+        <p:txBody>
+          <a:bodyPr/>
+          <a:lstStyle/>
+          <a:p>
+            <a:r>
+              <a:rPr lang="hu-HU" dirty="0"/>
               <a:t>Források</a:t>
             </a:r>
-            <a:endParaRPr lang="hu-HU" dirty="0"/>
           </a:p>
         </p:txBody>
       </p:sp>
@@ -7526,45 +8214,48 @@
               <a:rPr lang="hu-HU" dirty="0">
                 <a:hlinkClick r:id="rId2"/>
               </a:rPr>
-              <a:t>https://hu.wikipedia.org/wiki/Python_(programoz%C3%A1si_nyelv</a:t>
-            </a:r>
-            <a:r>
-              <a:rPr lang="hu-HU" dirty="0" smtClean="0">
-                <a:hlinkClick r:id="rId2"/>
-              </a:rPr>
-              <a:t>)</a:t>
-            </a:r>
-            <a:endParaRPr lang="hu-HU" dirty="0" smtClean="0"/>
+              <a:t>https://hu.wikipedia.org/wiki/Python_(programoz%C3%A1si_nyelv)</a:t>
+            </a:r>
+            <a:endParaRPr lang="hu-HU" dirty="0"/>
           </a:p>
           <a:p>
             <a:r>
               <a:rPr lang="hu-HU" dirty="0">
                 <a:hlinkClick r:id="rId3"/>
               </a:rPr>
-              <a:t>https://</a:t>
-            </a:r>
-            <a:r>
-              <a:rPr lang="hu-HU" dirty="0" smtClean="0">
-                <a:hlinkClick r:id="rId3"/>
-              </a:rPr>
-              <a:t>www.google.com/search?q=python&amp;source=lnms&amp;tbm=isch&amp;sa=X&amp;ved=2ahUKEwjd9-Tknpb6AhX6_rsIHQJGBhsQ_AUoAXoECAMQAw&amp;biw=929&amp;bih=932#imgrc=NTs26B9b7lTz3M</a:t>
-            </a:r>
-            <a:endParaRPr lang="hu-HU" dirty="0" smtClean="0"/>
+              <a:t>https://www.google.com/search?q=python&amp;source=lnms&amp;tbm=isch&amp;sa=X&amp;ved=2ahUKEwjd9-Tknpb6AhX6_rsIHQJGBhsQ_AUoAXoECAMQAw&amp;biw=929&amp;bih=932#imgrc=NTs26B9b7lTz3M</a:t>
+            </a:r>
+            <a:endParaRPr lang="hu-HU" dirty="0"/>
           </a:p>
           <a:p>
             <a:r>
               <a:rPr lang="hu-HU" dirty="0">
                 <a:hlinkClick r:id="rId4"/>
               </a:rPr>
-              <a:t>https://</a:t>
-            </a:r>
-            <a:r>
-              <a:rPr lang="hu-HU" dirty="0" smtClean="0">
-                <a:hlinkClick r:id="rId4"/>
+              <a:t>https://en.wikipedia.org/wiki/Guido_van_Rossum</a:t>
+            </a:r>
+            <a:endParaRPr lang="hu-HU" dirty="0"/>
+          </a:p>
+          <a:p>
+            <a:r>
+              <a:rPr lang="hu-HU" dirty="0">
+                <a:hlinkClick r:id="rId5"/>
               </a:rPr>
-              <a:t>en.wikipedia.org/wiki/Guido_van_Rossum</a:t>
-            </a:r>
-            <a:endParaRPr lang="hu-HU" dirty="0" smtClean="0"/>
+              <a:t>https://www.google.com/search?q=PYTHON&amp;rlz=1C1KNTJ_huHU1007HU1007&amp;sxsrf=ALiCzsY6hW6-Tp0R_zsnk36OLYHExZVDUA:1664033744102&amp;source=lnms&amp;tbm=isch&amp;sa=X&amp;ved=2ahUKEwirm9jh4K36AhXtlosKHW8TCJwQ_AUoAXoECAMQAw&amp;biw=1920&amp;bih=937&amp;dpr=1#imgrc=p62DzXxPjN3V8M</a:t>
+            </a:r>
+            <a:endParaRPr lang="hu-HU" dirty="0"/>
+          </a:p>
+          <a:p>
+            <a:r>
+              <a:rPr lang="hu-HU" dirty="0">
+                <a:hlinkClick r:id="rId6"/>
+              </a:rPr>
+              <a:t>https://www.simplilearn.com/python-features-article</a:t>
+            </a:r>
+            <a:endParaRPr lang="hu-HU" dirty="0"/>
+          </a:p>
+          <a:p>
+            <a:endParaRPr lang="hu-HU" dirty="0"/>
           </a:p>
           <a:p>
             <a:endParaRPr lang="hu-HU" dirty="0"/>
@@ -7581,17 +8272,10 @@
   <p:clrMapOvr>
     <a:masterClrMapping/>
   </p:clrMapOvr>
-  <p:timing>
-    <p:tnLst>
-      <p:par>
-        <p:cTn id="1" dur="indefinite" restart="never" nodeType="tmRoot"/>
-      </p:par>
-    </p:tnLst>
-  </p:timing>
 </p:sld>
 </file>
 
-<file path=ppt/slides/slide7.xml><?xml version="1.0" encoding="utf-8"?>
+<file path=ppt/slides/slide8.xml><?xml version="1.0" encoding="utf-8"?>
 <p:sld xmlns:a="http://schemas.openxmlformats.org/drawingml/2006/main" xmlns:r="http://schemas.openxmlformats.org/officeDocument/2006/relationships" xmlns:p="http://schemas.openxmlformats.org/presentationml/2006/main">
   <p:cSld>
     <p:spTree>
@@ -7674,10 +8358,9 @@
           <a:p>
             <a:pPr rtl="0"/>
             <a:r>
-              <a:rPr lang="hu-HU" dirty="0" smtClean="0"/>
-              <a:t>Köszönöm!</a:t>
-            </a:r>
-            <a:endParaRPr lang="hu-HU" dirty="0"/>
+              <a:rPr lang="hu-HU" dirty="0"/>
+              <a:t>Köszönöm a figyelmet!</a:t>
+            </a:r>
           </a:p>
         </p:txBody>
       </p:sp>
@@ -7691,13 +8374,18 @@
   <p:clrMapOvr>
     <a:masterClrMapping/>
   </p:clrMapOvr>
-  <p:timing>
-    <p:tnLst>
-      <p:par>
-        <p:cTn id="1" dur="indefinite" restart="never" nodeType="tmRoot"/>
-      </p:par>
-    </p:tnLst>
-  </p:timing>
+  <mc:AlternateContent xmlns:mc="http://schemas.openxmlformats.org/markup-compatibility/2006">
+    <mc:Choice xmlns:p14="http://schemas.microsoft.com/office/powerpoint/2010/main" Requires="p14">
+      <p:transition spd="slow">
+        <p14:flash/>
+      </p:transition>
+    </mc:Choice>
+    <mc:Fallback>
+      <p:transition spd="slow">
+        <p:fade/>
+      </p:transition>
+    </mc:Fallback>
+  </mc:AlternateContent>
 </p:sld>
 </file>
 
@@ -8541,6 +9229,23 @@
 </file>
 
 <file path=customXml/item1.xml><?xml version="1.0" encoding="utf-8"?>
+<p:properties xmlns:p="http://schemas.microsoft.com/office/2006/metadata/properties" xmlns:xsi="http://www.w3.org/2001/XMLSchema-instance" xmlns:pc="http://schemas.microsoft.com/office/infopath/2007/PartnerControls">
+  <documentManagement>
+    <MediaServiceKeyPoints xmlns="71af3243-3dd4-4a8d-8c0d-dd76da1f02a5" xsi:nil="true"/>
+  </documentManagement>
+</p:properties>
+</file>
+
+<file path=customXml/item2.xml><?xml version="1.0" encoding="utf-8"?>
+<?mso-contentType ?>
+<FormTemplates xmlns="http://schemas.microsoft.com/sharepoint/v3/contenttype/forms">
+  <Display>DocumentLibraryForm</Display>
+  <Edit>DocumentLibraryForm</Edit>
+  <New>DocumentLibraryForm</New>
+</FormTemplates>
+</file>
+
+<file path=customXml/item3.xml><?xml version="1.0" encoding="utf-8"?>
 <ct:contentTypeSchema xmlns:ct="http://schemas.microsoft.com/office/2006/metadata/contentType" xmlns:ma="http://schemas.microsoft.com/office/2006/metadata/properties/metaAttributes" ct:_="" ma:_="" ma:contentTypeName="Document" ma:contentTypeID="0x01010079F111ED35F8CC479449609E8A0923A6" ma:contentTypeVersion="11" ma:contentTypeDescription="Create a new document." ma:contentTypeScope="" ma:versionID="1c2eb7a32e66fb6e4260f3771546a5e2">
   <xsd:schema xmlns:xsd="http://www.w3.org/2001/XMLSchema" xmlns:xs="http://www.w3.org/2001/XMLSchema" xmlns:p="http://schemas.microsoft.com/office/2006/metadata/properties" xmlns:ns2="71af3243-3dd4-4a8d-8c0d-dd76da1f02a5" xmlns:ns3="16c05727-aa75-4e4a-9b5f-8a80a1165891" targetNamespace="http://schemas.microsoft.com/office/2006/metadata/properties" ma:root="true" ma:fieldsID="04e1f6479c48b08974ba73b5ca973489" ns2:_="" ns3:_="">
     <xsd:import namespace="71af3243-3dd4-4a8d-8c0d-dd76da1f02a5"/>
@@ -8751,24 +9456,32 @@
 </ct:contentTypeSchema>
 </file>
 
-<file path=customXml/item2.xml><?xml version="1.0" encoding="utf-8"?>
-<p:properties xmlns:p="http://schemas.microsoft.com/office/2006/metadata/properties" xmlns:xsi="http://www.w3.org/2001/XMLSchema-instance" xmlns:pc="http://schemas.microsoft.com/office/infopath/2007/PartnerControls">
-  <documentManagement>
-    <MediaServiceKeyPoints xmlns="71af3243-3dd4-4a8d-8c0d-dd76da1f02a5" xsi:nil="true"/>
-  </documentManagement>
-</p:properties>
+<file path=customXml/itemProps1.xml><?xml version="1.0" encoding="utf-8"?>
+<ds:datastoreItem xmlns:ds="http://schemas.openxmlformats.org/officeDocument/2006/customXml" ds:itemID="{B85274BF-C111-4B7A-8D90-F7666D37C131}">
+  <ds:schemaRefs>
+    <ds:schemaRef ds:uri="16c05727-aa75-4e4a-9b5f-8a80a1165891"/>
+    <ds:schemaRef ds:uri="71af3243-3dd4-4a8d-8c0d-dd76da1f02a5"/>
+    <ds:schemaRef ds:uri="http://schemas.openxmlformats.org/package/2006/metadata/core-properties"/>
+    <ds:schemaRef ds:uri="http://schemas.microsoft.com/office/2006/metadata/properties"/>
+    <ds:schemaRef ds:uri="http://www.w3.org/XML/1998/namespace"/>
+    <ds:schemaRef ds:uri="http://purl.org/dc/terms/"/>
+    <ds:schemaRef ds:uri="http://purl.org/dc/elements/1.1/"/>
+    <ds:schemaRef ds:uri="http://schemas.microsoft.com/office/2006/documentManagement/types"/>
+    <ds:schemaRef ds:uri="http://schemas.microsoft.com/office/infopath/2007/PartnerControls"/>
+    <ds:schemaRef ds:uri="http://purl.org/dc/dcmitype/"/>
+  </ds:schemaRefs>
+</ds:datastoreItem>
 </file>
 
-<file path=customXml/item3.xml><?xml version="1.0" encoding="utf-8"?>
-<?mso-contentType ?>
-<FormTemplates xmlns="http://schemas.microsoft.com/sharepoint/v3/contenttype/forms">
-  <Display>DocumentLibraryForm</Display>
-  <Edit>DocumentLibraryForm</Edit>
-  <New>DocumentLibraryForm</New>
-</FormTemplates>
+<file path=customXml/itemProps2.xml><?xml version="1.0" encoding="utf-8"?>
+<ds:datastoreItem xmlns:ds="http://schemas.openxmlformats.org/officeDocument/2006/customXml" ds:itemID="{E0F1DF1E-36E3-406C-8CF7-DB13BB647087}">
+  <ds:schemaRefs>
+    <ds:schemaRef ds:uri="http://schemas.microsoft.com/sharepoint/v3/contenttype/forms"/>
+  </ds:schemaRefs>
+</ds:datastoreItem>
 </file>
 
-<file path=customXml/itemProps1.xml><?xml version="1.0" encoding="utf-8"?>
+<file path=customXml/itemProps3.xml><?xml version="1.0" encoding="utf-8"?>
 <ds:datastoreItem xmlns:ds="http://schemas.openxmlformats.org/officeDocument/2006/customXml" ds:itemID="{9310845B-7F19-4A9A-BEE4-BEF0501E1A55}">
   <ds:schemaRefs>
     <ds:schemaRef ds:uri="http://schemas.microsoft.com/office/2006/metadata/contentType"/>
@@ -8785,22 +9498,4 @@
     <ds:schemaRef ds:uri="http://schemas.microsoft.com/internal/obd"/>
   </ds:schemaRefs>
 </ds:datastoreItem>
-</file>
-
-<file path=customXml/itemProps2.xml><?xml version="1.0" encoding="utf-8"?>
-<ds:datastoreItem xmlns:ds="http://schemas.openxmlformats.org/officeDocument/2006/customXml" ds:itemID="{B85274BF-C111-4B7A-8D90-F7666D37C131}">
-  <ds:schemaRefs>
-    <ds:schemaRef ds:uri="http://schemas.microsoft.com/office/2006/metadata/properties"/>
-    <ds:schemaRef ds:uri="http://schemas.microsoft.com/office/infopath/2007/PartnerControls"/>
-    <ds:schemaRef ds:uri="71af3243-3dd4-4a8d-8c0d-dd76da1f02a5"/>
-  </ds:schemaRefs>
-</ds:datastoreItem>
-</file>
-
-<file path=customXml/itemProps3.xml><?xml version="1.0" encoding="utf-8"?>
-<ds:datastoreItem xmlns:ds="http://schemas.openxmlformats.org/officeDocument/2006/customXml" ds:itemID="{E0F1DF1E-36E3-406C-8CF7-DB13BB647087}">
-  <ds:schemaRefs>
-    <ds:schemaRef ds:uri="http://schemas.microsoft.com/sharepoint/v3/contenttype/forms"/>
-  </ds:schemaRefs>
-</ds:datastoreItem>
 </file>